--- a/projectfiles/Präsentation/Bike-ShopPräsentation.pptx
+++ b/projectfiles/Präsentation/Bike-ShopPräsentation.pptx
@@ -7,6 +7,15 @@
   <p:sldIdLst>
     <p:sldId id="256" r:id="rId2"/>
     <p:sldId id="257" r:id="rId3"/>
+    <p:sldId id="258" r:id="rId4"/>
+    <p:sldId id="259" r:id="rId5"/>
+    <p:sldId id="262" r:id="rId6"/>
+    <p:sldId id="260" r:id="rId7"/>
+    <p:sldId id="261" r:id="rId8"/>
+    <p:sldId id="263" r:id="rId9"/>
+    <p:sldId id="264" r:id="rId10"/>
+    <p:sldId id="266" r:id="rId11"/>
+    <p:sldId id="267" r:id="rId12"/>
   </p:sldIdLst>
   <p:sldSz cx="12192000" cy="6858000"/>
   <p:notesSz cx="6858000" cy="9144000"/>
@@ -105,6 +114,11 @@
       </a:defRPr>
     </a:lvl9pPr>
   </p:defaultTextStyle>
+  <p:extLst>
+    <p:ext uri="{EFAFB233-063F-42B5-8137-9DF3F51BA10A}">
+      <p15:sldGuideLst xmlns:p15="http://schemas.microsoft.com/office/powerpoint/2012/main"/>
+    </p:ext>
+  </p:extLst>
 </p:presentation>
 </file>
 
@@ -3683,7 +3697,7 @@
         </p:nvSpPr>
         <p:spPr>
           <a:xfrm>
-            <a:off x="2417780" y="3531204"/>
+            <a:off x="4075130" y="3593343"/>
             <a:ext cx="8637072" cy="1507521"/>
           </a:xfrm>
         </p:spPr>
@@ -3752,8 +3766,47 @@
         </p:blipFill>
         <p:spPr>
           <a:xfrm>
-            <a:off x="2981775" y="4417586"/>
-            <a:ext cx="3856184" cy="2440414"/>
+            <a:off x="-1025683" y="3267198"/>
+            <a:ext cx="5397658" cy="3415947"/>
+          </a:xfrm>
+          <a:prstGeom prst="rect">
+            <a:avLst/>
+          </a:prstGeom>
+        </p:spPr>
+      </p:pic>
+      <p:pic>
+        <p:nvPicPr>
+          <p:cNvPr id="8" name="Grafik 7" descr="Ein Bild, das Kraftrad, geparkt, draußen, Motorradfahren enthält.&#10;&#10;Automatisch generierte Beschreibung">
+            <a:extLst>
+              <a:ext uri="{FF2B5EF4-FFF2-40B4-BE49-F238E27FC236}">
+                <a16:creationId xmlns:a16="http://schemas.microsoft.com/office/drawing/2014/main" id="{407E449F-68A4-D461-6DF9-0CBCB9646419}"/>
+              </a:ext>
+            </a:extLst>
+          </p:cNvPr>
+          <p:cNvPicPr>
+            <a:picLocks noChangeAspect="1"/>
+          </p:cNvPicPr>
+          <p:nvPr/>
+        </p:nvPicPr>
+        <p:blipFill>
+          <a:blip r:embed="rId4">
+            <a:extLst>
+              <a:ext uri="{28A0092B-C50C-407E-A947-70E740481C1C}">
+                <a14:useLocalDpi xmlns:a14="http://schemas.microsoft.com/office/drawing/2010/main" val="0"/>
+              </a:ext>
+              <a:ext uri="{837473B0-CC2E-450A-ABE3-18F120FF3D39}">
+                <a1611:picAttrSrcUrl xmlns:a1611="http://schemas.microsoft.com/office/drawing/2016/11/main" r:id="rId5"/>
+              </a:ext>
+            </a:extLst>
+          </a:blip>
+          <a:stretch>
+            <a:fillRect/>
+          </a:stretch>
+        </p:blipFill>
+        <p:spPr>
+          <a:xfrm>
+            <a:off x="5962463" y="3011187"/>
+            <a:ext cx="6078914" cy="3846813"/>
           </a:xfrm>
           <a:prstGeom prst="rect">
             <a:avLst/>
@@ -3764,6 +3817,257 @@
     <p:extLst>
       <p:ext uri="{BB962C8B-B14F-4D97-AF65-F5344CB8AC3E}">
         <p14:creationId xmlns:p14="http://schemas.microsoft.com/office/powerpoint/2010/main" val="1295820567"/>
+      </p:ext>
+    </p:extLst>
+  </p:cSld>
+  <p:clrMapOvr>
+    <a:masterClrMapping/>
+  </p:clrMapOvr>
+</p:sld>
+</file>
+
+<file path=ppt/slides/slide10.xml><?xml version="1.0" encoding="utf-8"?>
+<p:sld xmlns:a="http://schemas.openxmlformats.org/drawingml/2006/main" xmlns:r="http://schemas.openxmlformats.org/officeDocument/2006/relationships" xmlns:p="http://schemas.openxmlformats.org/presentationml/2006/main">
+  <p:cSld>
+    <p:spTree>
+      <p:nvGrpSpPr>
+        <p:cNvPr id="1" name=""/>
+        <p:cNvGrpSpPr/>
+        <p:nvPr/>
+      </p:nvGrpSpPr>
+      <p:grpSpPr>
+        <a:xfrm>
+          <a:off x="0" y="0"/>
+          <a:ext cx="0" cy="0"/>
+          <a:chOff x="0" y="0"/>
+          <a:chExt cx="0" cy="0"/>
+        </a:xfrm>
+      </p:grpSpPr>
+      <p:sp>
+        <p:nvSpPr>
+          <p:cNvPr id="3" name="Inhaltsplatzhalter 2">
+            <a:extLst>
+              <a:ext uri="{FF2B5EF4-FFF2-40B4-BE49-F238E27FC236}">
+                <a16:creationId xmlns:a16="http://schemas.microsoft.com/office/drawing/2014/main" id="{2F904D69-627A-449A-FB65-D5506DDB99A6}"/>
+              </a:ext>
+            </a:extLst>
+          </p:cNvPr>
+          <p:cNvSpPr>
+            <a:spLocks noGrp="1"/>
+          </p:cNvSpPr>
+          <p:nvPr>
+            <p:ph idx="1"/>
+          </p:nvPr>
+        </p:nvSpPr>
+        <p:spPr/>
+        <p:txBody>
+          <a:bodyPr>
+            <a:normAutofit/>
+          </a:bodyPr>
+          <a:lstStyle/>
+          <a:p>
+            <a:endParaRPr lang="de-AT" dirty="0"/>
+          </a:p>
+        </p:txBody>
+      </p:sp>
+      <p:pic>
+        <p:nvPicPr>
+          <p:cNvPr id="4" name="Grafik 3" descr="Ein Bild, das Text enthält.&#10;&#10;Automatisch generierte Beschreibung">
+            <a:extLst>
+              <a:ext uri="{FF2B5EF4-FFF2-40B4-BE49-F238E27FC236}">
+                <a16:creationId xmlns:a16="http://schemas.microsoft.com/office/drawing/2014/main" id="{32669E5B-8730-1CB9-FCEF-3BD3166CEAFB}"/>
+              </a:ext>
+            </a:extLst>
+          </p:cNvPr>
+          <p:cNvPicPr>
+            <a:picLocks noChangeAspect="1"/>
+          </p:cNvPicPr>
+          <p:nvPr/>
+        </p:nvPicPr>
+        <p:blipFill>
+          <a:blip r:embed="rId2">
+            <a:extLst>
+              <a:ext uri="{28A0092B-C50C-407E-A947-70E740481C1C}">
+                <a14:useLocalDpi xmlns:a14="http://schemas.microsoft.com/office/drawing/2010/main" val="0"/>
+              </a:ext>
+            </a:extLst>
+          </a:blip>
+          <a:stretch>
+            <a:fillRect/>
+          </a:stretch>
+        </p:blipFill>
+        <p:spPr>
+          <a:xfrm>
+            <a:off x="1451579" y="0"/>
+            <a:ext cx="2529809" cy="1897357"/>
+          </a:xfrm>
+          <a:prstGeom prst="rect">
+            <a:avLst/>
+          </a:prstGeom>
+        </p:spPr>
+      </p:pic>
+      <p:pic>
+        <p:nvPicPr>
+          <p:cNvPr id="5" name="Grafik 4">
+            <a:extLst>
+              <a:ext uri="{FF2B5EF4-FFF2-40B4-BE49-F238E27FC236}">
+                <a16:creationId xmlns:a16="http://schemas.microsoft.com/office/drawing/2014/main" id="{09ECCCA3-E90B-513C-D8F9-56880827F7C7}"/>
+              </a:ext>
+            </a:extLst>
+          </p:cNvPr>
+          <p:cNvPicPr>
+            <a:picLocks noChangeAspect="1"/>
+          </p:cNvPicPr>
+          <p:nvPr/>
+        </p:nvPicPr>
+        <p:blipFill>
+          <a:blip r:embed="rId3"/>
+          <a:stretch>
+            <a:fillRect/>
+          </a:stretch>
+        </p:blipFill>
+        <p:spPr>
+          <a:xfrm>
+            <a:off x="104774" y="2120506"/>
+            <a:ext cx="11933044" cy="1897357"/>
+          </a:xfrm>
+          <a:prstGeom prst="rect">
+            <a:avLst/>
+          </a:prstGeom>
+          <a:ln w="19050">
+            <a:solidFill>
+              <a:schemeClr val="tx1"/>
+            </a:solidFill>
+          </a:ln>
+        </p:spPr>
+      </p:pic>
+    </p:spTree>
+    <p:extLst>
+      <p:ext uri="{BB962C8B-B14F-4D97-AF65-F5344CB8AC3E}">
+        <p14:creationId xmlns:p14="http://schemas.microsoft.com/office/powerpoint/2010/main" val="1926596176"/>
+      </p:ext>
+    </p:extLst>
+  </p:cSld>
+  <p:clrMapOvr>
+    <a:masterClrMapping/>
+  </p:clrMapOvr>
+</p:sld>
+</file>
+
+<file path=ppt/slides/slide11.xml><?xml version="1.0" encoding="utf-8"?>
+<p:sld xmlns:a="http://schemas.openxmlformats.org/drawingml/2006/main" xmlns:r="http://schemas.openxmlformats.org/officeDocument/2006/relationships" xmlns:p="http://schemas.openxmlformats.org/presentationml/2006/main">
+  <p:cSld>
+    <p:spTree>
+      <p:nvGrpSpPr>
+        <p:cNvPr id="1" name=""/>
+        <p:cNvGrpSpPr/>
+        <p:nvPr/>
+      </p:nvGrpSpPr>
+      <p:grpSpPr>
+        <a:xfrm>
+          <a:off x="0" y="0"/>
+          <a:ext cx="0" cy="0"/>
+          <a:chOff x="0" y="0"/>
+          <a:chExt cx="0" cy="0"/>
+        </a:xfrm>
+      </p:grpSpPr>
+      <p:sp>
+        <p:nvSpPr>
+          <p:cNvPr id="3" name="Inhaltsplatzhalter 2">
+            <a:extLst>
+              <a:ext uri="{FF2B5EF4-FFF2-40B4-BE49-F238E27FC236}">
+                <a16:creationId xmlns:a16="http://schemas.microsoft.com/office/drawing/2014/main" id="{2F904D69-627A-449A-FB65-D5506DDB99A6}"/>
+              </a:ext>
+            </a:extLst>
+          </p:cNvPr>
+          <p:cNvSpPr>
+            <a:spLocks noGrp="1"/>
+          </p:cNvSpPr>
+          <p:nvPr>
+            <p:ph idx="1"/>
+          </p:nvPr>
+        </p:nvSpPr>
+        <p:spPr/>
+        <p:txBody>
+          <a:bodyPr>
+            <a:normAutofit/>
+          </a:bodyPr>
+          <a:lstStyle/>
+          <a:p>
+            <a:endParaRPr lang="de-AT" dirty="0"/>
+          </a:p>
+        </p:txBody>
+      </p:sp>
+      <p:pic>
+        <p:nvPicPr>
+          <p:cNvPr id="4" name="Grafik 3" descr="Ein Bild, das Text enthält.&#10;&#10;Automatisch generierte Beschreibung">
+            <a:extLst>
+              <a:ext uri="{FF2B5EF4-FFF2-40B4-BE49-F238E27FC236}">
+                <a16:creationId xmlns:a16="http://schemas.microsoft.com/office/drawing/2014/main" id="{32669E5B-8730-1CB9-FCEF-3BD3166CEAFB}"/>
+              </a:ext>
+            </a:extLst>
+          </p:cNvPr>
+          <p:cNvPicPr>
+            <a:picLocks noChangeAspect="1"/>
+          </p:cNvPicPr>
+          <p:nvPr/>
+        </p:nvPicPr>
+        <p:blipFill>
+          <a:blip r:embed="rId2">
+            <a:extLst>
+              <a:ext uri="{28A0092B-C50C-407E-A947-70E740481C1C}">
+                <a14:useLocalDpi xmlns:a14="http://schemas.microsoft.com/office/drawing/2010/main" val="0"/>
+              </a:ext>
+            </a:extLst>
+          </a:blip>
+          <a:stretch>
+            <a:fillRect/>
+          </a:stretch>
+        </p:blipFill>
+        <p:spPr>
+          <a:xfrm>
+            <a:off x="528301" y="0"/>
+            <a:ext cx="2529809" cy="1897357"/>
+          </a:xfrm>
+          <a:prstGeom prst="rect">
+            <a:avLst/>
+          </a:prstGeom>
+        </p:spPr>
+      </p:pic>
+      <p:pic>
+        <p:nvPicPr>
+          <p:cNvPr id="8" name="Grafik 7">
+            <a:extLst>
+              <a:ext uri="{FF2B5EF4-FFF2-40B4-BE49-F238E27FC236}">
+                <a16:creationId xmlns:a16="http://schemas.microsoft.com/office/drawing/2014/main" id="{C7C7470D-C007-70A5-A6AA-E4FCEAA15E29}"/>
+              </a:ext>
+            </a:extLst>
+          </p:cNvPr>
+          <p:cNvPicPr>
+            <a:picLocks noChangeAspect="1"/>
+          </p:cNvPicPr>
+          <p:nvPr/>
+        </p:nvPicPr>
+        <p:blipFill>
+          <a:blip r:embed="rId3"/>
+          <a:stretch>
+            <a:fillRect/>
+          </a:stretch>
+        </p:blipFill>
+        <p:spPr>
+          <a:xfrm>
+            <a:off x="3108945" y="35508"/>
+            <a:ext cx="9002443" cy="6778101"/>
+          </a:xfrm>
+          <a:prstGeom prst="rect">
+            <a:avLst/>
+          </a:prstGeom>
+        </p:spPr>
+      </p:pic>
+    </p:spTree>
+    <p:extLst>
+      <p:ext uri="{BB962C8B-B14F-4D97-AF65-F5344CB8AC3E}">
+        <p14:creationId xmlns:p14="http://schemas.microsoft.com/office/powerpoint/2010/main" val="3874367704"/>
       </p:ext>
     </p:extLst>
   </p:cSld>
@@ -3811,7 +4115,15 @@
           <a:bodyPr/>
           <a:lstStyle/>
           <a:p>
-            <a:endParaRPr lang="de-AT"/>
+            <a:r>
+              <a:rPr lang="de-AT" dirty="0"/>
+              <a:t>Bike-o-</a:t>
+            </a:r>
+            <a:r>
+              <a:rPr lang="de-AT" dirty="0" err="1"/>
+              <a:t>mat</a:t>
+            </a:r>
+            <a:endParaRPr lang="de-AT" dirty="0"/>
           </a:p>
         </p:txBody>
       </p:sp>
@@ -3836,7 +4148,31 @@
           <a:bodyPr/>
           <a:lstStyle/>
           <a:p>
-            <a:endParaRPr lang="de-AT"/>
+            <a:r>
+              <a:rPr lang="de-AT" dirty="0"/>
+              <a:t>Fahrrad-Vermietung über Stationen</a:t>
+            </a:r>
+          </a:p>
+          <a:p>
+            <a:r>
+              <a:rPr lang="de-AT" dirty="0"/>
+              <a:t>Microsoft Azure Server als Plattform</a:t>
+            </a:r>
+          </a:p>
+          <a:p>
+            <a:r>
+              <a:rPr lang="de-AT" dirty="0"/>
+              <a:t>Scan eines QR-Codes entsperrt Fahrrad</a:t>
+            </a:r>
+          </a:p>
+          <a:p>
+            <a:r>
+              <a:rPr lang="de-AT" dirty="0"/>
+              <a:t>Abrechnung über Website, Nutzeraccount</a:t>
+            </a:r>
+          </a:p>
+          <a:p>
+            <a:endParaRPr lang="de-AT" dirty="0"/>
           </a:p>
         </p:txBody>
       </p:sp>
@@ -3844,6 +4180,1131 @@
     <p:extLst>
       <p:ext uri="{BB962C8B-B14F-4D97-AF65-F5344CB8AC3E}">
         <p14:creationId xmlns:p14="http://schemas.microsoft.com/office/powerpoint/2010/main" val="3098888125"/>
+      </p:ext>
+    </p:extLst>
+  </p:cSld>
+  <p:clrMapOvr>
+    <a:masterClrMapping/>
+  </p:clrMapOvr>
+</p:sld>
+</file>
+
+<file path=ppt/slides/slide3.xml><?xml version="1.0" encoding="utf-8"?>
+<p:sld xmlns:a="http://schemas.openxmlformats.org/drawingml/2006/main" xmlns:r="http://schemas.openxmlformats.org/officeDocument/2006/relationships" xmlns:p="http://schemas.openxmlformats.org/presentationml/2006/main">
+  <p:cSld>
+    <p:spTree>
+      <p:nvGrpSpPr>
+        <p:cNvPr id="1" name=""/>
+        <p:cNvGrpSpPr/>
+        <p:nvPr/>
+      </p:nvGrpSpPr>
+      <p:grpSpPr>
+        <a:xfrm>
+          <a:off x="0" y="0"/>
+          <a:ext cx="0" cy="0"/>
+          <a:chOff x="0" y="0"/>
+          <a:chExt cx="0" cy="0"/>
+        </a:xfrm>
+      </p:grpSpPr>
+      <p:sp>
+        <p:nvSpPr>
+          <p:cNvPr id="2" name="Titel 1">
+            <a:extLst>
+              <a:ext uri="{FF2B5EF4-FFF2-40B4-BE49-F238E27FC236}">
+                <a16:creationId xmlns:a16="http://schemas.microsoft.com/office/drawing/2014/main" id="{1F773FA1-EEC6-FF10-08FF-31CAF843838D}"/>
+              </a:ext>
+            </a:extLst>
+          </p:cNvPr>
+          <p:cNvSpPr>
+            <a:spLocks noGrp="1"/>
+          </p:cNvSpPr>
+          <p:nvPr>
+            <p:ph type="title"/>
+          </p:nvPr>
+        </p:nvSpPr>
+        <p:spPr/>
+        <p:txBody>
+          <a:bodyPr/>
+          <a:lstStyle/>
+          <a:p>
+            <a:r>
+              <a:rPr lang="de-AT" dirty="0"/>
+              <a:t>Bike-o-</a:t>
+            </a:r>
+            <a:r>
+              <a:rPr lang="de-AT" dirty="0" err="1"/>
+              <a:t>mat</a:t>
+            </a:r>
+            <a:endParaRPr lang="de-AT" dirty="0"/>
+          </a:p>
+        </p:txBody>
+      </p:sp>
+      <p:sp>
+        <p:nvSpPr>
+          <p:cNvPr id="3" name="Inhaltsplatzhalter 2">
+            <a:extLst>
+              <a:ext uri="{FF2B5EF4-FFF2-40B4-BE49-F238E27FC236}">
+                <a16:creationId xmlns:a16="http://schemas.microsoft.com/office/drawing/2014/main" id="{2F904D69-627A-449A-FB65-D5506DDB99A6}"/>
+              </a:ext>
+            </a:extLst>
+          </p:cNvPr>
+          <p:cNvSpPr>
+            <a:spLocks noGrp="1"/>
+          </p:cNvSpPr>
+          <p:nvPr>
+            <p:ph idx="1"/>
+          </p:nvPr>
+        </p:nvSpPr>
+        <p:spPr/>
+        <p:txBody>
+          <a:bodyPr/>
+          <a:lstStyle/>
+          <a:p>
+            <a:r>
+              <a:rPr lang="de-AT" dirty="0"/>
+              <a:t>Erstellte Dokumente:</a:t>
+            </a:r>
+          </a:p>
+          <a:p>
+            <a:pPr lvl="1"/>
+            <a:r>
+              <a:rPr lang="de-AT" dirty="0"/>
+              <a:t>Projektauftrag</a:t>
+            </a:r>
+          </a:p>
+          <a:p>
+            <a:pPr lvl="1"/>
+            <a:r>
+              <a:rPr lang="de-AT" dirty="0"/>
+              <a:t>Projektstrukturplan</a:t>
+            </a:r>
+          </a:p>
+          <a:p>
+            <a:pPr lvl="1"/>
+            <a:r>
+              <a:rPr lang="de-AT" dirty="0"/>
+              <a:t>Umfeldanalyse</a:t>
+            </a:r>
+          </a:p>
+          <a:p>
+            <a:pPr lvl="1"/>
+            <a:r>
+              <a:rPr lang="de-AT" dirty="0"/>
+              <a:t>Machbarkeitsanalyse</a:t>
+            </a:r>
+          </a:p>
+          <a:p>
+            <a:pPr lvl="1"/>
+            <a:r>
+              <a:rPr lang="de-AT" dirty="0"/>
+              <a:t>Product-Backlog</a:t>
+            </a:r>
+          </a:p>
+          <a:p>
+            <a:pPr lvl="1"/>
+            <a:r>
+              <a:rPr lang="de-AT" dirty="0"/>
+              <a:t>Sprintbacklog</a:t>
+            </a:r>
+          </a:p>
+        </p:txBody>
+      </p:sp>
+    </p:spTree>
+    <p:extLst>
+      <p:ext uri="{BB962C8B-B14F-4D97-AF65-F5344CB8AC3E}">
+        <p14:creationId xmlns:p14="http://schemas.microsoft.com/office/powerpoint/2010/main" val="4115735604"/>
+      </p:ext>
+    </p:extLst>
+  </p:cSld>
+  <p:clrMapOvr>
+    <a:masterClrMapping/>
+  </p:clrMapOvr>
+</p:sld>
+</file>
+
+<file path=ppt/slides/slide4.xml><?xml version="1.0" encoding="utf-8"?>
+<p:sld xmlns:a="http://schemas.openxmlformats.org/drawingml/2006/main" xmlns:r="http://schemas.openxmlformats.org/officeDocument/2006/relationships" xmlns:p="http://schemas.openxmlformats.org/presentationml/2006/main">
+  <p:cSld>
+    <p:spTree>
+      <p:nvGrpSpPr>
+        <p:cNvPr id="1" name=""/>
+        <p:cNvGrpSpPr/>
+        <p:nvPr/>
+      </p:nvGrpSpPr>
+      <p:grpSpPr>
+        <a:xfrm>
+          <a:off x="0" y="0"/>
+          <a:ext cx="0" cy="0"/>
+          <a:chOff x="0" y="0"/>
+          <a:chExt cx="0" cy="0"/>
+        </a:xfrm>
+      </p:grpSpPr>
+      <p:pic>
+        <p:nvPicPr>
+          <p:cNvPr id="4" name="Grafik 3">
+            <a:extLst>
+              <a:ext uri="{FF2B5EF4-FFF2-40B4-BE49-F238E27FC236}">
+                <a16:creationId xmlns:a16="http://schemas.microsoft.com/office/drawing/2014/main" id="{43238760-A280-3137-DC35-9D4A7535AC16}"/>
+              </a:ext>
+            </a:extLst>
+          </p:cNvPr>
+          <p:cNvPicPr>
+            <a:picLocks noChangeAspect="1"/>
+          </p:cNvPicPr>
+          <p:nvPr/>
+        </p:nvPicPr>
+        <p:blipFill>
+          <a:blip r:embed="rId2"/>
+          <a:stretch>
+            <a:fillRect/>
+          </a:stretch>
+        </p:blipFill>
+        <p:spPr>
+          <a:xfrm>
+            <a:off x="830920" y="0"/>
+            <a:ext cx="10134600" cy="6743700"/>
+          </a:xfrm>
+          <a:prstGeom prst="rect">
+            <a:avLst/>
+          </a:prstGeom>
+        </p:spPr>
+      </p:pic>
+    </p:spTree>
+    <p:extLst>
+      <p:ext uri="{BB962C8B-B14F-4D97-AF65-F5344CB8AC3E}">
+        <p14:creationId xmlns:p14="http://schemas.microsoft.com/office/powerpoint/2010/main" val="3471891791"/>
+      </p:ext>
+    </p:extLst>
+  </p:cSld>
+  <p:clrMapOvr>
+    <a:masterClrMapping/>
+  </p:clrMapOvr>
+</p:sld>
+</file>
+
+<file path=ppt/slides/slide5.xml><?xml version="1.0" encoding="utf-8"?>
+<p:sld xmlns:a="http://schemas.openxmlformats.org/drawingml/2006/main" xmlns:r="http://schemas.openxmlformats.org/officeDocument/2006/relationships" xmlns:p="http://schemas.openxmlformats.org/presentationml/2006/main">
+  <p:cSld>
+    <p:spTree>
+      <p:nvGrpSpPr>
+        <p:cNvPr id="1" name=""/>
+        <p:cNvGrpSpPr/>
+        <p:nvPr/>
+      </p:nvGrpSpPr>
+      <p:grpSpPr>
+        <a:xfrm>
+          <a:off x="0" y="0"/>
+          <a:ext cx="0" cy="0"/>
+          <a:chOff x="0" y="0"/>
+          <a:chExt cx="0" cy="0"/>
+        </a:xfrm>
+      </p:grpSpPr>
+      <p:sp>
+        <p:nvSpPr>
+          <p:cNvPr id="2" name="Titel 1">
+            <a:extLst>
+              <a:ext uri="{FF2B5EF4-FFF2-40B4-BE49-F238E27FC236}">
+                <a16:creationId xmlns:a16="http://schemas.microsoft.com/office/drawing/2014/main" id="{63E8BFAB-838B-4D93-6065-D3DAE3D55B89}"/>
+              </a:ext>
+            </a:extLst>
+          </p:cNvPr>
+          <p:cNvSpPr>
+            <a:spLocks noGrp="1"/>
+          </p:cNvSpPr>
+          <p:nvPr>
+            <p:ph type="title"/>
+          </p:nvPr>
+        </p:nvSpPr>
+        <p:spPr/>
+        <p:txBody>
+          <a:bodyPr/>
+          <a:lstStyle/>
+          <a:p>
+            <a:r>
+              <a:rPr lang="de-AT" dirty="0"/>
+              <a:t>Bike-Shop</a:t>
+            </a:r>
+            <a:br>
+              <a:rPr lang="de-AT" dirty="0"/>
+            </a:br>
+            <a:r>
+              <a:rPr lang="de-AT" sz="2400" dirty="0"/>
+              <a:t>Product-Backlog</a:t>
+            </a:r>
+            <a:endParaRPr lang="de-AT" dirty="0"/>
+          </a:p>
+        </p:txBody>
+      </p:sp>
+      <p:pic>
+        <p:nvPicPr>
+          <p:cNvPr id="4" name="Grafik 3">
+            <a:extLst>
+              <a:ext uri="{FF2B5EF4-FFF2-40B4-BE49-F238E27FC236}">
+                <a16:creationId xmlns:a16="http://schemas.microsoft.com/office/drawing/2014/main" id="{D8B12A84-D620-8A73-3097-E1F2FAF800DD}"/>
+              </a:ext>
+            </a:extLst>
+          </p:cNvPr>
+          <p:cNvPicPr>
+            <a:picLocks noChangeAspect="1"/>
+          </p:cNvPicPr>
+          <p:nvPr/>
+        </p:nvPicPr>
+        <p:blipFill>
+          <a:blip r:embed="rId2"/>
+          <a:stretch>
+            <a:fillRect/>
+          </a:stretch>
+        </p:blipFill>
+        <p:spPr>
+          <a:xfrm>
+            <a:off x="5454" y="2076692"/>
+            <a:ext cx="12495524" cy="2175268"/>
+          </a:xfrm>
+          <a:prstGeom prst="rect">
+            <a:avLst/>
+          </a:prstGeom>
+        </p:spPr>
+      </p:pic>
+    </p:spTree>
+    <p:extLst>
+      <p:ext uri="{BB962C8B-B14F-4D97-AF65-F5344CB8AC3E}">
+        <p14:creationId xmlns:p14="http://schemas.microsoft.com/office/powerpoint/2010/main" val="3875927598"/>
+      </p:ext>
+    </p:extLst>
+  </p:cSld>
+  <p:clrMapOvr>
+    <a:masterClrMapping/>
+  </p:clrMapOvr>
+</p:sld>
+</file>
+
+<file path=ppt/slides/slide6.xml><?xml version="1.0" encoding="utf-8"?>
+<p:sld xmlns:a="http://schemas.openxmlformats.org/drawingml/2006/main" xmlns:r="http://schemas.openxmlformats.org/officeDocument/2006/relationships" xmlns:p="http://schemas.openxmlformats.org/presentationml/2006/main">
+  <p:cSld>
+    <p:spTree>
+      <p:nvGrpSpPr>
+        <p:cNvPr id="1" name=""/>
+        <p:cNvGrpSpPr/>
+        <p:nvPr/>
+      </p:nvGrpSpPr>
+      <p:grpSpPr>
+        <a:xfrm>
+          <a:off x="0" y="0"/>
+          <a:ext cx="0" cy="0"/>
+          <a:chOff x="0" y="0"/>
+          <a:chExt cx="0" cy="0"/>
+        </a:xfrm>
+      </p:grpSpPr>
+      <p:sp>
+        <p:nvSpPr>
+          <p:cNvPr id="2" name="Titel 1">
+            <a:extLst>
+              <a:ext uri="{FF2B5EF4-FFF2-40B4-BE49-F238E27FC236}">
+                <a16:creationId xmlns:a16="http://schemas.microsoft.com/office/drawing/2014/main" id="{1F773FA1-EEC6-FF10-08FF-31CAF843838D}"/>
+              </a:ext>
+            </a:extLst>
+          </p:cNvPr>
+          <p:cNvSpPr>
+            <a:spLocks noGrp="1"/>
+          </p:cNvSpPr>
+          <p:nvPr>
+            <p:ph type="title"/>
+          </p:nvPr>
+        </p:nvSpPr>
+        <p:spPr/>
+        <p:txBody>
+          <a:bodyPr/>
+          <a:lstStyle/>
+          <a:p>
+            <a:r>
+              <a:rPr lang="de-AT" dirty="0"/>
+              <a:t>Bike-o-</a:t>
+            </a:r>
+            <a:r>
+              <a:rPr lang="de-AT" dirty="0" err="1"/>
+              <a:t>mat</a:t>
+            </a:r>
+            <a:endParaRPr lang="de-AT" dirty="0"/>
+          </a:p>
+        </p:txBody>
+      </p:sp>
+      <p:pic>
+        <p:nvPicPr>
+          <p:cNvPr id="5" name="Grafik 4">
+            <a:extLst>
+              <a:ext uri="{FF2B5EF4-FFF2-40B4-BE49-F238E27FC236}">
+                <a16:creationId xmlns:a16="http://schemas.microsoft.com/office/drawing/2014/main" id="{E20D359B-1101-0146-3BE7-F2CD5B62DDD4}"/>
+              </a:ext>
+            </a:extLst>
+          </p:cNvPr>
+          <p:cNvPicPr>
+            <a:picLocks noChangeAspect="1"/>
+          </p:cNvPicPr>
+          <p:nvPr/>
+        </p:nvPicPr>
+        <p:blipFill>
+          <a:blip r:embed="rId2"/>
+          <a:stretch>
+            <a:fillRect/>
+          </a:stretch>
+        </p:blipFill>
+        <p:spPr>
+          <a:xfrm>
+            <a:off x="552449" y="1974064"/>
+            <a:ext cx="10953751" cy="1678119"/>
+          </a:xfrm>
+          <a:prstGeom prst="rect">
+            <a:avLst/>
+          </a:prstGeom>
+          <a:ln w="19050">
+            <a:solidFill>
+              <a:schemeClr val="tx1"/>
+            </a:solidFill>
+          </a:ln>
+        </p:spPr>
+      </p:pic>
+    </p:spTree>
+    <p:extLst>
+      <p:ext uri="{BB962C8B-B14F-4D97-AF65-F5344CB8AC3E}">
+        <p14:creationId xmlns:p14="http://schemas.microsoft.com/office/powerpoint/2010/main" val="1433280647"/>
+      </p:ext>
+    </p:extLst>
+  </p:cSld>
+  <p:clrMapOvr>
+    <a:masterClrMapping/>
+  </p:clrMapOvr>
+</p:sld>
+</file>
+
+<file path=ppt/slides/slide7.xml><?xml version="1.0" encoding="utf-8"?>
+<p:sld xmlns:a="http://schemas.openxmlformats.org/drawingml/2006/main" xmlns:r="http://schemas.openxmlformats.org/officeDocument/2006/relationships" xmlns:p="http://schemas.openxmlformats.org/presentationml/2006/main">
+  <p:cSld>
+    <p:spTree>
+      <p:nvGrpSpPr>
+        <p:cNvPr id="1" name=""/>
+        <p:cNvGrpSpPr/>
+        <p:nvPr/>
+      </p:nvGrpSpPr>
+      <p:grpSpPr>
+        <a:xfrm>
+          <a:off x="0" y="0"/>
+          <a:ext cx="0" cy="0"/>
+          <a:chOff x="0" y="0"/>
+          <a:chExt cx="0" cy="0"/>
+        </a:xfrm>
+      </p:grpSpPr>
+      <p:sp>
+        <p:nvSpPr>
+          <p:cNvPr id="2" name="Titel 1">
+            <a:extLst>
+              <a:ext uri="{FF2B5EF4-FFF2-40B4-BE49-F238E27FC236}">
+                <a16:creationId xmlns:a16="http://schemas.microsoft.com/office/drawing/2014/main" id="{ACA5F2A2-8BC6-7A44-280C-8596F1274823}"/>
+              </a:ext>
+            </a:extLst>
+          </p:cNvPr>
+          <p:cNvSpPr>
+            <a:spLocks noGrp="1"/>
+          </p:cNvSpPr>
+          <p:nvPr>
+            <p:ph type="title"/>
+          </p:nvPr>
+        </p:nvSpPr>
+        <p:spPr/>
+        <p:txBody>
+          <a:bodyPr/>
+          <a:lstStyle/>
+          <a:p>
+            <a:endParaRPr lang="de-AT" dirty="0"/>
+          </a:p>
+        </p:txBody>
+      </p:sp>
+      <p:sp>
+        <p:nvSpPr>
+          <p:cNvPr id="3" name="Inhaltsplatzhalter 2">
+            <a:extLst>
+              <a:ext uri="{FF2B5EF4-FFF2-40B4-BE49-F238E27FC236}">
+                <a16:creationId xmlns:a16="http://schemas.microsoft.com/office/drawing/2014/main" id="{D17BA997-BD5B-472C-6B3F-F1F7CAC92C42}"/>
+              </a:ext>
+            </a:extLst>
+          </p:cNvPr>
+          <p:cNvSpPr>
+            <a:spLocks noGrp="1"/>
+          </p:cNvSpPr>
+          <p:nvPr>
+            <p:ph idx="1"/>
+          </p:nvPr>
+        </p:nvSpPr>
+        <p:spPr/>
+        <p:txBody>
+          <a:bodyPr/>
+          <a:lstStyle/>
+          <a:p>
+            <a:endParaRPr lang="de-AT"/>
+          </a:p>
+        </p:txBody>
+      </p:sp>
+      <p:pic>
+        <p:nvPicPr>
+          <p:cNvPr id="5" name="Grafik 4">
+            <a:extLst>
+              <a:ext uri="{FF2B5EF4-FFF2-40B4-BE49-F238E27FC236}">
+                <a16:creationId xmlns:a16="http://schemas.microsoft.com/office/drawing/2014/main" id="{3FAF0A13-3653-3122-B014-B8F9D8310742}"/>
+              </a:ext>
+            </a:extLst>
+          </p:cNvPr>
+          <p:cNvPicPr>
+            <a:picLocks noChangeAspect="1"/>
+          </p:cNvPicPr>
+          <p:nvPr/>
+        </p:nvPicPr>
+        <p:blipFill>
+          <a:blip r:embed="rId2"/>
+          <a:stretch>
+            <a:fillRect/>
+          </a:stretch>
+        </p:blipFill>
+        <p:spPr>
+          <a:xfrm>
+            <a:off x="35140" y="804519"/>
+            <a:ext cx="6987218" cy="5658986"/>
+          </a:xfrm>
+          <a:prstGeom prst="rect">
+            <a:avLst/>
+          </a:prstGeom>
+        </p:spPr>
+      </p:pic>
+      <p:pic>
+        <p:nvPicPr>
+          <p:cNvPr id="8" name="Grafik 7">
+            <a:extLst>
+              <a:ext uri="{FF2B5EF4-FFF2-40B4-BE49-F238E27FC236}">
+                <a16:creationId xmlns:a16="http://schemas.microsoft.com/office/drawing/2014/main" id="{963CA447-CA72-E8F2-2B3E-74A5C80C93C5}"/>
+              </a:ext>
+            </a:extLst>
+          </p:cNvPr>
+          <p:cNvPicPr>
+            <a:picLocks noChangeAspect="1"/>
+          </p:cNvPicPr>
+          <p:nvPr/>
+        </p:nvPicPr>
+        <p:blipFill rotWithShape="1">
+          <a:blip r:embed="rId3"/>
+          <a:srcRect l="803" t="1773" r="929" b="929"/>
+          <a:stretch/>
+        </p:blipFill>
+        <p:spPr>
+          <a:xfrm>
+            <a:off x="6604986" y="822275"/>
+            <a:ext cx="5429534" cy="5611521"/>
+          </a:xfrm>
+          <a:prstGeom prst="rect">
+            <a:avLst/>
+          </a:prstGeom>
+          <a:ln w="25400">
+            <a:solidFill>
+              <a:schemeClr val="tx1"/>
+            </a:solidFill>
+          </a:ln>
+        </p:spPr>
+      </p:pic>
+    </p:spTree>
+    <p:extLst>
+      <p:ext uri="{BB962C8B-B14F-4D97-AF65-F5344CB8AC3E}">
+        <p14:creationId xmlns:p14="http://schemas.microsoft.com/office/powerpoint/2010/main" val="1606172316"/>
+      </p:ext>
+    </p:extLst>
+  </p:cSld>
+  <p:clrMapOvr>
+    <a:masterClrMapping/>
+  </p:clrMapOvr>
+</p:sld>
+</file>
+
+<file path=ppt/slides/slide8.xml><?xml version="1.0" encoding="utf-8"?>
+<p:sld xmlns:a="http://schemas.openxmlformats.org/drawingml/2006/main" xmlns:r="http://schemas.openxmlformats.org/officeDocument/2006/relationships" xmlns:p="http://schemas.openxmlformats.org/presentationml/2006/main">
+  <p:cSld>
+    <p:spTree>
+      <p:nvGrpSpPr>
+        <p:cNvPr id="1" name=""/>
+        <p:cNvGrpSpPr/>
+        <p:nvPr/>
+      </p:nvGrpSpPr>
+      <p:grpSpPr>
+        <a:xfrm>
+          <a:off x="0" y="0"/>
+          <a:ext cx="0" cy="0"/>
+          <a:chOff x="0" y="0"/>
+          <a:chExt cx="0" cy="0"/>
+        </a:xfrm>
+      </p:grpSpPr>
+      <p:sp>
+        <p:nvSpPr>
+          <p:cNvPr id="2" name="Titel 1">
+            <a:extLst>
+              <a:ext uri="{FF2B5EF4-FFF2-40B4-BE49-F238E27FC236}">
+                <a16:creationId xmlns:a16="http://schemas.microsoft.com/office/drawing/2014/main" id="{1F773FA1-EEC6-FF10-08FF-31CAF843838D}"/>
+              </a:ext>
+            </a:extLst>
+          </p:cNvPr>
+          <p:cNvSpPr>
+            <a:spLocks noGrp="1"/>
+          </p:cNvSpPr>
+          <p:nvPr>
+            <p:ph type="title"/>
+          </p:nvPr>
+        </p:nvSpPr>
+        <p:spPr/>
+        <p:txBody>
+          <a:bodyPr/>
+          <a:lstStyle/>
+          <a:p>
+            <a:r>
+              <a:rPr lang="de-AT" strike="sngStrike" dirty="0"/>
+              <a:t>Bike-o-</a:t>
+            </a:r>
+            <a:r>
+              <a:rPr lang="de-AT" strike="sngStrike" dirty="0" err="1"/>
+              <a:t>mat</a:t>
+            </a:r>
+            <a:r>
+              <a:rPr lang="de-AT" dirty="0"/>
+              <a:t>		</a:t>
+            </a:r>
+          </a:p>
+        </p:txBody>
+      </p:sp>
+      <p:pic>
+        <p:nvPicPr>
+          <p:cNvPr id="5" name="Inhaltsplatzhalter 4" descr="Ein Bild, das Waffe enthält.&#10;&#10;Automatisch generierte Beschreibung">
+            <a:extLst>
+              <a:ext uri="{FF2B5EF4-FFF2-40B4-BE49-F238E27FC236}">
+                <a16:creationId xmlns:a16="http://schemas.microsoft.com/office/drawing/2014/main" id="{27459113-8A60-D902-5B5A-253971C8F538}"/>
+              </a:ext>
+            </a:extLst>
+          </p:cNvPr>
+          <p:cNvPicPr>
+            <a:picLocks noGrp="1" noChangeAspect="1"/>
+          </p:cNvPicPr>
+          <p:nvPr>
+            <p:ph idx="1"/>
+          </p:nvPr>
+        </p:nvPicPr>
+        <p:blipFill>
+          <a:blip r:embed="rId2">
+            <a:extLst>
+              <a:ext uri="{28A0092B-C50C-407E-A947-70E740481C1C}">
+                <a14:useLocalDpi xmlns:a14="http://schemas.microsoft.com/office/drawing/2010/main" val="0"/>
+              </a:ext>
+              <a:ext uri="{837473B0-CC2E-450A-ABE3-18F120FF3D39}">
+                <a1611:picAttrSrcUrl xmlns:a1611="http://schemas.microsoft.com/office/drawing/2016/11/main" r:id="rId3"/>
+              </a:ext>
+            </a:extLst>
+          </a:blip>
+          <a:stretch>
+            <a:fillRect/>
+          </a:stretch>
+        </p:blipFill>
+        <p:spPr>
+          <a:xfrm>
+            <a:off x="3870960" y="889214"/>
+            <a:ext cx="1320096" cy="879844"/>
+          </a:xfrm>
+        </p:spPr>
+      </p:pic>
+      <p:pic>
+        <p:nvPicPr>
+          <p:cNvPr id="7" name="Grafik 6" descr="Ein Bild, das Stift enthält.&#10;&#10;Automatisch generierte Beschreibung">
+            <a:extLst>
+              <a:ext uri="{FF2B5EF4-FFF2-40B4-BE49-F238E27FC236}">
+                <a16:creationId xmlns:a16="http://schemas.microsoft.com/office/drawing/2014/main" id="{33F1256F-4AE3-46D8-4FD0-5C2C61CDFD2A}"/>
+              </a:ext>
+            </a:extLst>
+          </p:cNvPr>
+          <p:cNvPicPr>
+            <a:picLocks noChangeAspect="1"/>
+          </p:cNvPicPr>
+          <p:nvPr/>
+        </p:nvPicPr>
+        <p:blipFill>
+          <a:blip r:embed="rId4">
+            <a:extLst>
+              <a:ext uri="{28A0092B-C50C-407E-A947-70E740481C1C}">
+                <a14:useLocalDpi xmlns:a14="http://schemas.microsoft.com/office/drawing/2010/main" val="0"/>
+              </a:ext>
+              <a:ext uri="{837473B0-CC2E-450A-ABE3-18F120FF3D39}">
+                <a1611:picAttrSrcUrl xmlns:a1611="http://schemas.microsoft.com/office/drawing/2016/11/main" r:id="rId5"/>
+              </a:ext>
+            </a:extLst>
+          </a:blip>
+          <a:stretch>
+            <a:fillRect/>
+          </a:stretch>
+        </p:blipFill>
+        <p:spPr>
+          <a:xfrm flipH="1">
+            <a:off x="1047941" y="889214"/>
+            <a:ext cx="403637" cy="386745"/>
+          </a:xfrm>
+          <a:prstGeom prst="rect">
+            <a:avLst/>
+          </a:prstGeom>
+        </p:spPr>
+      </p:pic>
+      <p:sp>
+        <p:nvSpPr>
+          <p:cNvPr id="9" name="Inhaltsplatzhalter 2">
+            <a:extLst>
+              <a:ext uri="{FF2B5EF4-FFF2-40B4-BE49-F238E27FC236}">
+                <a16:creationId xmlns:a16="http://schemas.microsoft.com/office/drawing/2014/main" id="{0E82E41D-CB05-DE38-707B-8A48A4C5FC2B}"/>
+              </a:ext>
+            </a:extLst>
+          </p:cNvPr>
+          <p:cNvSpPr txBox="1">
+            <a:spLocks/>
+          </p:cNvSpPr>
+          <p:nvPr/>
+        </p:nvSpPr>
+        <p:spPr>
+          <a:xfrm>
+            <a:off x="1451579" y="2015732"/>
+            <a:ext cx="9603275" cy="3450613"/>
+          </a:xfrm>
+          <a:prstGeom prst="rect">
+            <a:avLst/>
+          </a:prstGeom>
+        </p:spPr>
+        <p:txBody>
+          <a:bodyPr vert="horz" lIns="91440" tIns="45720" rIns="91440" bIns="45720" rtlCol="0" anchor="t">
+            <a:normAutofit/>
+          </a:bodyPr>
+          <a:lstStyle>
+            <a:lvl1pPr marL="228600" indent="-228600" algn="l" defTabSz="914400" rtl="0" eaLnBrk="1" latinLnBrk="0" hangingPunct="1">
+              <a:lnSpc>
+                <a:spcPct val="120000"/>
+              </a:lnSpc>
+              <a:spcBef>
+                <a:spcPts val="1000"/>
+              </a:spcBef>
+              <a:buClr>
+                <a:schemeClr val="accent1"/>
+              </a:buClr>
+              <a:buSzPct val="100000"/>
+              <a:buFont typeface="Arial" panose="020B0604020202020204" pitchFamily="34" charset="0"/>
+              <a:buChar char="•"/>
+              <a:defRPr sz="2000" kern="1200">
+                <a:solidFill>
+                  <a:schemeClr val="tx1"/>
+                </a:solidFill>
+                <a:effectLst/>
+                <a:latin typeface="+mn-lt"/>
+                <a:ea typeface="+mn-ea"/>
+                <a:cs typeface="+mn-cs"/>
+              </a:defRPr>
+            </a:lvl1pPr>
+            <a:lvl2pPr marL="685800" indent="-228600" algn="l" defTabSz="914400" rtl="0" eaLnBrk="1" latinLnBrk="0" hangingPunct="1">
+              <a:lnSpc>
+                <a:spcPct val="120000"/>
+              </a:lnSpc>
+              <a:spcBef>
+                <a:spcPts val="500"/>
+              </a:spcBef>
+              <a:buClr>
+                <a:schemeClr val="accent1"/>
+              </a:buClr>
+              <a:buSzPct val="100000"/>
+              <a:buFont typeface="Arial" panose="020B0604020202020204" pitchFamily="34" charset="0"/>
+              <a:buChar char="•"/>
+              <a:defRPr sz="1800" kern="1200" cap="none" baseline="0">
+                <a:solidFill>
+                  <a:schemeClr val="tx1"/>
+                </a:solidFill>
+                <a:effectLst/>
+                <a:latin typeface="+mn-lt"/>
+                <a:ea typeface="+mn-ea"/>
+                <a:cs typeface="+mn-cs"/>
+              </a:defRPr>
+            </a:lvl2pPr>
+            <a:lvl3pPr marL="1143000" indent="-228600" algn="l" defTabSz="914400" rtl="0" eaLnBrk="1" latinLnBrk="0" hangingPunct="1">
+              <a:lnSpc>
+                <a:spcPct val="120000"/>
+              </a:lnSpc>
+              <a:spcBef>
+                <a:spcPts val="500"/>
+              </a:spcBef>
+              <a:buClr>
+                <a:schemeClr val="accent1"/>
+              </a:buClr>
+              <a:buSzPct val="100000"/>
+              <a:buFont typeface="Arial" panose="020B0604020202020204" pitchFamily="34" charset="0"/>
+              <a:buChar char="•"/>
+              <a:defRPr sz="1600" kern="1200">
+                <a:solidFill>
+                  <a:schemeClr val="tx1"/>
+                </a:solidFill>
+                <a:effectLst/>
+                <a:latin typeface="+mn-lt"/>
+                <a:ea typeface="+mn-ea"/>
+                <a:cs typeface="+mn-cs"/>
+              </a:defRPr>
+            </a:lvl3pPr>
+            <a:lvl4pPr marL="1600200" indent="-228600" algn="l" defTabSz="914400" rtl="0" eaLnBrk="1" latinLnBrk="0" hangingPunct="1">
+              <a:lnSpc>
+                <a:spcPct val="120000"/>
+              </a:lnSpc>
+              <a:spcBef>
+                <a:spcPts val="500"/>
+              </a:spcBef>
+              <a:buClr>
+                <a:schemeClr val="accent1"/>
+              </a:buClr>
+              <a:buSzPct val="100000"/>
+              <a:buFont typeface="Arial" panose="020B0604020202020204" pitchFamily="34" charset="0"/>
+              <a:buChar char="•"/>
+              <a:defRPr sz="1400" kern="1200" cap="none" baseline="0">
+                <a:solidFill>
+                  <a:schemeClr val="tx1"/>
+                </a:solidFill>
+                <a:effectLst/>
+                <a:latin typeface="+mn-lt"/>
+                <a:ea typeface="+mn-ea"/>
+                <a:cs typeface="+mn-cs"/>
+              </a:defRPr>
+            </a:lvl4pPr>
+            <a:lvl5pPr marL="2057400" indent="-228600" algn="l" defTabSz="914400" rtl="0" eaLnBrk="1" latinLnBrk="0" hangingPunct="1">
+              <a:lnSpc>
+                <a:spcPct val="120000"/>
+              </a:lnSpc>
+              <a:spcBef>
+                <a:spcPts val="500"/>
+              </a:spcBef>
+              <a:buClr>
+                <a:schemeClr val="accent1"/>
+              </a:buClr>
+              <a:buSzPct val="100000"/>
+              <a:buFont typeface="Arial" panose="020B0604020202020204" pitchFamily="34" charset="0"/>
+              <a:buChar char="•"/>
+              <a:defRPr sz="1200" kern="1200">
+                <a:solidFill>
+                  <a:schemeClr val="tx1"/>
+                </a:solidFill>
+                <a:effectLst/>
+                <a:latin typeface="+mn-lt"/>
+                <a:ea typeface="+mn-ea"/>
+                <a:cs typeface="+mn-cs"/>
+              </a:defRPr>
+            </a:lvl5pPr>
+            <a:lvl6pPr marL="2514600" indent="-228600" algn="l" defTabSz="914400" rtl="0" eaLnBrk="1" latinLnBrk="0" hangingPunct="1">
+              <a:lnSpc>
+                <a:spcPct val="120000"/>
+              </a:lnSpc>
+              <a:spcBef>
+                <a:spcPts val="500"/>
+              </a:spcBef>
+              <a:buClr>
+                <a:schemeClr val="accent1"/>
+              </a:buClr>
+              <a:buSzPct val="100000"/>
+              <a:buFont typeface="Arial" panose="020B0604020202020204" pitchFamily="34" charset="0"/>
+              <a:buChar char="•"/>
+              <a:defRPr sz="1200" kern="1200">
+                <a:solidFill>
+                  <a:schemeClr val="tx1"/>
+                </a:solidFill>
+                <a:effectLst/>
+                <a:latin typeface="+mn-lt"/>
+                <a:ea typeface="+mn-ea"/>
+                <a:cs typeface="+mn-cs"/>
+              </a:defRPr>
+            </a:lvl6pPr>
+            <a:lvl7pPr marL="2971800" indent="-228600" algn="l" defTabSz="914400" rtl="0" eaLnBrk="1" latinLnBrk="0" hangingPunct="1">
+              <a:lnSpc>
+                <a:spcPct val="120000"/>
+              </a:lnSpc>
+              <a:spcBef>
+                <a:spcPts val="500"/>
+              </a:spcBef>
+              <a:buClr>
+                <a:schemeClr val="accent1"/>
+              </a:buClr>
+              <a:buSzPct val="100000"/>
+              <a:buFont typeface="Arial" panose="020B0604020202020204" pitchFamily="34" charset="0"/>
+              <a:buChar char="•"/>
+              <a:defRPr sz="1200" kern="1200">
+                <a:solidFill>
+                  <a:schemeClr val="tx1"/>
+                </a:solidFill>
+                <a:effectLst/>
+                <a:latin typeface="+mn-lt"/>
+                <a:ea typeface="+mn-ea"/>
+                <a:cs typeface="+mn-cs"/>
+              </a:defRPr>
+            </a:lvl7pPr>
+            <a:lvl8pPr marL="3429000" indent="-228600" algn="l" defTabSz="914400" rtl="0" eaLnBrk="1" latinLnBrk="0" hangingPunct="1">
+              <a:lnSpc>
+                <a:spcPct val="120000"/>
+              </a:lnSpc>
+              <a:spcBef>
+                <a:spcPts val="500"/>
+              </a:spcBef>
+              <a:buClr>
+                <a:schemeClr val="accent1"/>
+              </a:buClr>
+              <a:buSzPct val="100000"/>
+              <a:buFont typeface="Arial" panose="020B0604020202020204" pitchFamily="34" charset="0"/>
+              <a:buChar char="•"/>
+              <a:defRPr sz="1200" kern="1200" baseline="0">
+                <a:solidFill>
+                  <a:schemeClr val="tx1"/>
+                </a:solidFill>
+                <a:effectLst/>
+                <a:latin typeface="+mn-lt"/>
+                <a:ea typeface="+mn-ea"/>
+                <a:cs typeface="+mn-cs"/>
+              </a:defRPr>
+            </a:lvl8pPr>
+            <a:lvl9pPr marL="3886200" indent="-228600" algn="l" defTabSz="914400" rtl="0" eaLnBrk="1" latinLnBrk="0" hangingPunct="1">
+              <a:lnSpc>
+                <a:spcPct val="120000"/>
+              </a:lnSpc>
+              <a:spcBef>
+                <a:spcPts val="500"/>
+              </a:spcBef>
+              <a:buClr>
+                <a:schemeClr val="accent1"/>
+              </a:buClr>
+              <a:buSzPct val="100000"/>
+              <a:buFont typeface="Arial" panose="020B0604020202020204" pitchFamily="34" charset="0"/>
+              <a:buChar char="•"/>
+              <a:defRPr sz="1200" kern="1200" baseline="0">
+                <a:solidFill>
+                  <a:schemeClr val="tx1"/>
+                </a:solidFill>
+                <a:effectLst/>
+                <a:latin typeface="+mn-lt"/>
+                <a:ea typeface="+mn-ea"/>
+                <a:cs typeface="+mn-cs"/>
+              </a:defRPr>
+            </a:lvl9pPr>
+          </a:lstStyle>
+          <a:p>
+            <a:r>
+              <a:rPr lang="de-AT" dirty="0"/>
+              <a:t>Unzureichende Zeit</a:t>
+            </a:r>
+          </a:p>
+          <a:p>
+            <a:r>
+              <a:rPr lang="de-AT" dirty="0"/>
+              <a:t>Ausfall von Teammitgliedern</a:t>
+            </a:r>
+          </a:p>
+          <a:p>
+            <a:r>
+              <a:rPr lang="de-AT" dirty="0"/>
+              <a:t>Fehlendes </a:t>
+            </a:r>
+            <a:r>
+              <a:rPr lang="de-AT" dirty="0" err="1"/>
+              <a:t>Know-How</a:t>
+            </a:r>
+            <a:endParaRPr lang="de-AT" dirty="0"/>
+          </a:p>
+          <a:p>
+            <a:endParaRPr lang="de-AT" dirty="0"/>
+          </a:p>
+          <a:p>
+            <a:r>
+              <a:rPr lang="de-AT" dirty="0"/>
+              <a:t>Start von Bike-Shop</a:t>
+            </a:r>
+          </a:p>
+          <a:p>
+            <a:endParaRPr lang="de-AT" dirty="0"/>
+          </a:p>
+        </p:txBody>
+      </p:sp>
+      <p:pic>
+        <p:nvPicPr>
+          <p:cNvPr id="11" name="Grafik 10" descr="Ein Bild, das Text enthält.&#10;&#10;Automatisch generierte Beschreibung">
+            <a:extLst>
+              <a:ext uri="{FF2B5EF4-FFF2-40B4-BE49-F238E27FC236}">
+                <a16:creationId xmlns:a16="http://schemas.microsoft.com/office/drawing/2014/main" id="{C46E9514-F1E4-7BE4-D86B-C531B3E4B3E2}"/>
+              </a:ext>
+            </a:extLst>
+          </p:cNvPr>
+          <p:cNvPicPr>
+            <a:picLocks noChangeAspect="1"/>
+          </p:cNvPicPr>
+          <p:nvPr/>
+        </p:nvPicPr>
+        <p:blipFill>
+          <a:blip r:embed="rId6">
+            <a:extLst>
+              <a:ext uri="{28A0092B-C50C-407E-A947-70E740481C1C}">
+                <a14:useLocalDpi xmlns:a14="http://schemas.microsoft.com/office/drawing/2010/main" val="0"/>
+              </a:ext>
+            </a:extLst>
+          </a:blip>
+          <a:stretch>
+            <a:fillRect/>
+          </a:stretch>
+        </p:blipFill>
+        <p:spPr>
+          <a:xfrm>
+            <a:off x="5202640" y="0"/>
+            <a:ext cx="2529809" cy="1897357"/>
+          </a:xfrm>
+          <a:prstGeom prst="rect">
+            <a:avLst/>
+          </a:prstGeom>
+        </p:spPr>
+      </p:pic>
+    </p:spTree>
+    <p:extLst>
+      <p:ext uri="{BB962C8B-B14F-4D97-AF65-F5344CB8AC3E}">
+        <p14:creationId xmlns:p14="http://schemas.microsoft.com/office/powerpoint/2010/main" val="1238366357"/>
+      </p:ext>
+    </p:extLst>
+  </p:cSld>
+  <p:clrMapOvr>
+    <a:masterClrMapping/>
+  </p:clrMapOvr>
+</p:sld>
+</file>
+
+<file path=ppt/slides/slide9.xml><?xml version="1.0" encoding="utf-8"?>
+<p:sld xmlns:a="http://schemas.openxmlformats.org/drawingml/2006/main" xmlns:r="http://schemas.openxmlformats.org/officeDocument/2006/relationships" xmlns:p="http://schemas.openxmlformats.org/presentationml/2006/main">
+  <p:cSld>
+    <p:spTree>
+      <p:nvGrpSpPr>
+        <p:cNvPr id="1" name=""/>
+        <p:cNvGrpSpPr/>
+        <p:nvPr/>
+      </p:nvGrpSpPr>
+      <p:grpSpPr>
+        <a:xfrm>
+          <a:off x="0" y="0"/>
+          <a:ext cx="0" cy="0"/>
+          <a:chOff x="0" y="0"/>
+          <a:chExt cx="0" cy="0"/>
+        </a:xfrm>
+      </p:grpSpPr>
+      <p:sp>
+        <p:nvSpPr>
+          <p:cNvPr id="3" name="Inhaltsplatzhalter 2">
+            <a:extLst>
+              <a:ext uri="{FF2B5EF4-FFF2-40B4-BE49-F238E27FC236}">
+                <a16:creationId xmlns:a16="http://schemas.microsoft.com/office/drawing/2014/main" id="{2F904D69-627A-449A-FB65-D5506DDB99A6}"/>
+              </a:ext>
+            </a:extLst>
+          </p:cNvPr>
+          <p:cNvSpPr>
+            <a:spLocks noGrp="1"/>
+          </p:cNvSpPr>
+          <p:nvPr>
+            <p:ph idx="1"/>
+          </p:nvPr>
+        </p:nvSpPr>
+        <p:spPr/>
+        <p:txBody>
+          <a:bodyPr>
+            <a:normAutofit lnSpcReduction="10000"/>
+          </a:bodyPr>
+          <a:lstStyle/>
+          <a:p>
+            <a:r>
+              <a:rPr lang="de-AT" dirty="0"/>
+              <a:t>Motorrad-Verkaufs-Seite</a:t>
+            </a:r>
+          </a:p>
+          <a:p>
+            <a:r>
+              <a:rPr lang="de-AT" dirty="0"/>
+              <a:t>Mit Angular</a:t>
+            </a:r>
+          </a:p>
+          <a:p>
+            <a:pPr marL="0" indent="0">
+              <a:buNone/>
+            </a:pPr>
+            <a:endParaRPr lang="de-AT" dirty="0"/>
+          </a:p>
+          <a:p>
+            <a:r>
+              <a:rPr lang="de-AT" dirty="0"/>
+              <a:t>Aufgaben: Erlernen von</a:t>
+            </a:r>
+          </a:p>
+          <a:p>
+            <a:pPr lvl="1"/>
+            <a:r>
+              <a:rPr lang="de-AT" dirty="0"/>
+              <a:t>HTML</a:t>
+            </a:r>
+          </a:p>
+          <a:p>
+            <a:pPr lvl="1"/>
+            <a:r>
+              <a:rPr lang="de-AT" dirty="0"/>
+              <a:t>CSS</a:t>
+            </a:r>
+          </a:p>
+          <a:p>
+            <a:pPr lvl="1"/>
+            <a:r>
+              <a:rPr lang="de-AT" dirty="0"/>
+              <a:t>JavaScript</a:t>
+            </a:r>
+          </a:p>
+          <a:p>
+            <a:pPr lvl="1"/>
+            <a:r>
+              <a:rPr lang="de-AT" dirty="0"/>
+              <a:t>Angular</a:t>
+            </a:r>
+          </a:p>
+        </p:txBody>
+      </p:sp>
+      <p:pic>
+        <p:nvPicPr>
+          <p:cNvPr id="4" name="Grafik 3" descr="Ein Bild, das Text enthält.&#10;&#10;Automatisch generierte Beschreibung">
+            <a:extLst>
+              <a:ext uri="{FF2B5EF4-FFF2-40B4-BE49-F238E27FC236}">
+                <a16:creationId xmlns:a16="http://schemas.microsoft.com/office/drawing/2014/main" id="{32669E5B-8730-1CB9-FCEF-3BD3166CEAFB}"/>
+              </a:ext>
+            </a:extLst>
+          </p:cNvPr>
+          <p:cNvPicPr>
+            <a:picLocks noChangeAspect="1"/>
+          </p:cNvPicPr>
+          <p:nvPr/>
+        </p:nvPicPr>
+        <p:blipFill>
+          <a:blip r:embed="rId2">
+            <a:extLst>
+              <a:ext uri="{28A0092B-C50C-407E-A947-70E740481C1C}">
+                <a14:useLocalDpi xmlns:a14="http://schemas.microsoft.com/office/drawing/2010/main" val="0"/>
+              </a:ext>
+            </a:extLst>
+          </a:blip>
+          <a:stretch>
+            <a:fillRect/>
+          </a:stretch>
+        </p:blipFill>
+        <p:spPr>
+          <a:xfrm>
+            <a:off x="1451579" y="0"/>
+            <a:ext cx="2529809" cy="1897357"/>
+          </a:xfrm>
+          <a:prstGeom prst="rect">
+            <a:avLst/>
+          </a:prstGeom>
+        </p:spPr>
+      </p:pic>
+    </p:spTree>
+    <p:extLst>
+      <p:ext uri="{BB962C8B-B14F-4D97-AF65-F5344CB8AC3E}">
+        <p14:creationId xmlns:p14="http://schemas.microsoft.com/office/powerpoint/2010/main" val="3321507126"/>
       </p:ext>
     </p:extLst>
   </p:cSld>

--- a/projectfiles/Präsentation/Bike-ShopPräsentation.pptx
+++ b/projectfiles/Präsentation/Bike-ShopPräsentation.pptx
@@ -16,6 +16,8 @@
     <p:sldId id="264" r:id="rId10"/>
     <p:sldId id="266" r:id="rId11"/>
     <p:sldId id="267" r:id="rId12"/>
+    <p:sldId id="268" r:id="rId13"/>
+    <p:sldId id="269" r:id="rId14"/>
   </p:sldIdLst>
   <p:sldSz cx="12192000" cy="6858000"/>
   <p:notesSz cx="6858000" cy="9144000"/>
@@ -4077,6 +4079,228 @@
 </p:sld>
 </file>
 
+<file path=ppt/slides/slide12.xml><?xml version="1.0" encoding="utf-8"?>
+<p:sld xmlns:a="http://schemas.openxmlformats.org/drawingml/2006/main" xmlns:r="http://schemas.openxmlformats.org/officeDocument/2006/relationships" xmlns:p="http://schemas.openxmlformats.org/presentationml/2006/main">
+  <p:cSld>
+    <p:spTree>
+      <p:nvGrpSpPr>
+        <p:cNvPr id="1" name=""/>
+        <p:cNvGrpSpPr/>
+        <p:nvPr/>
+      </p:nvGrpSpPr>
+      <p:grpSpPr>
+        <a:xfrm>
+          <a:off x="0" y="0"/>
+          <a:ext cx="0" cy="0"/>
+          <a:chOff x="0" y="0"/>
+          <a:chExt cx="0" cy="0"/>
+        </a:xfrm>
+      </p:grpSpPr>
+      <p:sp>
+        <p:nvSpPr>
+          <p:cNvPr id="3" name="Inhaltsplatzhalter 2">
+            <a:extLst>
+              <a:ext uri="{FF2B5EF4-FFF2-40B4-BE49-F238E27FC236}">
+                <a16:creationId xmlns:a16="http://schemas.microsoft.com/office/drawing/2014/main" id="{2F904D69-627A-449A-FB65-D5506DDB99A6}"/>
+              </a:ext>
+            </a:extLst>
+          </p:cNvPr>
+          <p:cNvSpPr>
+            <a:spLocks noGrp="1"/>
+          </p:cNvSpPr>
+          <p:nvPr>
+            <p:ph idx="1"/>
+          </p:nvPr>
+        </p:nvSpPr>
+        <p:spPr/>
+        <p:txBody>
+          <a:bodyPr>
+            <a:normAutofit/>
+          </a:bodyPr>
+          <a:lstStyle/>
+          <a:p>
+            <a:endParaRPr lang="de-AT" dirty="0"/>
+          </a:p>
+        </p:txBody>
+      </p:sp>
+      <p:pic>
+        <p:nvPicPr>
+          <p:cNvPr id="4" name="Grafik 3" descr="Ein Bild, das Text enthält.&#10;&#10;Automatisch generierte Beschreibung">
+            <a:extLst>
+              <a:ext uri="{FF2B5EF4-FFF2-40B4-BE49-F238E27FC236}">
+                <a16:creationId xmlns:a16="http://schemas.microsoft.com/office/drawing/2014/main" id="{32669E5B-8730-1CB9-FCEF-3BD3166CEAFB}"/>
+              </a:ext>
+            </a:extLst>
+          </p:cNvPr>
+          <p:cNvPicPr>
+            <a:picLocks noChangeAspect="1"/>
+          </p:cNvPicPr>
+          <p:nvPr/>
+        </p:nvPicPr>
+        <p:blipFill>
+          <a:blip r:embed="rId2">
+            <a:extLst>
+              <a:ext uri="{28A0092B-C50C-407E-A947-70E740481C1C}">
+                <a14:useLocalDpi xmlns:a14="http://schemas.microsoft.com/office/drawing/2010/main" val="0"/>
+              </a:ext>
+            </a:extLst>
+          </a:blip>
+          <a:stretch>
+            <a:fillRect/>
+          </a:stretch>
+        </p:blipFill>
+        <p:spPr>
+          <a:xfrm>
+            <a:off x="1451579" y="0"/>
+            <a:ext cx="2529809" cy="1897357"/>
+          </a:xfrm>
+          <a:prstGeom prst="rect">
+            <a:avLst/>
+          </a:prstGeom>
+        </p:spPr>
+      </p:pic>
+      <p:pic>
+        <p:nvPicPr>
+          <p:cNvPr id="6" name="Grafik 5">
+            <a:extLst>
+              <a:ext uri="{FF2B5EF4-FFF2-40B4-BE49-F238E27FC236}">
+                <a16:creationId xmlns:a16="http://schemas.microsoft.com/office/drawing/2014/main" id="{4FB479F3-F42E-885A-D1D2-852D952D86ED}"/>
+              </a:ext>
+            </a:extLst>
+          </p:cNvPr>
+          <p:cNvPicPr>
+            <a:picLocks noChangeAspect="1"/>
+          </p:cNvPicPr>
+          <p:nvPr/>
+        </p:nvPicPr>
+        <p:blipFill>
+          <a:blip r:embed="rId3"/>
+          <a:stretch>
+            <a:fillRect/>
+          </a:stretch>
+        </p:blipFill>
+        <p:spPr>
+          <a:xfrm>
+            <a:off x="582602" y="1897357"/>
+            <a:ext cx="11026795" cy="4837033"/>
+          </a:xfrm>
+          <a:prstGeom prst="rect">
+            <a:avLst/>
+          </a:prstGeom>
+        </p:spPr>
+      </p:pic>
+    </p:spTree>
+    <p:extLst>
+      <p:ext uri="{BB962C8B-B14F-4D97-AF65-F5344CB8AC3E}">
+        <p14:creationId xmlns:p14="http://schemas.microsoft.com/office/powerpoint/2010/main" val="3299692236"/>
+      </p:ext>
+    </p:extLst>
+  </p:cSld>
+  <p:clrMapOvr>
+    <a:masterClrMapping/>
+  </p:clrMapOvr>
+</p:sld>
+</file>
+
+<file path=ppt/slides/slide13.xml><?xml version="1.0" encoding="utf-8"?>
+<p:sld xmlns:a="http://schemas.openxmlformats.org/drawingml/2006/main" xmlns:r="http://schemas.openxmlformats.org/officeDocument/2006/relationships" xmlns:p="http://schemas.openxmlformats.org/presentationml/2006/main">
+  <p:cSld>
+    <p:spTree>
+      <p:nvGrpSpPr>
+        <p:cNvPr id="1" name=""/>
+        <p:cNvGrpSpPr/>
+        <p:nvPr/>
+      </p:nvGrpSpPr>
+      <p:grpSpPr>
+        <a:xfrm>
+          <a:off x="0" y="0"/>
+          <a:ext cx="0" cy="0"/>
+          <a:chOff x="0" y="0"/>
+          <a:chExt cx="0" cy="0"/>
+        </a:xfrm>
+      </p:grpSpPr>
+      <p:sp>
+        <p:nvSpPr>
+          <p:cNvPr id="3" name="Inhaltsplatzhalter 2">
+            <a:extLst>
+              <a:ext uri="{FF2B5EF4-FFF2-40B4-BE49-F238E27FC236}">
+                <a16:creationId xmlns:a16="http://schemas.microsoft.com/office/drawing/2014/main" id="{2F904D69-627A-449A-FB65-D5506DDB99A6}"/>
+              </a:ext>
+            </a:extLst>
+          </p:cNvPr>
+          <p:cNvSpPr>
+            <a:spLocks noGrp="1"/>
+          </p:cNvSpPr>
+          <p:nvPr>
+            <p:ph idx="1"/>
+          </p:nvPr>
+        </p:nvSpPr>
+        <p:spPr/>
+        <p:txBody>
+          <a:bodyPr>
+            <a:normAutofit/>
+          </a:bodyPr>
+          <a:lstStyle/>
+          <a:p>
+            <a:r>
+              <a:rPr lang="de-AT"/>
+              <a:t>Angular-Projekt</a:t>
+            </a:r>
+          </a:p>
+          <a:p>
+            <a:endParaRPr lang="de-AT" dirty="0"/>
+          </a:p>
+        </p:txBody>
+      </p:sp>
+      <p:pic>
+        <p:nvPicPr>
+          <p:cNvPr id="4" name="Grafik 3" descr="Ein Bild, das Text enthält.&#10;&#10;Automatisch generierte Beschreibung">
+            <a:extLst>
+              <a:ext uri="{FF2B5EF4-FFF2-40B4-BE49-F238E27FC236}">
+                <a16:creationId xmlns:a16="http://schemas.microsoft.com/office/drawing/2014/main" id="{32669E5B-8730-1CB9-FCEF-3BD3166CEAFB}"/>
+              </a:ext>
+            </a:extLst>
+          </p:cNvPr>
+          <p:cNvPicPr>
+            <a:picLocks noChangeAspect="1"/>
+          </p:cNvPicPr>
+          <p:nvPr/>
+        </p:nvPicPr>
+        <p:blipFill>
+          <a:blip r:embed="rId2">
+            <a:extLst>
+              <a:ext uri="{28A0092B-C50C-407E-A947-70E740481C1C}">
+                <a14:useLocalDpi xmlns:a14="http://schemas.microsoft.com/office/drawing/2010/main" val="0"/>
+              </a:ext>
+            </a:extLst>
+          </a:blip>
+          <a:stretch>
+            <a:fillRect/>
+          </a:stretch>
+        </p:blipFill>
+        <p:spPr>
+          <a:xfrm>
+            <a:off x="1451579" y="0"/>
+            <a:ext cx="2529809" cy="1897357"/>
+          </a:xfrm>
+          <a:prstGeom prst="rect">
+            <a:avLst/>
+          </a:prstGeom>
+        </p:spPr>
+      </p:pic>
+    </p:spTree>
+    <p:extLst>
+      <p:ext uri="{BB962C8B-B14F-4D97-AF65-F5344CB8AC3E}">
+        <p14:creationId xmlns:p14="http://schemas.microsoft.com/office/powerpoint/2010/main" val="127274514"/>
+      </p:ext>
+    </p:extLst>
+  </p:cSld>
+  <p:clrMapOvr>
+    <a:masterClrMapping/>
+  </p:clrMapOvr>
+</p:sld>
+</file>
+
 <file path=ppt/slides/slide2.xml><?xml version="1.0" encoding="utf-8"?>
 <p:sld xmlns:a="http://schemas.openxmlformats.org/drawingml/2006/main" xmlns:r="http://schemas.openxmlformats.org/officeDocument/2006/relationships" xmlns:p="http://schemas.openxmlformats.org/presentationml/2006/main">
   <p:cSld>

--- a/projectfiles/Präsentation/Bike-ShopPräsentation.pptx
+++ b/projectfiles/Präsentation/Bike-ShopPräsentation.pptx
@@ -18,6 +18,9 @@
     <p:sldId id="267" r:id="rId12"/>
     <p:sldId id="268" r:id="rId13"/>
     <p:sldId id="269" r:id="rId14"/>
+    <p:sldId id="272" r:id="rId15"/>
+    <p:sldId id="270" r:id="rId16"/>
+    <p:sldId id="271" r:id="rId17"/>
   </p:sldIdLst>
   <p:sldSz cx="12192000" cy="6858000"/>
   <p:notesSz cx="6858000" cy="9144000"/>
@@ -3699,8 +3702,8 @@
         </p:nvSpPr>
         <p:spPr>
           <a:xfrm>
-            <a:off x="4075130" y="3593343"/>
-            <a:ext cx="8637072" cy="1507521"/>
+            <a:off x="4305950" y="3593343"/>
+            <a:ext cx="2707410" cy="1507521"/>
           </a:xfrm>
         </p:spPr>
         <p:txBody>
@@ -3768,7 +3771,7 @@
         </p:blipFill>
         <p:spPr>
           <a:xfrm>
-            <a:off x="-1025683" y="3267198"/>
+            <a:off x="-528531" y="3392890"/>
             <a:ext cx="5397658" cy="3415947"/>
           </a:xfrm>
           <a:prstGeom prst="rect">
@@ -4219,39 +4222,201 @@
           <a:chExt cx="0" cy="0"/>
         </a:xfrm>
       </p:grpSpPr>
-      <p:sp>
-        <p:nvSpPr>
-          <p:cNvPr id="3" name="Inhaltsplatzhalter 2">
+      <p:pic>
+        <p:nvPicPr>
+          <p:cNvPr id="6" name="Inhaltsplatzhalter 5">
             <a:extLst>
               <a:ext uri="{FF2B5EF4-FFF2-40B4-BE49-F238E27FC236}">
-                <a16:creationId xmlns:a16="http://schemas.microsoft.com/office/drawing/2014/main" id="{2F904D69-627A-449A-FB65-D5506DDB99A6}"/>
+                <a16:creationId xmlns:a16="http://schemas.microsoft.com/office/drawing/2014/main" id="{4168FE59-CEDB-C848-C965-A227AE6D5A33}"/>
               </a:ext>
             </a:extLst>
           </p:cNvPr>
-          <p:cNvSpPr>
-            <a:spLocks noGrp="1"/>
-          </p:cNvSpPr>
+          <p:cNvPicPr>
+            <a:picLocks noGrp="1" noChangeAspect="1"/>
+          </p:cNvPicPr>
           <p:nvPr>
             <p:ph idx="1"/>
           </p:nvPr>
-        </p:nvSpPr>
-        <p:spPr/>
-        <p:txBody>
-          <a:bodyPr>
-            <a:normAutofit/>
-          </a:bodyPr>
-          <a:lstStyle/>
-          <a:p>
-            <a:r>
-              <a:rPr lang="de-AT"/>
-              <a:t>Angular-Projekt</a:t>
-            </a:r>
-          </a:p>
-          <a:p>
-            <a:endParaRPr lang="de-AT" dirty="0"/>
-          </a:p>
-        </p:txBody>
-      </p:sp>
+        </p:nvPicPr>
+        <p:blipFill>
+          <a:blip r:embed="rId2"/>
+          <a:stretch>
+            <a:fillRect/>
+          </a:stretch>
+        </p:blipFill>
+        <p:spPr>
+          <a:xfrm>
+            <a:off x="5850385" y="0"/>
+            <a:ext cx="6341616" cy="6853618"/>
+          </a:xfrm>
+        </p:spPr>
+      </p:pic>
+      <p:pic>
+        <p:nvPicPr>
+          <p:cNvPr id="4" name="Grafik 3" descr="Ein Bild, das Text enthält.&#10;&#10;Automatisch generierte Beschreibung">
+            <a:extLst>
+              <a:ext uri="{FF2B5EF4-FFF2-40B4-BE49-F238E27FC236}">
+                <a16:creationId xmlns:a16="http://schemas.microsoft.com/office/drawing/2014/main" id="{32669E5B-8730-1CB9-FCEF-3BD3166CEAFB}"/>
+              </a:ext>
+            </a:extLst>
+          </p:cNvPr>
+          <p:cNvPicPr>
+            <a:picLocks noChangeAspect="1"/>
+          </p:cNvPicPr>
+          <p:nvPr/>
+        </p:nvPicPr>
+        <p:blipFill>
+          <a:blip r:embed="rId3">
+            <a:extLst>
+              <a:ext uri="{28A0092B-C50C-407E-A947-70E740481C1C}">
+                <a14:useLocalDpi xmlns:a14="http://schemas.microsoft.com/office/drawing/2010/main" val="0"/>
+              </a:ext>
+            </a:extLst>
+          </a:blip>
+          <a:stretch>
+            <a:fillRect/>
+          </a:stretch>
+        </p:blipFill>
+        <p:spPr>
+          <a:xfrm>
+            <a:off x="1451579" y="0"/>
+            <a:ext cx="2529809" cy="1897357"/>
+          </a:xfrm>
+          <a:prstGeom prst="rect">
+            <a:avLst/>
+          </a:prstGeom>
+        </p:spPr>
+      </p:pic>
+      <p:sp>
+        <p:nvSpPr>
+          <p:cNvPr id="5" name="Titel 1">
+            <a:extLst>
+              <a:ext uri="{FF2B5EF4-FFF2-40B4-BE49-F238E27FC236}">
+                <a16:creationId xmlns:a16="http://schemas.microsoft.com/office/drawing/2014/main" id="{0C38C99F-6071-048F-34C1-6493041BB63D}"/>
+              </a:ext>
+            </a:extLst>
+          </p:cNvPr>
+          <p:cNvSpPr>
+            <a:spLocks noGrp="1"/>
+          </p:cNvSpPr>
+          <p:nvPr>
+            <p:ph type="title"/>
+          </p:nvPr>
+        </p:nvSpPr>
+        <p:spPr>
+          <a:xfrm>
+            <a:off x="1451579" y="804519"/>
+            <a:ext cx="9603275" cy="1049235"/>
+          </a:xfrm>
+        </p:spPr>
+        <p:txBody>
+          <a:bodyPr/>
+          <a:lstStyle/>
+          <a:p>
+            <a:r>
+              <a:rPr lang="de-AT" dirty="0"/>
+              <a:t>			</a:t>
+            </a:r>
+            <a:br>
+              <a:rPr lang="de-AT" dirty="0"/>
+            </a:br>
+            <a:r>
+              <a:rPr lang="de-AT" dirty="0"/>
+              <a:t>		Backend</a:t>
+            </a:r>
+          </a:p>
+        </p:txBody>
+      </p:sp>
+      <p:pic>
+        <p:nvPicPr>
+          <p:cNvPr id="8" name="Grafik 7">
+            <a:extLst>
+              <a:ext uri="{FF2B5EF4-FFF2-40B4-BE49-F238E27FC236}">
+                <a16:creationId xmlns:a16="http://schemas.microsoft.com/office/drawing/2014/main" id="{2320CCA3-6EE1-41C1-3D3F-4AF7D6E873E9}"/>
+              </a:ext>
+            </a:extLst>
+          </p:cNvPr>
+          <p:cNvPicPr>
+            <a:picLocks noChangeAspect="1"/>
+          </p:cNvPicPr>
+          <p:nvPr/>
+        </p:nvPicPr>
+        <p:blipFill>
+          <a:blip r:embed="rId4"/>
+          <a:stretch>
+            <a:fillRect/>
+          </a:stretch>
+        </p:blipFill>
+        <p:spPr>
+          <a:xfrm>
+            <a:off x="2799922" y="1991891"/>
+            <a:ext cx="2810267" cy="4810796"/>
+          </a:xfrm>
+          <a:prstGeom prst="rect">
+            <a:avLst/>
+          </a:prstGeom>
+        </p:spPr>
+      </p:pic>
+      <p:pic>
+        <p:nvPicPr>
+          <p:cNvPr id="10" name="Grafik 9">
+            <a:extLst>
+              <a:ext uri="{FF2B5EF4-FFF2-40B4-BE49-F238E27FC236}">
+                <a16:creationId xmlns:a16="http://schemas.microsoft.com/office/drawing/2014/main" id="{2A5AF91E-A50D-280F-F2F6-A810959AC55E}"/>
+              </a:ext>
+            </a:extLst>
+          </p:cNvPr>
+          <p:cNvPicPr>
+            <a:picLocks noChangeAspect="1"/>
+          </p:cNvPicPr>
+          <p:nvPr/>
+        </p:nvPicPr>
+        <p:blipFill>
+          <a:blip r:embed="rId5"/>
+          <a:stretch>
+            <a:fillRect/>
+          </a:stretch>
+        </p:blipFill>
+        <p:spPr>
+          <a:xfrm>
+            <a:off x="334901" y="1991891"/>
+            <a:ext cx="2381582" cy="3667637"/>
+          </a:xfrm>
+          <a:prstGeom prst="rect">
+            <a:avLst/>
+          </a:prstGeom>
+        </p:spPr>
+      </p:pic>
+    </p:spTree>
+    <p:extLst>
+      <p:ext uri="{BB962C8B-B14F-4D97-AF65-F5344CB8AC3E}">
+        <p14:creationId xmlns:p14="http://schemas.microsoft.com/office/powerpoint/2010/main" val="127274514"/>
+      </p:ext>
+    </p:extLst>
+  </p:cSld>
+  <p:clrMapOvr>
+    <a:masterClrMapping/>
+  </p:clrMapOvr>
+</p:sld>
+</file>
+
+<file path=ppt/slides/slide14.xml><?xml version="1.0" encoding="utf-8"?>
+<p:sld xmlns:a="http://schemas.openxmlformats.org/drawingml/2006/main" xmlns:r="http://schemas.openxmlformats.org/officeDocument/2006/relationships" xmlns:p="http://schemas.openxmlformats.org/presentationml/2006/main">
+  <p:cSld>
+    <p:spTree>
+      <p:nvGrpSpPr>
+        <p:cNvPr id="1" name=""/>
+        <p:cNvGrpSpPr/>
+        <p:nvPr/>
+      </p:nvGrpSpPr>
+      <p:grpSpPr>
+        <a:xfrm>
+          <a:off x="0" y="0"/>
+          <a:ext cx="0" cy="0"/>
+          <a:chOff x="0" y="0"/>
+          <a:chExt cx="0" cy="0"/>
+        </a:xfrm>
+      </p:grpSpPr>
       <p:pic>
         <p:nvPicPr>
           <p:cNvPr id="4" name="Grafik 3" descr="Ein Bild, das Text enthält.&#10;&#10;Automatisch generierte Beschreibung">
@@ -4288,10 +4453,261 @@
           </a:prstGeom>
         </p:spPr>
       </p:pic>
+      <p:sp>
+        <p:nvSpPr>
+          <p:cNvPr id="5" name="Titel 1">
+            <a:extLst>
+              <a:ext uri="{FF2B5EF4-FFF2-40B4-BE49-F238E27FC236}">
+                <a16:creationId xmlns:a16="http://schemas.microsoft.com/office/drawing/2014/main" id="{0C38C99F-6071-048F-34C1-6493041BB63D}"/>
+              </a:ext>
+            </a:extLst>
+          </p:cNvPr>
+          <p:cNvSpPr>
+            <a:spLocks noGrp="1"/>
+          </p:cNvSpPr>
+          <p:nvPr>
+            <p:ph type="title"/>
+          </p:nvPr>
+        </p:nvSpPr>
+        <p:spPr>
+          <a:xfrm>
+            <a:off x="1451579" y="804519"/>
+            <a:ext cx="9603275" cy="1049235"/>
+          </a:xfrm>
+        </p:spPr>
+        <p:txBody>
+          <a:bodyPr/>
+          <a:lstStyle/>
+          <a:p>
+            <a:r>
+              <a:rPr lang="de-AT" dirty="0"/>
+              <a:t>			</a:t>
+            </a:r>
+            <a:br>
+              <a:rPr lang="de-AT" dirty="0"/>
+            </a:br>
+            <a:r>
+              <a:rPr lang="de-AT" dirty="0"/>
+              <a:t>		Frontend</a:t>
+            </a:r>
+          </a:p>
+        </p:txBody>
+      </p:sp>
+      <p:sp>
+        <p:nvSpPr>
+          <p:cNvPr id="3" name="Inhaltsplatzhalter 2">
+            <a:extLst>
+              <a:ext uri="{FF2B5EF4-FFF2-40B4-BE49-F238E27FC236}">
+                <a16:creationId xmlns:a16="http://schemas.microsoft.com/office/drawing/2014/main" id="{9D4D9BBC-442E-5C55-CCBE-DFAAA3283E07}"/>
+              </a:ext>
+            </a:extLst>
+          </p:cNvPr>
+          <p:cNvSpPr>
+            <a:spLocks noGrp="1"/>
+          </p:cNvSpPr>
+          <p:nvPr>
+            <p:ph idx="1"/>
+          </p:nvPr>
+        </p:nvSpPr>
+        <p:spPr/>
+        <p:txBody>
+          <a:bodyPr/>
+          <a:lstStyle/>
+          <a:p>
+            <a:endParaRPr lang="de-AT" dirty="0"/>
+          </a:p>
+        </p:txBody>
+      </p:sp>
     </p:spTree>
     <p:extLst>
       <p:ext uri="{BB962C8B-B14F-4D97-AF65-F5344CB8AC3E}">
-        <p14:creationId xmlns:p14="http://schemas.microsoft.com/office/powerpoint/2010/main" val="127274514"/>
+        <p14:creationId xmlns:p14="http://schemas.microsoft.com/office/powerpoint/2010/main" val="30095284"/>
+      </p:ext>
+    </p:extLst>
+  </p:cSld>
+  <p:clrMapOvr>
+    <a:masterClrMapping/>
+  </p:clrMapOvr>
+</p:sld>
+</file>
+
+<file path=ppt/slides/slide15.xml><?xml version="1.0" encoding="utf-8"?>
+<p:sld xmlns:a="http://schemas.openxmlformats.org/drawingml/2006/main" xmlns:r="http://schemas.openxmlformats.org/officeDocument/2006/relationships" xmlns:p="http://schemas.openxmlformats.org/presentationml/2006/main">
+  <p:cSld>
+    <p:spTree>
+      <p:nvGrpSpPr>
+        <p:cNvPr id="1" name=""/>
+        <p:cNvGrpSpPr/>
+        <p:nvPr/>
+      </p:nvGrpSpPr>
+      <p:grpSpPr>
+        <a:xfrm>
+          <a:off x="0" y="0"/>
+          <a:ext cx="0" cy="0"/>
+          <a:chOff x="0" y="0"/>
+          <a:chExt cx="0" cy="0"/>
+        </a:xfrm>
+      </p:grpSpPr>
+      <p:sp>
+        <p:nvSpPr>
+          <p:cNvPr id="3" name="Inhaltsplatzhalter 2">
+            <a:extLst>
+              <a:ext uri="{FF2B5EF4-FFF2-40B4-BE49-F238E27FC236}">
+                <a16:creationId xmlns:a16="http://schemas.microsoft.com/office/drawing/2014/main" id="{2F904D69-627A-449A-FB65-D5506DDB99A6}"/>
+              </a:ext>
+            </a:extLst>
+          </p:cNvPr>
+          <p:cNvSpPr>
+            <a:spLocks noGrp="1"/>
+          </p:cNvSpPr>
+          <p:nvPr>
+            <p:ph idx="1"/>
+          </p:nvPr>
+        </p:nvSpPr>
+        <p:spPr/>
+        <p:txBody>
+          <a:bodyPr>
+            <a:normAutofit/>
+          </a:bodyPr>
+          <a:lstStyle/>
+          <a:p>
+            <a:endParaRPr lang="de-AT" dirty="0"/>
+          </a:p>
+        </p:txBody>
+      </p:sp>
+      <p:pic>
+        <p:nvPicPr>
+          <p:cNvPr id="4" name="Grafik 3" descr="Ein Bild, das Text enthält.&#10;&#10;Automatisch generierte Beschreibung">
+            <a:extLst>
+              <a:ext uri="{FF2B5EF4-FFF2-40B4-BE49-F238E27FC236}">
+                <a16:creationId xmlns:a16="http://schemas.microsoft.com/office/drawing/2014/main" id="{32669E5B-8730-1CB9-FCEF-3BD3166CEAFB}"/>
+              </a:ext>
+            </a:extLst>
+          </p:cNvPr>
+          <p:cNvPicPr>
+            <a:picLocks noChangeAspect="1"/>
+          </p:cNvPicPr>
+          <p:nvPr/>
+        </p:nvPicPr>
+        <p:blipFill>
+          <a:blip r:embed="rId2">
+            <a:extLst>
+              <a:ext uri="{28A0092B-C50C-407E-A947-70E740481C1C}">
+                <a14:useLocalDpi xmlns:a14="http://schemas.microsoft.com/office/drawing/2010/main" val="0"/>
+              </a:ext>
+            </a:extLst>
+          </a:blip>
+          <a:stretch>
+            <a:fillRect/>
+          </a:stretch>
+        </p:blipFill>
+        <p:spPr>
+          <a:xfrm>
+            <a:off x="1451579" y="0"/>
+            <a:ext cx="2529809" cy="1897357"/>
+          </a:xfrm>
+          <a:prstGeom prst="rect">
+            <a:avLst/>
+          </a:prstGeom>
+        </p:spPr>
+      </p:pic>
+    </p:spTree>
+    <p:extLst>
+      <p:ext uri="{BB962C8B-B14F-4D97-AF65-F5344CB8AC3E}">
+        <p14:creationId xmlns:p14="http://schemas.microsoft.com/office/powerpoint/2010/main" val="2105645177"/>
+      </p:ext>
+    </p:extLst>
+  </p:cSld>
+  <p:clrMapOvr>
+    <a:masterClrMapping/>
+  </p:clrMapOvr>
+</p:sld>
+</file>
+
+<file path=ppt/slides/slide16.xml><?xml version="1.0" encoding="utf-8"?>
+<p:sld xmlns:a="http://schemas.openxmlformats.org/drawingml/2006/main" xmlns:r="http://schemas.openxmlformats.org/officeDocument/2006/relationships" xmlns:p="http://schemas.openxmlformats.org/presentationml/2006/main">
+  <p:cSld>
+    <p:spTree>
+      <p:nvGrpSpPr>
+        <p:cNvPr id="1" name=""/>
+        <p:cNvGrpSpPr/>
+        <p:nvPr/>
+      </p:nvGrpSpPr>
+      <p:grpSpPr>
+        <a:xfrm>
+          <a:off x="0" y="0"/>
+          <a:ext cx="0" cy="0"/>
+          <a:chOff x="0" y="0"/>
+          <a:chExt cx="0" cy="0"/>
+        </a:xfrm>
+      </p:grpSpPr>
+      <p:sp>
+        <p:nvSpPr>
+          <p:cNvPr id="3" name="Inhaltsplatzhalter 2">
+            <a:extLst>
+              <a:ext uri="{FF2B5EF4-FFF2-40B4-BE49-F238E27FC236}">
+                <a16:creationId xmlns:a16="http://schemas.microsoft.com/office/drawing/2014/main" id="{2F904D69-627A-449A-FB65-D5506DDB99A6}"/>
+              </a:ext>
+            </a:extLst>
+          </p:cNvPr>
+          <p:cNvSpPr>
+            <a:spLocks noGrp="1"/>
+          </p:cNvSpPr>
+          <p:nvPr>
+            <p:ph idx="1"/>
+          </p:nvPr>
+        </p:nvSpPr>
+        <p:spPr/>
+        <p:txBody>
+          <a:bodyPr>
+            <a:normAutofit/>
+          </a:bodyPr>
+          <a:lstStyle/>
+          <a:p>
+            <a:endParaRPr lang="de-AT" dirty="0"/>
+          </a:p>
+        </p:txBody>
+      </p:sp>
+      <p:pic>
+        <p:nvPicPr>
+          <p:cNvPr id="4" name="Grafik 3" descr="Ein Bild, das Text enthält.&#10;&#10;Automatisch generierte Beschreibung">
+            <a:extLst>
+              <a:ext uri="{FF2B5EF4-FFF2-40B4-BE49-F238E27FC236}">
+                <a16:creationId xmlns:a16="http://schemas.microsoft.com/office/drawing/2014/main" id="{32669E5B-8730-1CB9-FCEF-3BD3166CEAFB}"/>
+              </a:ext>
+            </a:extLst>
+          </p:cNvPr>
+          <p:cNvPicPr>
+            <a:picLocks noChangeAspect="1"/>
+          </p:cNvPicPr>
+          <p:nvPr/>
+        </p:nvPicPr>
+        <p:blipFill>
+          <a:blip r:embed="rId2">
+            <a:extLst>
+              <a:ext uri="{28A0092B-C50C-407E-A947-70E740481C1C}">
+                <a14:useLocalDpi xmlns:a14="http://schemas.microsoft.com/office/drawing/2010/main" val="0"/>
+              </a:ext>
+            </a:extLst>
+          </a:blip>
+          <a:stretch>
+            <a:fillRect/>
+          </a:stretch>
+        </p:blipFill>
+        <p:spPr>
+          <a:xfrm>
+            <a:off x="1451579" y="0"/>
+            <a:ext cx="2529809" cy="1897357"/>
+          </a:xfrm>
+          <a:prstGeom prst="rect">
+            <a:avLst/>
+          </a:prstGeom>
+        </p:spPr>
+      </p:pic>
+    </p:spTree>
+    <p:extLst>
+      <p:ext uri="{BB962C8B-B14F-4D97-AF65-F5344CB8AC3E}">
+        <p14:creationId xmlns:p14="http://schemas.microsoft.com/office/powerpoint/2010/main" val="2222991911"/>
       </p:ext>
     </p:extLst>
   </p:cSld>

--- a/projectfiles/Präsentation/Bike-ShopPräsentation.pptx
+++ b/projectfiles/Präsentation/Bike-ShopPräsentation.pptx
@@ -4,6 +4,9 @@
   <p:sldMasterIdLst>
     <p:sldMasterId id="2147483660" r:id="rId1"/>
   </p:sldMasterIdLst>
+  <p:notesMasterIdLst>
+    <p:notesMasterId r:id="rId17"/>
+  </p:notesMasterIdLst>
   <p:sldIdLst>
     <p:sldId id="256" r:id="rId2"/>
     <p:sldId id="257" r:id="rId3"/>
@@ -20,7 +23,6 @@
     <p:sldId id="269" r:id="rId14"/>
     <p:sldId id="272" r:id="rId15"/>
     <p:sldId id="270" r:id="rId16"/>
-    <p:sldId id="271" r:id="rId17"/>
   </p:sldIdLst>
   <p:sldSz cx="12192000" cy="6858000"/>
   <p:notesSz cx="6858000" cy="9144000"/>
@@ -125,6 +127,1957 @@
     </p:ext>
   </p:extLst>
 </p:presentation>
+</file>
+
+<file path=ppt/ink/ink1.xml><?xml version="1.0" encoding="utf-8"?>
+<inkml:ink xmlns:inkml="http://www.w3.org/2003/InkML">
+  <inkml:definitions>
+    <inkml:context xml:id="ctx0">
+      <inkml:inkSource xml:id="inkSrc0">
+        <inkml:traceFormat>
+          <inkml:channel name="X" type="integer" min="-2.14748E9" max="2.14748E9" units="cm"/>
+          <inkml:channel name="Y" type="integer" min="-2.14748E9" max="2.14748E9" units="cm"/>
+        </inkml:traceFormat>
+        <inkml:channelProperties>
+          <inkml:channelProperty channel="X" name="resolution" value="1000" units="1/cm"/>
+          <inkml:channelProperty channel="Y" name="resolution" value="1000" units="1/cm"/>
+        </inkml:channelProperties>
+      </inkml:inkSource>
+      <inkml:timestamp xml:id="ts0" timeString="2022-05-29T15:58:35.210"/>
+    </inkml:context>
+    <inkml:brush xml:id="br0">
+      <inkml:brushProperty name="width" value="0.2" units="cm"/>
+      <inkml:brushProperty name="height" value="0.4" units="cm"/>
+      <inkml:brushProperty name="color" value="#FFFC00"/>
+      <inkml:brushProperty name="tip" value="rectangle"/>
+      <inkml:brushProperty name="rasterOp" value="maskPen"/>
+      <inkml:brushProperty name="ignorePressure" value="1"/>
+    </inkml:brush>
+  </inkml:definitions>
+  <inkml:trace contextRef="#ctx0" brushRef="#br0">1 1,'56'0,"97"15,-25-1,-10-2,-49-4,-42-6,1 2,44 11,-42-7,1-1,-1-2,44 3,93-6,-148-3,8 1</inkml:trace>
+</inkml:ink>
+</file>
+
+<file path=ppt/ink/ink2.xml><?xml version="1.0" encoding="utf-8"?>
+<inkml:ink xmlns:inkml="http://www.w3.org/2003/InkML">
+  <inkml:definitions>
+    <inkml:context xml:id="ctx0">
+      <inkml:inkSource xml:id="inkSrc0">
+        <inkml:traceFormat>
+          <inkml:channel name="X" type="integer" min="-2.14748E9" max="2.14748E9" units="cm"/>
+          <inkml:channel name="Y" type="integer" min="-2.14748E9" max="2.14748E9" units="cm"/>
+        </inkml:traceFormat>
+        <inkml:channelProperties>
+          <inkml:channelProperty channel="X" name="resolution" value="1000" units="1/cm"/>
+          <inkml:channelProperty channel="Y" name="resolution" value="1000" units="1/cm"/>
+        </inkml:channelProperties>
+      </inkml:inkSource>
+      <inkml:timestamp xml:id="ts0" timeString="2022-05-29T15:58:38.145"/>
+    </inkml:context>
+    <inkml:brush xml:id="br0">
+      <inkml:brushProperty name="width" value="0.2" units="cm"/>
+      <inkml:brushProperty name="height" value="0.4" units="cm"/>
+      <inkml:brushProperty name="color" value="#FFFC00"/>
+      <inkml:brushProperty name="tip" value="rectangle"/>
+      <inkml:brushProperty name="rasterOp" value="maskPen"/>
+      <inkml:brushProperty name="ignorePressure" value="1"/>
+    </inkml:brush>
+  </inkml:definitions>
+  <inkml:trace contextRef="#ctx0" brushRef="#br0">0 27,'50'0,"54"1,129-16,-127 5,173 8,-137 4,-73-2,-37 0</inkml:trace>
+</inkml:ink>
+</file>
+
+<file path=ppt/notesMasters/notesMaster1.xml><?xml version="1.0" encoding="utf-8"?>
+<p:notesMaster xmlns:a="http://schemas.openxmlformats.org/drawingml/2006/main" xmlns:r="http://schemas.openxmlformats.org/officeDocument/2006/relationships" xmlns:p="http://schemas.openxmlformats.org/presentationml/2006/main">
+  <p:cSld>
+    <p:bg>
+      <p:bgRef idx="1001">
+        <a:schemeClr val="bg1"/>
+      </p:bgRef>
+    </p:bg>
+    <p:spTree>
+      <p:nvGrpSpPr>
+        <p:cNvPr id="1" name=""/>
+        <p:cNvGrpSpPr/>
+        <p:nvPr/>
+      </p:nvGrpSpPr>
+      <p:grpSpPr>
+        <a:xfrm>
+          <a:off x="0" y="0"/>
+          <a:ext cx="0" cy="0"/>
+          <a:chOff x="0" y="0"/>
+          <a:chExt cx="0" cy="0"/>
+        </a:xfrm>
+      </p:grpSpPr>
+      <p:sp>
+        <p:nvSpPr>
+          <p:cNvPr id="2" name="Kopfzeilenplatzhalter 1"/>
+          <p:cNvSpPr>
+            <a:spLocks noGrp="1"/>
+          </p:cNvSpPr>
+          <p:nvPr>
+            <p:ph type="hdr" sz="quarter"/>
+          </p:nvPr>
+        </p:nvSpPr>
+        <p:spPr>
+          <a:xfrm>
+            <a:off x="0" y="0"/>
+            <a:ext cx="2971800" cy="458788"/>
+          </a:xfrm>
+          <a:prstGeom prst="rect">
+            <a:avLst/>
+          </a:prstGeom>
+        </p:spPr>
+        <p:txBody>
+          <a:bodyPr vert="horz" lIns="91440" tIns="45720" rIns="91440" bIns="45720" rtlCol="0"/>
+          <a:lstStyle>
+            <a:lvl1pPr algn="l">
+              <a:defRPr sz="1200"/>
+            </a:lvl1pPr>
+          </a:lstStyle>
+          <a:p>
+            <a:endParaRPr lang="de-AT"/>
+          </a:p>
+        </p:txBody>
+      </p:sp>
+      <p:sp>
+        <p:nvSpPr>
+          <p:cNvPr id="3" name="Datumsplatzhalter 2"/>
+          <p:cNvSpPr>
+            <a:spLocks noGrp="1"/>
+          </p:cNvSpPr>
+          <p:nvPr>
+            <p:ph type="dt" idx="1"/>
+          </p:nvPr>
+        </p:nvSpPr>
+        <p:spPr>
+          <a:xfrm>
+            <a:off x="3884613" y="0"/>
+            <a:ext cx="2971800" cy="458788"/>
+          </a:xfrm>
+          <a:prstGeom prst="rect">
+            <a:avLst/>
+          </a:prstGeom>
+        </p:spPr>
+        <p:txBody>
+          <a:bodyPr vert="horz" lIns="91440" tIns="45720" rIns="91440" bIns="45720" rtlCol="0"/>
+          <a:lstStyle>
+            <a:lvl1pPr algn="r">
+              <a:defRPr sz="1200"/>
+            </a:lvl1pPr>
+          </a:lstStyle>
+          <a:p>
+            <a:fld id="{D2E1F350-777B-47A9-93DF-DEA13703B54A}" type="datetimeFigureOut">
+              <a:rPr lang="de-AT" smtClean="0"/>
+              <a:t>29.05.2022</a:t>
+            </a:fld>
+            <a:endParaRPr lang="de-AT"/>
+          </a:p>
+        </p:txBody>
+      </p:sp>
+      <p:sp>
+        <p:nvSpPr>
+          <p:cNvPr id="4" name="Folienbildplatzhalter 3"/>
+          <p:cNvSpPr>
+            <a:spLocks noGrp="1" noRot="1" noChangeAspect="1"/>
+          </p:cNvSpPr>
+          <p:nvPr>
+            <p:ph type="sldImg" idx="2"/>
+          </p:nvPr>
+        </p:nvSpPr>
+        <p:spPr>
+          <a:xfrm>
+            <a:off x="685800" y="1143000"/>
+            <a:ext cx="5486400" cy="3086100"/>
+          </a:xfrm>
+          <a:prstGeom prst="rect">
+            <a:avLst/>
+          </a:prstGeom>
+          <a:noFill/>
+          <a:ln w="12700">
+            <a:solidFill>
+              <a:prstClr val="black"/>
+            </a:solidFill>
+          </a:ln>
+        </p:spPr>
+        <p:txBody>
+          <a:bodyPr vert="horz" lIns="91440" tIns="45720" rIns="91440" bIns="45720" rtlCol="0" anchor="ctr"/>
+          <a:lstStyle/>
+          <a:p>
+            <a:endParaRPr lang="de-AT"/>
+          </a:p>
+        </p:txBody>
+      </p:sp>
+      <p:sp>
+        <p:nvSpPr>
+          <p:cNvPr id="5" name="Notizenplatzhalter 4"/>
+          <p:cNvSpPr>
+            <a:spLocks noGrp="1"/>
+          </p:cNvSpPr>
+          <p:nvPr>
+            <p:ph type="body" sz="quarter" idx="3"/>
+          </p:nvPr>
+        </p:nvSpPr>
+        <p:spPr>
+          <a:xfrm>
+            <a:off x="685800" y="4400550"/>
+            <a:ext cx="5486400" cy="3600450"/>
+          </a:xfrm>
+          <a:prstGeom prst="rect">
+            <a:avLst/>
+          </a:prstGeom>
+        </p:spPr>
+        <p:txBody>
+          <a:bodyPr vert="horz" lIns="91440" tIns="45720" rIns="91440" bIns="45720" rtlCol="0"/>
+          <a:lstStyle/>
+          <a:p>
+            <a:pPr lvl="0"/>
+            <a:r>
+              <a:rPr lang="de-DE"/>
+              <a:t>Mastertextformat bearbeiten</a:t>
+            </a:r>
+          </a:p>
+          <a:p>
+            <a:pPr lvl="1"/>
+            <a:r>
+              <a:rPr lang="de-DE"/>
+              <a:t>Zweite Ebene</a:t>
+            </a:r>
+          </a:p>
+          <a:p>
+            <a:pPr lvl="2"/>
+            <a:r>
+              <a:rPr lang="de-DE"/>
+              <a:t>Dritte Ebene</a:t>
+            </a:r>
+          </a:p>
+          <a:p>
+            <a:pPr lvl="3"/>
+            <a:r>
+              <a:rPr lang="de-DE"/>
+              <a:t>Vierte Ebene</a:t>
+            </a:r>
+          </a:p>
+          <a:p>
+            <a:pPr lvl="4"/>
+            <a:r>
+              <a:rPr lang="de-DE"/>
+              <a:t>Fünfte Ebene</a:t>
+            </a:r>
+            <a:endParaRPr lang="de-AT"/>
+          </a:p>
+        </p:txBody>
+      </p:sp>
+      <p:sp>
+        <p:nvSpPr>
+          <p:cNvPr id="6" name="Fußzeilenplatzhalter 5"/>
+          <p:cNvSpPr>
+            <a:spLocks noGrp="1"/>
+          </p:cNvSpPr>
+          <p:nvPr>
+            <p:ph type="ftr" sz="quarter" idx="4"/>
+          </p:nvPr>
+        </p:nvSpPr>
+        <p:spPr>
+          <a:xfrm>
+            <a:off x="0" y="8685213"/>
+            <a:ext cx="2971800" cy="458787"/>
+          </a:xfrm>
+          <a:prstGeom prst="rect">
+            <a:avLst/>
+          </a:prstGeom>
+        </p:spPr>
+        <p:txBody>
+          <a:bodyPr vert="horz" lIns="91440" tIns="45720" rIns="91440" bIns="45720" rtlCol="0" anchor="b"/>
+          <a:lstStyle>
+            <a:lvl1pPr algn="l">
+              <a:defRPr sz="1200"/>
+            </a:lvl1pPr>
+          </a:lstStyle>
+          <a:p>
+            <a:endParaRPr lang="de-AT"/>
+          </a:p>
+        </p:txBody>
+      </p:sp>
+      <p:sp>
+        <p:nvSpPr>
+          <p:cNvPr id="7" name="Foliennummernplatzhalter 6"/>
+          <p:cNvSpPr>
+            <a:spLocks noGrp="1"/>
+          </p:cNvSpPr>
+          <p:nvPr>
+            <p:ph type="sldNum" sz="quarter" idx="5"/>
+          </p:nvPr>
+        </p:nvSpPr>
+        <p:spPr>
+          <a:xfrm>
+            <a:off x="3884613" y="8685213"/>
+            <a:ext cx="2971800" cy="458787"/>
+          </a:xfrm>
+          <a:prstGeom prst="rect">
+            <a:avLst/>
+          </a:prstGeom>
+        </p:spPr>
+        <p:txBody>
+          <a:bodyPr vert="horz" lIns="91440" tIns="45720" rIns="91440" bIns="45720" rtlCol="0" anchor="b"/>
+          <a:lstStyle>
+            <a:lvl1pPr algn="r">
+              <a:defRPr sz="1200"/>
+            </a:lvl1pPr>
+          </a:lstStyle>
+          <a:p>
+            <a:fld id="{40136702-DFDA-4A82-A734-36D5A959112D}" type="slidenum">
+              <a:rPr lang="de-AT" smtClean="0"/>
+              <a:t>‹Nr.›</a:t>
+            </a:fld>
+            <a:endParaRPr lang="de-AT"/>
+          </a:p>
+        </p:txBody>
+      </p:sp>
+    </p:spTree>
+    <p:extLst>
+      <p:ext uri="{BB962C8B-B14F-4D97-AF65-F5344CB8AC3E}">
+        <p14:creationId xmlns:p14="http://schemas.microsoft.com/office/powerpoint/2010/main" val="1179598642"/>
+      </p:ext>
+    </p:extLst>
+  </p:cSld>
+  <p:clrMap bg1="lt1" tx1="dk1" bg2="lt2" tx2="dk2" accent1="accent1" accent2="accent2" accent3="accent3" accent4="accent4" accent5="accent5" accent6="accent6" hlink="hlink" folHlink="folHlink"/>
+  <p:notesStyle>
+    <a:lvl1pPr marL="0" algn="l" defTabSz="914400" rtl="0" eaLnBrk="1" latinLnBrk="0" hangingPunct="1">
+      <a:defRPr sz="1200" kern="1200">
+        <a:solidFill>
+          <a:schemeClr val="tx1"/>
+        </a:solidFill>
+        <a:latin typeface="+mn-lt"/>
+        <a:ea typeface="+mn-ea"/>
+        <a:cs typeface="+mn-cs"/>
+      </a:defRPr>
+    </a:lvl1pPr>
+    <a:lvl2pPr marL="457200" algn="l" defTabSz="914400" rtl="0" eaLnBrk="1" latinLnBrk="0" hangingPunct="1">
+      <a:defRPr sz="1200" kern="1200">
+        <a:solidFill>
+          <a:schemeClr val="tx1"/>
+        </a:solidFill>
+        <a:latin typeface="+mn-lt"/>
+        <a:ea typeface="+mn-ea"/>
+        <a:cs typeface="+mn-cs"/>
+      </a:defRPr>
+    </a:lvl2pPr>
+    <a:lvl3pPr marL="914400" algn="l" defTabSz="914400" rtl="0" eaLnBrk="1" latinLnBrk="0" hangingPunct="1">
+      <a:defRPr sz="1200" kern="1200">
+        <a:solidFill>
+          <a:schemeClr val="tx1"/>
+        </a:solidFill>
+        <a:latin typeface="+mn-lt"/>
+        <a:ea typeface="+mn-ea"/>
+        <a:cs typeface="+mn-cs"/>
+      </a:defRPr>
+    </a:lvl3pPr>
+    <a:lvl4pPr marL="1371600" algn="l" defTabSz="914400" rtl="0" eaLnBrk="1" latinLnBrk="0" hangingPunct="1">
+      <a:defRPr sz="1200" kern="1200">
+        <a:solidFill>
+          <a:schemeClr val="tx1"/>
+        </a:solidFill>
+        <a:latin typeface="+mn-lt"/>
+        <a:ea typeface="+mn-ea"/>
+        <a:cs typeface="+mn-cs"/>
+      </a:defRPr>
+    </a:lvl4pPr>
+    <a:lvl5pPr marL="1828800" algn="l" defTabSz="914400" rtl="0" eaLnBrk="1" latinLnBrk="0" hangingPunct="1">
+      <a:defRPr sz="1200" kern="1200">
+        <a:solidFill>
+          <a:schemeClr val="tx1"/>
+        </a:solidFill>
+        <a:latin typeface="+mn-lt"/>
+        <a:ea typeface="+mn-ea"/>
+        <a:cs typeface="+mn-cs"/>
+      </a:defRPr>
+    </a:lvl5pPr>
+    <a:lvl6pPr marL="2286000" algn="l" defTabSz="914400" rtl="0" eaLnBrk="1" latinLnBrk="0" hangingPunct="1">
+      <a:defRPr sz="1200" kern="1200">
+        <a:solidFill>
+          <a:schemeClr val="tx1"/>
+        </a:solidFill>
+        <a:latin typeface="+mn-lt"/>
+        <a:ea typeface="+mn-ea"/>
+        <a:cs typeface="+mn-cs"/>
+      </a:defRPr>
+    </a:lvl6pPr>
+    <a:lvl7pPr marL="2743200" algn="l" defTabSz="914400" rtl="0" eaLnBrk="1" latinLnBrk="0" hangingPunct="1">
+      <a:defRPr sz="1200" kern="1200">
+        <a:solidFill>
+          <a:schemeClr val="tx1"/>
+        </a:solidFill>
+        <a:latin typeface="+mn-lt"/>
+        <a:ea typeface="+mn-ea"/>
+        <a:cs typeface="+mn-cs"/>
+      </a:defRPr>
+    </a:lvl7pPr>
+    <a:lvl8pPr marL="3200400" algn="l" defTabSz="914400" rtl="0" eaLnBrk="1" latinLnBrk="0" hangingPunct="1">
+      <a:defRPr sz="1200" kern="1200">
+        <a:solidFill>
+          <a:schemeClr val="tx1"/>
+        </a:solidFill>
+        <a:latin typeface="+mn-lt"/>
+        <a:ea typeface="+mn-ea"/>
+        <a:cs typeface="+mn-cs"/>
+      </a:defRPr>
+    </a:lvl8pPr>
+    <a:lvl9pPr marL="3657600" algn="l" defTabSz="914400" rtl="0" eaLnBrk="1" latinLnBrk="0" hangingPunct="1">
+      <a:defRPr sz="1200" kern="1200">
+        <a:solidFill>
+          <a:schemeClr val="tx1"/>
+        </a:solidFill>
+        <a:latin typeface="+mn-lt"/>
+        <a:ea typeface="+mn-ea"/>
+        <a:cs typeface="+mn-cs"/>
+      </a:defRPr>
+    </a:lvl9pPr>
+  </p:notesStyle>
+</p:notesMaster>
+</file>
+
+<file path=ppt/notesSlides/notesSlide1.xml><?xml version="1.0" encoding="utf-8"?>
+<p:notes xmlns:a="http://schemas.openxmlformats.org/drawingml/2006/main" xmlns:r="http://schemas.openxmlformats.org/officeDocument/2006/relationships" xmlns:p="http://schemas.openxmlformats.org/presentationml/2006/main">
+  <p:cSld>
+    <p:spTree>
+      <p:nvGrpSpPr>
+        <p:cNvPr id="1" name=""/>
+        <p:cNvGrpSpPr/>
+        <p:nvPr/>
+      </p:nvGrpSpPr>
+      <p:grpSpPr>
+        <a:xfrm>
+          <a:off x="0" y="0"/>
+          <a:ext cx="0" cy="0"/>
+          <a:chOff x="0" y="0"/>
+          <a:chExt cx="0" cy="0"/>
+        </a:xfrm>
+      </p:grpSpPr>
+      <p:sp>
+        <p:nvSpPr>
+          <p:cNvPr id="2" name="Folienbildplatzhalter 1"/>
+          <p:cNvSpPr>
+            <a:spLocks noGrp="1" noRot="1" noChangeAspect="1"/>
+          </p:cNvSpPr>
+          <p:nvPr>
+            <p:ph type="sldImg"/>
+          </p:nvPr>
+        </p:nvSpPr>
+        <p:spPr/>
+      </p:sp>
+      <p:sp>
+        <p:nvSpPr>
+          <p:cNvPr id="3" name="Notizenplatzhalter 2"/>
+          <p:cNvSpPr>
+            <a:spLocks noGrp="1"/>
+          </p:cNvSpPr>
+          <p:nvPr>
+            <p:ph type="body" idx="1"/>
+          </p:nvPr>
+        </p:nvSpPr>
+        <p:spPr/>
+        <p:txBody>
+          <a:bodyPr/>
+          <a:lstStyle/>
+          <a:p>
+            <a:endParaRPr lang="de-AT" dirty="0"/>
+          </a:p>
+        </p:txBody>
+      </p:sp>
+      <p:sp>
+        <p:nvSpPr>
+          <p:cNvPr id="4" name="Foliennummernplatzhalter 3"/>
+          <p:cNvSpPr>
+            <a:spLocks noGrp="1"/>
+          </p:cNvSpPr>
+          <p:nvPr>
+            <p:ph type="sldNum" sz="quarter" idx="5"/>
+          </p:nvPr>
+        </p:nvSpPr>
+        <p:spPr/>
+        <p:txBody>
+          <a:bodyPr/>
+          <a:lstStyle/>
+          <a:p>
+            <a:fld id="{40136702-DFDA-4A82-A734-36D5A959112D}" type="slidenum">
+              <a:rPr lang="de-AT" smtClean="0"/>
+              <a:t>1</a:t>
+            </a:fld>
+            <a:endParaRPr lang="de-AT"/>
+          </a:p>
+        </p:txBody>
+      </p:sp>
+    </p:spTree>
+    <p:extLst>
+      <p:ext uri="{BB962C8B-B14F-4D97-AF65-F5344CB8AC3E}">
+        <p14:creationId xmlns:p14="http://schemas.microsoft.com/office/powerpoint/2010/main" val="887245816"/>
+      </p:ext>
+    </p:extLst>
+  </p:cSld>
+  <p:clrMapOvr>
+    <a:masterClrMapping/>
+  </p:clrMapOvr>
+</p:notes>
+</file>
+
+<file path=ppt/notesSlides/notesSlide10.xml><?xml version="1.0" encoding="utf-8"?>
+<p:notes xmlns:a="http://schemas.openxmlformats.org/drawingml/2006/main" xmlns:r="http://schemas.openxmlformats.org/officeDocument/2006/relationships" xmlns:p="http://schemas.openxmlformats.org/presentationml/2006/main">
+  <p:cSld>
+    <p:spTree>
+      <p:nvGrpSpPr>
+        <p:cNvPr id="1" name=""/>
+        <p:cNvGrpSpPr/>
+        <p:nvPr/>
+      </p:nvGrpSpPr>
+      <p:grpSpPr>
+        <a:xfrm>
+          <a:off x="0" y="0"/>
+          <a:ext cx="0" cy="0"/>
+          <a:chOff x="0" y="0"/>
+          <a:chExt cx="0" cy="0"/>
+        </a:xfrm>
+      </p:grpSpPr>
+      <p:sp>
+        <p:nvSpPr>
+          <p:cNvPr id="2" name="Folienbildplatzhalter 1"/>
+          <p:cNvSpPr>
+            <a:spLocks noGrp="1" noRot="1" noChangeAspect="1"/>
+          </p:cNvSpPr>
+          <p:nvPr>
+            <p:ph type="sldImg"/>
+          </p:nvPr>
+        </p:nvSpPr>
+        <p:spPr/>
+      </p:sp>
+      <p:sp>
+        <p:nvSpPr>
+          <p:cNvPr id="3" name="Notizenplatzhalter 2"/>
+          <p:cNvSpPr>
+            <a:spLocks noGrp="1"/>
+          </p:cNvSpPr>
+          <p:nvPr>
+            <p:ph type="body" idx="1"/>
+          </p:nvPr>
+        </p:nvSpPr>
+        <p:spPr/>
+        <p:txBody>
+          <a:bodyPr/>
+          <a:lstStyle/>
+          <a:p>
+            <a:r>
+              <a:rPr lang="de-AT" dirty="0"/>
+              <a:t>Der </a:t>
+            </a:r>
+            <a:r>
+              <a:rPr lang="de-AT" dirty="0" err="1"/>
+              <a:t>product-backlog</a:t>
+            </a:r>
+            <a:r>
+              <a:rPr lang="de-AT" dirty="0"/>
+              <a:t> sieht dementsprechend ziemlich simpel aus.</a:t>
+            </a:r>
+          </a:p>
+        </p:txBody>
+      </p:sp>
+      <p:sp>
+        <p:nvSpPr>
+          <p:cNvPr id="4" name="Foliennummernplatzhalter 3"/>
+          <p:cNvSpPr>
+            <a:spLocks noGrp="1"/>
+          </p:cNvSpPr>
+          <p:nvPr>
+            <p:ph type="sldNum" sz="quarter" idx="5"/>
+          </p:nvPr>
+        </p:nvSpPr>
+        <p:spPr/>
+        <p:txBody>
+          <a:bodyPr/>
+          <a:lstStyle/>
+          <a:p>
+            <a:fld id="{40136702-DFDA-4A82-A734-36D5A959112D}" type="slidenum">
+              <a:rPr lang="de-AT" smtClean="0"/>
+              <a:t>10</a:t>
+            </a:fld>
+            <a:endParaRPr lang="de-AT"/>
+          </a:p>
+        </p:txBody>
+      </p:sp>
+    </p:spTree>
+    <p:extLst>
+      <p:ext uri="{BB962C8B-B14F-4D97-AF65-F5344CB8AC3E}">
+        <p14:creationId xmlns:p14="http://schemas.microsoft.com/office/powerpoint/2010/main" val="3588580836"/>
+      </p:ext>
+    </p:extLst>
+  </p:cSld>
+  <p:clrMapOvr>
+    <a:masterClrMapping/>
+  </p:clrMapOvr>
+</p:notes>
+</file>
+
+<file path=ppt/notesSlides/notesSlide11.xml><?xml version="1.0" encoding="utf-8"?>
+<p:notes xmlns:a="http://schemas.openxmlformats.org/drawingml/2006/main" xmlns:r="http://schemas.openxmlformats.org/officeDocument/2006/relationships" xmlns:p="http://schemas.openxmlformats.org/presentationml/2006/main">
+  <p:cSld>
+    <p:spTree>
+      <p:nvGrpSpPr>
+        <p:cNvPr id="1" name=""/>
+        <p:cNvGrpSpPr/>
+        <p:nvPr/>
+      </p:nvGrpSpPr>
+      <p:grpSpPr>
+        <a:xfrm>
+          <a:off x="0" y="0"/>
+          <a:ext cx="0" cy="0"/>
+          <a:chOff x="0" y="0"/>
+          <a:chExt cx="0" cy="0"/>
+        </a:xfrm>
+      </p:grpSpPr>
+      <p:sp>
+        <p:nvSpPr>
+          <p:cNvPr id="2" name="Folienbildplatzhalter 1"/>
+          <p:cNvSpPr>
+            <a:spLocks noGrp="1" noRot="1" noChangeAspect="1"/>
+          </p:cNvSpPr>
+          <p:nvPr>
+            <p:ph type="sldImg"/>
+          </p:nvPr>
+        </p:nvSpPr>
+        <p:spPr/>
+      </p:sp>
+      <p:sp>
+        <p:nvSpPr>
+          <p:cNvPr id="3" name="Notizenplatzhalter 2"/>
+          <p:cNvSpPr>
+            <a:spLocks noGrp="1"/>
+          </p:cNvSpPr>
+          <p:nvPr>
+            <p:ph type="body" idx="1"/>
+          </p:nvPr>
+        </p:nvSpPr>
+        <p:spPr/>
+        <p:txBody>
+          <a:bodyPr/>
+          <a:lstStyle/>
+          <a:p>
+            <a:r>
+              <a:rPr lang="de-AT" dirty="0"/>
+              <a:t>Aber der Zeitplan war dichtgedrängt.</a:t>
+            </a:r>
+          </a:p>
+        </p:txBody>
+      </p:sp>
+      <p:sp>
+        <p:nvSpPr>
+          <p:cNvPr id="4" name="Foliennummernplatzhalter 3"/>
+          <p:cNvSpPr>
+            <a:spLocks noGrp="1"/>
+          </p:cNvSpPr>
+          <p:nvPr>
+            <p:ph type="sldNum" sz="quarter" idx="5"/>
+          </p:nvPr>
+        </p:nvSpPr>
+        <p:spPr/>
+        <p:txBody>
+          <a:bodyPr/>
+          <a:lstStyle/>
+          <a:p>
+            <a:fld id="{40136702-DFDA-4A82-A734-36D5A959112D}" type="slidenum">
+              <a:rPr lang="de-AT" smtClean="0"/>
+              <a:t>11</a:t>
+            </a:fld>
+            <a:endParaRPr lang="de-AT"/>
+          </a:p>
+        </p:txBody>
+      </p:sp>
+    </p:spTree>
+    <p:extLst>
+      <p:ext uri="{BB962C8B-B14F-4D97-AF65-F5344CB8AC3E}">
+        <p14:creationId xmlns:p14="http://schemas.microsoft.com/office/powerpoint/2010/main" val="2057830965"/>
+      </p:ext>
+    </p:extLst>
+  </p:cSld>
+  <p:clrMapOvr>
+    <a:masterClrMapping/>
+  </p:clrMapOvr>
+</p:notes>
+</file>
+
+<file path=ppt/notesSlides/notesSlide12.xml><?xml version="1.0" encoding="utf-8"?>
+<p:notes xmlns:a="http://schemas.openxmlformats.org/drawingml/2006/main" xmlns:r="http://schemas.openxmlformats.org/officeDocument/2006/relationships" xmlns:p="http://schemas.openxmlformats.org/presentationml/2006/main">
+  <p:cSld>
+    <p:spTree>
+      <p:nvGrpSpPr>
+        <p:cNvPr id="1" name=""/>
+        <p:cNvGrpSpPr/>
+        <p:nvPr/>
+      </p:nvGrpSpPr>
+      <p:grpSpPr>
+        <a:xfrm>
+          <a:off x="0" y="0"/>
+          <a:ext cx="0" cy="0"/>
+          <a:chOff x="0" y="0"/>
+          <a:chExt cx="0" cy="0"/>
+        </a:xfrm>
+      </p:grpSpPr>
+      <p:sp>
+        <p:nvSpPr>
+          <p:cNvPr id="2" name="Folienbildplatzhalter 1"/>
+          <p:cNvSpPr>
+            <a:spLocks noGrp="1" noRot="1" noChangeAspect="1"/>
+          </p:cNvSpPr>
+          <p:nvPr>
+            <p:ph type="sldImg"/>
+          </p:nvPr>
+        </p:nvSpPr>
+        <p:spPr/>
+      </p:sp>
+      <p:sp>
+        <p:nvSpPr>
+          <p:cNvPr id="3" name="Notizenplatzhalter 2"/>
+          <p:cNvSpPr>
+            <a:spLocks noGrp="1"/>
+          </p:cNvSpPr>
+          <p:nvPr>
+            <p:ph type="body" idx="1"/>
+          </p:nvPr>
+        </p:nvSpPr>
+        <p:spPr/>
+        <p:txBody>
+          <a:bodyPr/>
+          <a:lstStyle/>
+          <a:p>
+            <a:r>
+              <a:rPr lang="de-AT" dirty="0"/>
+              <a:t>Alle unsere Teammitglieder haben Demoseiten erstellt, um unseren Fortschritt zu zeigen. Hier die Seite vom Aldin.</a:t>
+            </a:r>
+          </a:p>
+        </p:txBody>
+      </p:sp>
+      <p:sp>
+        <p:nvSpPr>
+          <p:cNvPr id="4" name="Foliennummernplatzhalter 3"/>
+          <p:cNvSpPr>
+            <a:spLocks noGrp="1"/>
+          </p:cNvSpPr>
+          <p:nvPr>
+            <p:ph type="sldNum" sz="quarter" idx="5"/>
+          </p:nvPr>
+        </p:nvSpPr>
+        <p:spPr/>
+        <p:txBody>
+          <a:bodyPr/>
+          <a:lstStyle/>
+          <a:p>
+            <a:fld id="{40136702-DFDA-4A82-A734-36D5A959112D}" type="slidenum">
+              <a:rPr lang="de-AT" smtClean="0"/>
+              <a:t>12</a:t>
+            </a:fld>
+            <a:endParaRPr lang="de-AT"/>
+          </a:p>
+        </p:txBody>
+      </p:sp>
+    </p:spTree>
+    <p:extLst>
+      <p:ext uri="{BB962C8B-B14F-4D97-AF65-F5344CB8AC3E}">
+        <p14:creationId xmlns:p14="http://schemas.microsoft.com/office/powerpoint/2010/main" val="3768154638"/>
+      </p:ext>
+    </p:extLst>
+  </p:cSld>
+  <p:clrMapOvr>
+    <a:masterClrMapping/>
+  </p:clrMapOvr>
+</p:notes>
+</file>
+
+<file path=ppt/notesSlides/notesSlide13.xml><?xml version="1.0" encoding="utf-8"?>
+<p:notes xmlns:a="http://schemas.openxmlformats.org/drawingml/2006/main" xmlns:r="http://schemas.openxmlformats.org/officeDocument/2006/relationships" xmlns:p="http://schemas.openxmlformats.org/presentationml/2006/main">
+  <p:cSld>
+    <p:spTree>
+      <p:nvGrpSpPr>
+        <p:cNvPr id="1" name=""/>
+        <p:cNvGrpSpPr/>
+        <p:nvPr/>
+      </p:nvGrpSpPr>
+      <p:grpSpPr>
+        <a:xfrm>
+          <a:off x="0" y="0"/>
+          <a:ext cx="0" cy="0"/>
+          <a:chOff x="0" y="0"/>
+          <a:chExt cx="0" cy="0"/>
+        </a:xfrm>
+      </p:grpSpPr>
+      <p:sp>
+        <p:nvSpPr>
+          <p:cNvPr id="2" name="Folienbildplatzhalter 1"/>
+          <p:cNvSpPr>
+            <a:spLocks noGrp="1" noRot="1" noChangeAspect="1"/>
+          </p:cNvSpPr>
+          <p:nvPr>
+            <p:ph type="sldImg"/>
+          </p:nvPr>
+        </p:nvSpPr>
+        <p:spPr/>
+      </p:sp>
+      <p:sp>
+        <p:nvSpPr>
+          <p:cNvPr id="3" name="Notizenplatzhalter 2"/>
+          <p:cNvSpPr>
+            <a:spLocks noGrp="1"/>
+          </p:cNvSpPr>
+          <p:nvPr>
+            <p:ph type="body" idx="1"/>
+          </p:nvPr>
+        </p:nvSpPr>
+        <p:spPr/>
+        <p:txBody>
+          <a:bodyPr/>
+          <a:lstStyle/>
+          <a:p>
+            <a:r>
+              <a:rPr lang="de-AT" dirty="0"/>
+              <a:t>Im Backend gibt es nur zwei Entitäten, Bike und Shop. Die Rest-</a:t>
+            </a:r>
+            <a:r>
+              <a:rPr lang="de-AT" dirty="0" err="1"/>
+              <a:t>Api</a:t>
+            </a:r>
+            <a:r>
+              <a:rPr lang="de-AT" dirty="0"/>
+              <a:t> sendet die Daten nach außen. </a:t>
+            </a:r>
+          </a:p>
+        </p:txBody>
+      </p:sp>
+      <p:sp>
+        <p:nvSpPr>
+          <p:cNvPr id="4" name="Foliennummernplatzhalter 3"/>
+          <p:cNvSpPr>
+            <a:spLocks noGrp="1"/>
+          </p:cNvSpPr>
+          <p:nvPr>
+            <p:ph type="sldNum" sz="quarter" idx="5"/>
+          </p:nvPr>
+        </p:nvSpPr>
+        <p:spPr/>
+        <p:txBody>
+          <a:bodyPr/>
+          <a:lstStyle/>
+          <a:p>
+            <a:fld id="{40136702-DFDA-4A82-A734-36D5A959112D}" type="slidenum">
+              <a:rPr lang="de-AT" smtClean="0"/>
+              <a:t>13</a:t>
+            </a:fld>
+            <a:endParaRPr lang="de-AT"/>
+          </a:p>
+        </p:txBody>
+      </p:sp>
+    </p:spTree>
+    <p:extLst>
+      <p:ext uri="{BB962C8B-B14F-4D97-AF65-F5344CB8AC3E}">
+        <p14:creationId xmlns:p14="http://schemas.microsoft.com/office/powerpoint/2010/main" val="2760543896"/>
+      </p:ext>
+    </p:extLst>
+  </p:cSld>
+  <p:clrMapOvr>
+    <a:masterClrMapping/>
+  </p:clrMapOvr>
+</p:notes>
+</file>
+
+<file path=ppt/notesSlides/notesSlide14.xml><?xml version="1.0" encoding="utf-8"?>
+<p:notes xmlns:a="http://schemas.openxmlformats.org/drawingml/2006/main" xmlns:r="http://schemas.openxmlformats.org/officeDocument/2006/relationships" xmlns:p="http://schemas.openxmlformats.org/presentationml/2006/main">
+  <p:cSld>
+    <p:spTree>
+      <p:nvGrpSpPr>
+        <p:cNvPr id="1" name=""/>
+        <p:cNvGrpSpPr/>
+        <p:nvPr/>
+      </p:nvGrpSpPr>
+      <p:grpSpPr>
+        <a:xfrm>
+          <a:off x="0" y="0"/>
+          <a:ext cx="0" cy="0"/>
+          <a:chOff x="0" y="0"/>
+          <a:chExt cx="0" cy="0"/>
+        </a:xfrm>
+      </p:grpSpPr>
+      <p:sp>
+        <p:nvSpPr>
+          <p:cNvPr id="2" name="Folienbildplatzhalter 1"/>
+          <p:cNvSpPr>
+            <a:spLocks noGrp="1" noRot="1" noChangeAspect="1"/>
+          </p:cNvSpPr>
+          <p:nvPr>
+            <p:ph type="sldImg"/>
+          </p:nvPr>
+        </p:nvSpPr>
+        <p:spPr/>
+      </p:sp>
+      <p:sp>
+        <p:nvSpPr>
+          <p:cNvPr id="3" name="Notizenplatzhalter 2"/>
+          <p:cNvSpPr>
+            <a:spLocks noGrp="1"/>
+          </p:cNvSpPr>
+          <p:nvPr>
+            <p:ph type="body" idx="1"/>
+          </p:nvPr>
+        </p:nvSpPr>
+        <p:spPr/>
+        <p:txBody>
+          <a:bodyPr/>
+          <a:lstStyle/>
+          <a:p>
+            <a:r>
+              <a:rPr lang="de-AT" dirty="0"/>
+              <a:t>Mit multiple </a:t>
+            </a:r>
+            <a:r>
+              <a:rPr lang="de-AT" dirty="0" err="1"/>
+              <a:t>startup</a:t>
+            </a:r>
+            <a:r>
+              <a:rPr lang="de-AT" dirty="0"/>
+              <a:t> wird Rest-</a:t>
+            </a:r>
+            <a:r>
+              <a:rPr lang="de-AT" dirty="0" err="1"/>
+              <a:t>Api</a:t>
+            </a:r>
+            <a:r>
+              <a:rPr lang="de-AT" dirty="0"/>
+              <a:t> und der Angular Client in Tandem gestartet. Und nach Zuweisung der Portnummer werden die Daten auch übertragen.</a:t>
+            </a:r>
+          </a:p>
+          <a:p>
+            <a:pPr marL="0" marR="0" lvl="0" indent="0" algn="l" defTabSz="914400" rtl="0" eaLnBrk="1" fontAlgn="auto" latinLnBrk="0" hangingPunct="1">
+              <a:lnSpc>
+                <a:spcPct val="100000"/>
+              </a:lnSpc>
+              <a:spcBef>
+                <a:spcPts val="0"/>
+              </a:spcBef>
+              <a:spcAft>
+                <a:spcPts val="0"/>
+              </a:spcAft>
+              <a:buClrTx/>
+              <a:buSzTx/>
+              <a:buFontTx/>
+              <a:buNone/>
+              <a:tabLst/>
+              <a:defRPr/>
+            </a:pPr>
+            <a:r>
+              <a:rPr lang="de-AT" dirty="0"/>
+              <a:t>Wir sind aber nicht weit genug gekommen, dass Angular auch tatsächlich mit den Daten arbeitet. Unsere Angular-Website ist derzeit immer noch </a:t>
+            </a:r>
+            <a:r>
+              <a:rPr lang="de-AT" dirty="0" err="1"/>
+              <a:t>hard-coded</a:t>
+            </a:r>
+            <a:r>
+              <a:rPr lang="de-AT" dirty="0"/>
+              <a:t>.</a:t>
+            </a:r>
+          </a:p>
+          <a:p>
+            <a:pPr marL="0" marR="0" lvl="0" indent="0" algn="l" defTabSz="914400" rtl="0" eaLnBrk="1" fontAlgn="auto" latinLnBrk="0" hangingPunct="1">
+              <a:lnSpc>
+                <a:spcPct val="100000"/>
+              </a:lnSpc>
+              <a:spcBef>
+                <a:spcPts val="0"/>
+              </a:spcBef>
+              <a:spcAft>
+                <a:spcPts val="0"/>
+              </a:spcAft>
+              <a:buClrTx/>
+              <a:buSzTx/>
+              <a:buFontTx/>
+              <a:buNone/>
+              <a:tabLst/>
+              <a:defRPr/>
+            </a:pPr>
+            <a:r>
+              <a:rPr lang="de-AT" dirty="0"/>
+              <a:t>Die Zeit hat leider nicht ausgereicht, um das Projekt fertig zu stellen.</a:t>
+            </a:r>
+          </a:p>
+          <a:p>
+            <a:endParaRPr lang="de-AT" dirty="0"/>
+          </a:p>
+        </p:txBody>
+      </p:sp>
+      <p:sp>
+        <p:nvSpPr>
+          <p:cNvPr id="4" name="Foliennummernplatzhalter 3"/>
+          <p:cNvSpPr>
+            <a:spLocks noGrp="1"/>
+          </p:cNvSpPr>
+          <p:nvPr>
+            <p:ph type="sldNum" sz="quarter" idx="5"/>
+          </p:nvPr>
+        </p:nvSpPr>
+        <p:spPr/>
+        <p:txBody>
+          <a:bodyPr/>
+          <a:lstStyle/>
+          <a:p>
+            <a:fld id="{40136702-DFDA-4A82-A734-36D5A959112D}" type="slidenum">
+              <a:rPr lang="de-AT" smtClean="0"/>
+              <a:t>14</a:t>
+            </a:fld>
+            <a:endParaRPr lang="de-AT"/>
+          </a:p>
+        </p:txBody>
+      </p:sp>
+    </p:spTree>
+    <p:extLst>
+      <p:ext uri="{BB962C8B-B14F-4D97-AF65-F5344CB8AC3E}">
+        <p14:creationId xmlns:p14="http://schemas.microsoft.com/office/powerpoint/2010/main" val="554420781"/>
+      </p:ext>
+    </p:extLst>
+  </p:cSld>
+  <p:clrMapOvr>
+    <a:masterClrMapping/>
+  </p:clrMapOvr>
+</p:notes>
+</file>
+
+<file path=ppt/notesSlides/notesSlide15.xml><?xml version="1.0" encoding="utf-8"?>
+<p:notes xmlns:a="http://schemas.openxmlformats.org/drawingml/2006/main" xmlns:r="http://schemas.openxmlformats.org/officeDocument/2006/relationships" xmlns:p="http://schemas.openxmlformats.org/presentationml/2006/main">
+  <p:cSld>
+    <p:spTree>
+      <p:nvGrpSpPr>
+        <p:cNvPr id="1" name=""/>
+        <p:cNvGrpSpPr/>
+        <p:nvPr/>
+      </p:nvGrpSpPr>
+      <p:grpSpPr>
+        <a:xfrm>
+          <a:off x="0" y="0"/>
+          <a:ext cx="0" cy="0"/>
+          <a:chOff x="0" y="0"/>
+          <a:chExt cx="0" cy="0"/>
+        </a:xfrm>
+      </p:grpSpPr>
+      <p:sp>
+        <p:nvSpPr>
+          <p:cNvPr id="2" name="Folienbildplatzhalter 1"/>
+          <p:cNvSpPr>
+            <a:spLocks noGrp="1" noRot="1" noChangeAspect="1"/>
+          </p:cNvSpPr>
+          <p:nvPr>
+            <p:ph type="sldImg"/>
+          </p:nvPr>
+        </p:nvSpPr>
+        <p:spPr/>
+      </p:sp>
+      <p:sp>
+        <p:nvSpPr>
+          <p:cNvPr id="3" name="Notizenplatzhalter 2"/>
+          <p:cNvSpPr>
+            <a:spLocks noGrp="1"/>
+          </p:cNvSpPr>
+          <p:nvPr>
+            <p:ph type="body" idx="1"/>
+          </p:nvPr>
+        </p:nvSpPr>
+        <p:spPr/>
+        <p:txBody>
+          <a:bodyPr/>
+          <a:lstStyle/>
+          <a:p>
+            <a:endParaRPr lang="de-AT" dirty="0"/>
+          </a:p>
+        </p:txBody>
+      </p:sp>
+      <p:sp>
+        <p:nvSpPr>
+          <p:cNvPr id="4" name="Foliennummernplatzhalter 3"/>
+          <p:cNvSpPr>
+            <a:spLocks noGrp="1"/>
+          </p:cNvSpPr>
+          <p:nvPr>
+            <p:ph type="sldNum" sz="quarter" idx="5"/>
+          </p:nvPr>
+        </p:nvSpPr>
+        <p:spPr/>
+        <p:txBody>
+          <a:bodyPr/>
+          <a:lstStyle/>
+          <a:p>
+            <a:fld id="{40136702-DFDA-4A82-A734-36D5A959112D}" type="slidenum">
+              <a:rPr lang="de-AT" smtClean="0"/>
+              <a:t>15</a:t>
+            </a:fld>
+            <a:endParaRPr lang="de-AT"/>
+          </a:p>
+        </p:txBody>
+      </p:sp>
+    </p:spTree>
+    <p:extLst>
+      <p:ext uri="{BB962C8B-B14F-4D97-AF65-F5344CB8AC3E}">
+        <p14:creationId xmlns:p14="http://schemas.microsoft.com/office/powerpoint/2010/main" val="1055170129"/>
+      </p:ext>
+    </p:extLst>
+  </p:cSld>
+  <p:clrMapOvr>
+    <a:masterClrMapping/>
+  </p:clrMapOvr>
+</p:notes>
+</file>
+
+<file path=ppt/notesSlides/notesSlide2.xml><?xml version="1.0" encoding="utf-8"?>
+<p:notes xmlns:a="http://schemas.openxmlformats.org/drawingml/2006/main" xmlns:r="http://schemas.openxmlformats.org/officeDocument/2006/relationships" xmlns:p="http://schemas.openxmlformats.org/presentationml/2006/main">
+  <p:cSld>
+    <p:spTree>
+      <p:nvGrpSpPr>
+        <p:cNvPr id="1" name=""/>
+        <p:cNvGrpSpPr/>
+        <p:nvPr/>
+      </p:nvGrpSpPr>
+      <p:grpSpPr>
+        <a:xfrm>
+          <a:off x="0" y="0"/>
+          <a:ext cx="0" cy="0"/>
+          <a:chOff x="0" y="0"/>
+          <a:chExt cx="0" cy="0"/>
+        </a:xfrm>
+      </p:grpSpPr>
+      <p:sp>
+        <p:nvSpPr>
+          <p:cNvPr id="2" name="Folienbildplatzhalter 1"/>
+          <p:cNvSpPr>
+            <a:spLocks noGrp="1" noRot="1" noChangeAspect="1"/>
+          </p:cNvSpPr>
+          <p:nvPr>
+            <p:ph type="sldImg"/>
+          </p:nvPr>
+        </p:nvSpPr>
+        <p:spPr/>
+      </p:sp>
+      <p:sp>
+        <p:nvSpPr>
+          <p:cNvPr id="3" name="Notizenplatzhalter 2"/>
+          <p:cNvSpPr>
+            <a:spLocks noGrp="1"/>
+          </p:cNvSpPr>
+          <p:nvPr>
+            <p:ph type="body" idx="1"/>
+          </p:nvPr>
+        </p:nvSpPr>
+        <p:spPr/>
+        <p:txBody>
+          <a:bodyPr/>
+          <a:lstStyle/>
+          <a:p>
+            <a:r>
+              <a:rPr lang="de-AT" dirty="0"/>
+              <a:t>Erstes Projekt Bike-O-Mat:</a:t>
+            </a:r>
+          </a:p>
+          <a:p>
+            <a:r>
+              <a:rPr lang="de-AT" dirty="0"/>
+              <a:t>Fahrrad-Vermietung über Fahrradstationen.</a:t>
+            </a:r>
+          </a:p>
+          <a:p>
+            <a:r>
+              <a:rPr lang="de-AT" dirty="0"/>
+              <a:t>Deployen wollten wir auf Azure.</a:t>
+            </a:r>
+          </a:p>
+          <a:p>
+            <a:r>
+              <a:rPr lang="de-AT" dirty="0"/>
+              <a:t>Funktion sollte sein, dass man über die Website am Handy einen QR-Code einscannt und das Fahrrad ausborgen kann.</a:t>
+            </a:r>
+          </a:p>
+          <a:p>
+            <a:r>
+              <a:rPr lang="de-AT" dirty="0"/>
+              <a:t>Die Abrechnung sollte zeitlich, aber auch nach Pauschalen, Aktionen funktionieren.</a:t>
+            </a:r>
+          </a:p>
+          <a:p>
+            <a:r>
+              <a:rPr lang="de-AT" dirty="0"/>
+              <a:t>Die Kosten wären nach Nutzer berechnet worden.</a:t>
+            </a:r>
+          </a:p>
+        </p:txBody>
+      </p:sp>
+      <p:sp>
+        <p:nvSpPr>
+          <p:cNvPr id="4" name="Foliennummernplatzhalter 3"/>
+          <p:cNvSpPr>
+            <a:spLocks noGrp="1"/>
+          </p:cNvSpPr>
+          <p:nvPr>
+            <p:ph type="sldNum" sz="quarter" idx="5"/>
+          </p:nvPr>
+        </p:nvSpPr>
+        <p:spPr/>
+        <p:txBody>
+          <a:bodyPr/>
+          <a:lstStyle/>
+          <a:p>
+            <a:fld id="{40136702-DFDA-4A82-A734-36D5A959112D}" type="slidenum">
+              <a:rPr lang="de-AT" smtClean="0"/>
+              <a:t>2</a:t>
+            </a:fld>
+            <a:endParaRPr lang="de-AT"/>
+          </a:p>
+        </p:txBody>
+      </p:sp>
+    </p:spTree>
+    <p:extLst>
+      <p:ext uri="{BB962C8B-B14F-4D97-AF65-F5344CB8AC3E}">
+        <p14:creationId xmlns:p14="http://schemas.microsoft.com/office/powerpoint/2010/main" val="878996368"/>
+      </p:ext>
+    </p:extLst>
+  </p:cSld>
+  <p:clrMapOvr>
+    <a:masterClrMapping/>
+  </p:clrMapOvr>
+</p:notes>
+</file>
+
+<file path=ppt/notesSlides/notesSlide3.xml><?xml version="1.0" encoding="utf-8"?>
+<p:notes xmlns:a="http://schemas.openxmlformats.org/drawingml/2006/main" xmlns:r="http://schemas.openxmlformats.org/officeDocument/2006/relationships" xmlns:p="http://schemas.openxmlformats.org/presentationml/2006/main">
+  <p:cSld>
+    <p:spTree>
+      <p:nvGrpSpPr>
+        <p:cNvPr id="1" name=""/>
+        <p:cNvGrpSpPr/>
+        <p:nvPr/>
+      </p:nvGrpSpPr>
+      <p:grpSpPr>
+        <a:xfrm>
+          <a:off x="0" y="0"/>
+          <a:ext cx="0" cy="0"/>
+          <a:chOff x="0" y="0"/>
+          <a:chExt cx="0" cy="0"/>
+        </a:xfrm>
+      </p:grpSpPr>
+      <p:sp>
+        <p:nvSpPr>
+          <p:cNvPr id="2" name="Folienbildplatzhalter 1"/>
+          <p:cNvSpPr>
+            <a:spLocks noGrp="1" noRot="1" noChangeAspect="1"/>
+          </p:cNvSpPr>
+          <p:nvPr>
+            <p:ph type="sldImg"/>
+          </p:nvPr>
+        </p:nvSpPr>
+        <p:spPr/>
+      </p:sp>
+      <p:sp>
+        <p:nvSpPr>
+          <p:cNvPr id="3" name="Notizenplatzhalter 2"/>
+          <p:cNvSpPr>
+            <a:spLocks noGrp="1"/>
+          </p:cNvSpPr>
+          <p:nvPr>
+            <p:ph type="body" idx="1"/>
+          </p:nvPr>
+        </p:nvSpPr>
+        <p:spPr/>
+        <p:txBody>
+          <a:bodyPr/>
+          <a:lstStyle/>
+          <a:p>
+            <a:r>
+              <a:rPr lang="de-AT" dirty="0"/>
+              <a:t>Wir haben die typischen Dokumente erstellt:</a:t>
+            </a:r>
+          </a:p>
+          <a:p>
+            <a:r>
+              <a:rPr lang="de-AT" dirty="0"/>
+              <a:t>Projektauftrag, Projektstrukturplan, Umfeldanalyse, Machbarkeitsanalyse, Produkt-Backlog und einen Teil vom Spring-</a:t>
+            </a:r>
+            <a:r>
+              <a:rPr lang="de-AT" dirty="0" err="1"/>
+              <a:t>backlog</a:t>
+            </a:r>
+            <a:endParaRPr lang="de-AT" dirty="0"/>
+          </a:p>
+        </p:txBody>
+      </p:sp>
+      <p:sp>
+        <p:nvSpPr>
+          <p:cNvPr id="4" name="Foliennummernplatzhalter 3"/>
+          <p:cNvSpPr>
+            <a:spLocks noGrp="1"/>
+          </p:cNvSpPr>
+          <p:nvPr>
+            <p:ph type="sldNum" sz="quarter" idx="5"/>
+          </p:nvPr>
+        </p:nvSpPr>
+        <p:spPr/>
+        <p:txBody>
+          <a:bodyPr/>
+          <a:lstStyle/>
+          <a:p>
+            <a:fld id="{40136702-DFDA-4A82-A734-36D5A959112D}" type="slidenum">
+              <a:rPr lang="de-AT" smtClean="0"/>
+              <a:t>3</a:t>
+            </a:fld>
+            <a:endParaRPr lang="de-AT"/>
+          </a:p>
+        </p:txBody>
+      </p:sp>
+    </p:spTree>
+    <p:extLst>
+      <p:ext uri="{BB962C8B-B14F-4D97-AF65-F5344CB8AC3E}">
+        <p14:creationId xmlns:p14="http://schemas.microsoft.com/office/powerpoint/2010/main" val="311771726"/>
+      </p:ext>
+    </p:extLst>
+  </p:cSld>
+  <p:clrMapOvr>
+    <a:masterClrMapping/>
+  </p:clrMapOvr>
+</p:notes>
+</file>
+
+<file path=ppt/notesSlides/notesSlide4.xml><?xml version="1.0" encoding="utf-8"?>
+<p:notes xmlns:a="http://schemas.openxmlformats.org/drawingml/2006/main" xmlns:r="http://schemas.openxmlformats.org/officeDocument/2006/relationships" xmlns:p="http://schemas.openxmlformats.org/presentationml/2006/main">
+  <p:cSld>
+    <p:spTree>
+      <p:nvGrpSpPr>
+        <p:cNvPr id="1" name=""/>
+        <p:cNvGrpSpPr/>
+        <p:nvPr/>
+      </p:nvGrpSpPr>
+      <p:grpSpPr>
+        <a:xfrm>
+          <a:off x="0" y="0"/>
+          <a:ext cx="0" cy="0"/>
+          <a:chOff x="0" y="0"/>
+          <a:chExt cx="0" cy="0"/>
+        </a:xfrm>
+      </p:grpSpPr>
+      <p:sp>
+        <p:nvSpPr>
+          <p:cNvPr id="2" name="Folienbildplatzhalter 1"/>
+          <p:cNvSpPr>
+            <a:spLocks noGrp="1" noRot="1" noChangeAspect="1"/>
+          </p:cNvSpPr>
+          <p:nvPr>
+            <p:ph type="sldImg"/>
+          </p:nvPr>
+        </p:nvSpPr>
+        <p:spPr/>
+      </p:sp>
+      <p:sp>
+        <p:nvSpPr>
+          <p:cNvPr id="3" name="Notizenplatzhalter 2"/>
+          <p:cNvSpPr>
+            <a:spLocks noGrp="1"/>
+          </p:cNvSpPr>
+          <p:nvPr>
+            <p:ph type="body" idx="1"/>
+          </p:nvPr>
+        </p:nvSpPr>
+        <p:spPr/>
+        <p:txBody>
+          <a:bodyPr/>
+          <a:lstStyle/>
+          <a:p>
+            <a:r>
+              <a:rPr lang="de-AT" dirty="0"/>
+              <a:t>Hier noch kurz der Projektstrukturplan</a:t>
+            </a:r>
+          </a:p>
+        </p:txBody>
+      </p:sp>
+      <p:sp>
+        <p:nvSpPr>
+          <p:cNvPr id="4" name="Foliennummernplatzhalter 3"/>
+          <p:cNvSpPr>
+            <a:spLocks noGrp="1"/>
+          </p:cNvSpPr>
+          <p:nvPr>
+            <p:ph type="sldNum" sz="quarter" idx="5"/>
+          </p:nvPr>
+        </p:nvSpPr>
+        <p:spPr/>
+        <p:txBody>
+          <a:bodyPr/>
+          <a:lstStyle/>
+          <a:p>
+            <a:fld id="{40136702-DFDA-4A82-A734-36D5A959112D}" type="slidenum">
+              <a:rPr lang="de-AT" smtClean="0"/>
+              <a:t>4</a:t>
+            </a:fld>
+            <a:endParaRPr lang="de-AT"/>
+          </a:p>
+        </p:txBody>
+      </p:sp>
+    </p:spTree>
+    <p:extLst>
+      <p:ext uri="{BB962C8B-B14F-4D97-AF65-F5344CB8AC3E}">
+        <p14:creationId xmlns:p14="http://schemas.microsoft.com/office/powerpoint/2010/main" val="332243235"/>
+      </p:ext>
+    </p:extLst>
+  </p:cSld>
+  <p:clrMapOvr>
+    <a:masterClrMapping/>
+  </p:clrMapOvr>
+</p:notes>
+</file>
+
+<file path=ppt/notesSlides/notesSlide5.xml><?xml version="1.0" encoding="utf-8"?>
+<p:notes xmlns:a="http://schemas.openxmlformats.org/drawingml/2006/main" xmlns:r="http://schemas.openxmlformats.org/officeDocument/2006/relationships" xmlns:p="http://schemas.openxmlformats.org/presentationml/2006/main">
+  <p:cSld>
+    <p:spTree>
+      <p:nvGrpSpPr>
+        <p:cNvPr id="1" name=""/>
+        <p:cNvGrpSpPr/>
+        <p:nvPr/>
+      </p:nvGrpSpPr>
+      <p:grpSpPr>
+        <a:xfrm>
+          <a:off x="0" y="0"/>
+          <a:ext cx="0" cy="0"/>
+          <a:chOff x="0" y="0"/>
+          <a:chExt cx="0" cy="0"/>
+        </a:xfrm>
+      </p:grpSpPr>
+      <p:sp>
+        <p:nvSpPr>
+          <p:cNvPr id="2" name="Folienbildplatzhalter 1"/>
+          <p:cNvSpPr>
+            <a:spLocks noGrp="1" noRot="1" noChangeAspect="1"/>
+          </p:cNvSpPr>
+          <p:nvPr>
+            <p:ph type="sldImg"/>
+          </p:nvPr>
+        </p:nvSpPr>
+        <p:spPr/>
+      </p:sp>
+      <p:sp>
+        <p:nvSpPr>
+          <p:cNvPr id="3" name="Notizenplatzhalter 2"/>
+          <p:cNvSpPr>
+            <a:spLocks noGrp="1"/>
+          </p:cNvSpPr>
+          <p:nvPr>
+            <p:ph type="body" idx="1"/>
+          </p:nvPr>
+        </p:nvSpPr>
+        <p:spPr/>
+        <p:txBody>
+          <a:bodyPr/>
+          <a:lstStyle/>
+          <a:p>
+            <a:r>
+              <a:rPr lang="de-AT" dirty="0"/>
+              <a:t>Im Product-</a:t>
+            </a:r>
+            <a:r>
+              <a:rPr lang="de-AT" dirty="0" err="1"/>
+              <a:t>backlog</a:t>
+            </a:r>
+            <a:r>
+              <a:rPr lang="de-AT" dirty="0"/>
+              <a:t> haben wir die </a:t>
+            </a:r>
+            <a:r>
+              <a:rPr lang="de-AT" dirty="0" err="1"/>
+              <a:t>use-cases</a:t>
+            </a:r>
+            <a:r>
+              <a:rPr lang="de-AT" dirty="0"/>
+              <a:t> über </a:t>
+            </a:r>
+            <a:r>
+              <a:rPr lang="de-AT" dirty="0" err="1"/>
+              <a:t>stories</a:t>
+            </a:r>
+            <a:r>
+              <a:rPr lang="de-AT" dirty="0"/>
+              <a:t> erarbeitet.</a:t>
+            </a:r>
+          </a:p>
+        </p:txBody>
+      </p:sp>
+      <p:sp>
+        <p:nvSpPr>
+          <p:cNvPr id="4" name="Foliennummernplatzhalter 3"/>
+          <p:cNvSpPr>
+            <a:spLocks noGrp="1"/>
+          </p:cNvSpPr>
+          <p:nvPr>
+            <p:ph type="sldNum" sz="quarter" idx="5"/>
+          </p:nvPr>
+        </p:nvSpPr>
+        <p:spPr/>
+        <p:txBody>
+          <a:bodyPr/>
+          <a:lstStyle/>
+          <a:p>
+            <a:fld id="{40136702-DFDA-4A82-A734-36D5A959112D}" type="slidenum">
+              <a:rPr lang="de-AT" smtClean="0"/>
+              <a:t>5</a:t>
+            </a:fld>
+            <a:endParaRPr lang="de-AT"/>
+          </a:p>
+        </p:txBody>
+      </p:sp>
+    </p:spTree>
+    <p:extLst>
+      <p:ext uri="{BB962C8B-B14F-4D97-AF65-F5344CB8AC3E}">
+        <p14:creationId xmlns:p14="http://schemas.microsoft.com/office/powerpoint/2010/main" val="1972902387"/>
+      </p:ext>
+    </p:extLst>
+  </p:cSld>
+  <p:clrMapOvr>
+    <a:masterClrMapping/>
+  </p:clrMapOvr>
+</p:notes>
+</file>
+
+<file path=ppt/notesSlides/notesSlide6.xml><?xml version="1.0" encoding="utf-8"?>
+<p:notes xmlns:a="http://schemas.openxmlformats.org/drawingml/2006/main" xmlns:r="http://schemas.openxmlformats.org/officeDocument/2006/relationships" xmlns:p="http://schemas.openxmlformats.org/presentationml/2006/main">
+  <p:cSld>
+    <p:spTree>
+      <p:nvGrpSpPr>
+        <p:cNvPr id="1" name=""/>
+        <p:cNvGrpSpPr/>
+        <p:nvPr/>
+      </p:nvGrpSpPr>
+      <p:grpSpPr>
+        <a:xfrm>
+          <a:off x="0" y="0"/>
+          <a:ext cx="0" cy="0"/>
+          <a:chOff x="0" y="0"/>
+          <a:chExt cx="0" cy="0"/>
+        </a:xfrm>
+      </p:grpSpPr>
+      <p:sp>
+        <p:nvSpPr>
+          <p:cNvPr id="2" name="Folienbildplatzhalter 1"/>
+          <p:cNvSpPr>
+            <a:spLocks noGrp="1" noRot="1" noChangeAspect="1"/>
+          </p:cNvSpPr>
+          <p:nvPr>
+            <p:ph type="sldImg"/>
+          </p:nvPr>
+        </p:nvSpPr>
+        <p:spPr/>
+      </p:sp>
+      <p:sp>
+        <p:nvSpPr>
+          <p:cNvPr id="3" name="Notizenplatzhalter 2"/>
+          <p:cNvSpPr>
+            <a:spLocks noGrp="1"/>
+          </p:cNvSpPr>
+          <p:nvPr>
+            <p:ph type="body" idx="1"/>
+          </p:nvPr>
+        </p:nvSpPr>
+        <p:spPr/>
+        <p:txBody>
+          <a:bodyPr/>
+          <a:lstStyle/>
+          <a:p>
+            <a:r>
+              <a:rPr lang="de-AT" dirty="0"/>
+              <a:t>Der erste Sprint hätte so ausgesehen, aber die Pläne waren eher utopisch. Ohne das </a:t>
+            </a:r>
+            <a:r>
+              <a:rPr lang="de-AT" dirty="0" err="1"/>
+              <a:t>Know-How</a:t>
+            </a:r>
+            <a:r>
+              <a:rPr lang="de-AT" dirty="0"/>
+              <a:t> hätten wir es nicht so schnell hingekriegt.</a:t>
+            </a:r>
+          </a:p>
+          <a:p>
+            <a:r>
+              <a:rPr lang="de-AT" dirty="0"/>
+              <a:t>Aber es ist eh anders gekommen.</a:t>
+            </a:r>
+          </a:p>
+        </p:txBody>
+      </p:sp>
+      <p:sp>
+        <p:nvSpPr>
+          <p:cNvPr id="4" name="Foliennummernplatzhalter 3"/>
+          <p:cNvSpPr>
+            <a:spLocks noGrp="1"/>
+          </p:cNvSpPr>
+          <p:nvPr>
+            <p:ph type="sldNum" sz="quarter" idx="5"/>
+          </p:nvPr>
+        </p:nvSpPr>
+        <p:spPr/>
+        <p:txBody>
+          <a:bodyPr/>
+          <a:lstStyle/>
+          <a:p>
+            <a:fld id="{40136702-DFDA-4A82-A734-36D5A959112D}" type="slidenum">
+              <a:rPr lang="de-AT" smtClean="0"/>
+              <a:t>6</a:t>
+            </a:fld>
+            <a:endParaRPr lang="de-AT"/>
+          </a:p>
+        </p:txBody>
+      </p:sp>
+    </p:spTree>
+    <p:extLst>
+      <p:ext uri="{BB962C8B-B14F-4D97-AF65-F5344CB8AC3E}">
+        <p14:creationId xmlns:p14="http://schemas.microsoft.com/office/powerpoint/2010/main" val="1427638061"/>
+      </p:ext>
+    </p:extLst>
+  </p:cSld>
+  <p:clrMapOvr>
+    <a:masterClrMapping/>
+  </p:clrMapOvr>
+</p:notes>
+</file>
+
+<file path=ppt/notesSlides/notesSlide7.xml><?xml version="1.0" encoding="utf-8"?>
+<p:notes xmlns:a="http://schemas.openxmlformats.org/drawingml/2006/main" xmlns:r="http://schemas.openxmlformats.org/officeDocument/2006/relationships" xmlns:p="http://schemas.openxmlformats.org/presentationml/2006/main">
+  <p:cSld>
+    <p:spTree>
+      <p:nvGrpSpPr>
+        <p:cNvPr id="1" name=""/>
+        <p:cNvGrpSpPr/>
+        <p:nvPr/>
+      </p:nvGrpSpPr>
+      <p:grpSpPr>
+        <a:xfrm>
+          <a:off x="0" y="0"/>
+          <a:ext cx="0" cy="0"/>
+          <a:chOff x="0" y="0"/>
+          <a:chExt cx="0" cy="0"/>
+        </a:xfrm>
+      </p:grpSpPr>
+      <p:sp>
+        <p:nvSpPr>
+          <p:cNvPr id="2" name="Folienbildplatzhalter 1"/>
+          <p:cNvSpPr>
+            <a:spLocks noGrp="1" noRot="1" noChangeAspect="1"/>
+          </p:cNvSpPr>
+          <p:nvPr>
+            <p:ph type="sldImg"/>
+          </p:nvPr>
+        </p:nvSpPr>
+        <p:spPr/>
+      </p:sp>
+      <p:sp>
+        <p:nvSpPr>
+          <p:cNvPr id="3" name="Notizenplatzhalter 2"/>
+          <p:cNvSpPr>
+            <a:spLocks noGrp="1"/>
+          </p:cNvSpPr>
+          <p:nvPr>
+            <p:ph type="body" idx="1"/>
+          </p:nvPr>
+        </p:nvSpPr>
+        <p:spPr/>
+        <p:txBody>
+          <a:bodyPr/>
+          <a:lstStyle/>
+          <a:p>
+            <a:r>
+              <a:rPr lang="de-AT" dirty="0"/>
+              <a:t>Hier sieht man unsere Risikoanalyse.</a:t>
+            </a:r>
+          </a:p>
+          <a:p>
+            <a:r>
+              <a:rPr lang="de-AT" dirty="0"/>
+              <a:t>Wir hatten aber kein Risiko für Ausfälle wegen Krankenständen eingeplant.</a:t>
+            </a:r>
+          </a:p>
+          <a:p>
+            <a:r>
+              <a:rPr lang="de-AT" dirty="0"/>
+              <a:t>Krankenstände gab es aber viele und lange. Unser Team hat sich fast 3 Monate nicht persönlich gesehen und das ganze Projekt ist eingeschlafen.</a:t>
+            </a:r>
+          </a:p>
+        </p:txBody>
+      </p:sp>
+      <p:sp>
+        <p:nvSpPr>
+          <p:cNvPr id="4" name="Foliennummernplatzhalter 3"/>
+          <p:cNvSpPr>
+            <a:spLocks noGrp="1"/>
+          </p:cNvSpPr>
+          <p:nvPr>
+            <p:ph type="sldNum" sz="quarter" idx="5"/>
+          </p:nvPr>
+        </p:nvSpPr>
+        <p:spPr/>
+        <p:txBody>
+          <a:bodyPr/>
+          <a:lstStyle/>
+          <a:p>
+            <a:fld id="{40136702-DFDA-4A82-A734-36D5A959112D}" type="slidenum">
+              <a:rPr lang="de-AT" smtClean="0"/>
+              <a:t>7</a:t>
+            </a:fld>
+            <a:endParaRPr lang="de-AT"/>
+          </a:p>
+        </p:txBody>
+      </p:sp>
+    </p:spTree>
+    <p:extLst>
+      <p:ext uri="{BB962C8B-B14F-4D97-AF65-F5344CB8AC3E}">
+        <p14:creationId xmlns:p14="http://schemas.microsoft.com/office/powerpoint/2010/main" val="1080544388"/>
+      </p:ext>
+    </p:extLst>
+  </p:cSld>
+  <p:clrMapOvr>
+    <a:masterClrMapping/>
+  </p:clrMapOvr>
+</p:notes>
+</file>
+
+<file path=ppt/notesSlides/notesSlide8.xml><?xml version="1.0" encoding="utf-8"?>
+<p:notes xmlns:a="http://schemas.openxmlformats.org/drawingml/2006/main" xmlns:r="http://schemas.openxmlformats.org/officeDocument/2006/relationships" xmlns:p="http://schemas.openxmlformats.org/presentationml/2006/main">
+  <p:cSld>
+    <p:spTree>
+      <p:nvGrpSpPr>
+        <p:cNvPr id="1" name=""/>
+        <p:cNvGrpSpPr/>
+        <p:nvPr/>
+      </p:nvGrpSpPr>
+      <p:grpSpPr>
+        <a:xfrm>
+          <a:off x="0" y="0"/>
+          <a:ext cx="0" cy="0"/>
+          <a:chOff x="0" y="0"/>
+          <a:chExt cx="0" cy="0"/>
+        </a:xfrm>
+      </p:grpSpPr>
+      <p:sp>
+        <p:nvSpPr>
+          <p:cNvPr id="2" name="Folienbildplatzhalter 1"/>
+          <p:cNvSpPr>
+            <a:spLocks noGrp="1" noRot="1" noChangeAspect="1"/>
+          </p:cNvSpPr>
+          <p:nvPr>
+            <p:ph type="sldImg"/>
+          </p:nvPr>
+        </p:nvSpPr>
+        <p:spPr/>
+      </p:sp>
+      <p:sp>
+        <p:nvSpPr>
+          <p:cNvPr id="3" name="Notizenplatzhalter 2"/>
+          <p:cNvSpPr>
+            <a:spLocks noGrp="1"/>
+          </p:cNvSpPr>
+          <p:nvPr>
+            <p:ph type="body" idx="1"/>
+          </p:nvPr>
+        </p:nvSpPr>
+        <p:spPr/>
+        <p:txBody>
+          <a:bodyPr/>
+          <a:lstStyle/>
+          <a:p>
+            <a:r>
+              <a:rPr lang="de-AT" dirty="0"/>
+              <a:t>Bike-O-Mat ist durch unzureichende Zeit gestorben. Das hat sich durch die Krankenstände verschlimmert, weil die Team Mitglieder ja auch für andere Fächer nachlernen mussten.</a:t>
+            </a:r>
+          </a:p>
+          <a:p>
+            <a:r>
+              <a:rPr lang="de-AT" dirty="0"/>
+              <a:t>Allgemein hatte unser Team aber auch fehlendes </a:t>
+            </a:r>
+            <a:r>
+              <a:rPr lang="de-AT" dirty="0" err="1"/>
+              <a:t>Know-How</a:t>
+            </a:r>
+            <a:r>
+              <a:rPr lang="de-AT" dirty="0"/>
+              <a:t>.</a:t>
+            </a:r>
+          </a:p>
+          <a:p>
+            <a:r>
+              <a:rPr lang="de-AT" dirty="0"/>
+              <a:t>Um noch irgendetwas bringen zu können, wurde auf Vorschlag von Prof. </a:t>
+            </a:r>
+            <a:r>
+              <a:rPr lang="de-AT" dirty="0" err="1"/>
+              <a:t>Klewein</a:t>
+            </a:r>
+            <a:r>
+              <a:rPr lang="de-AT" dirty="0"/>
+              <a:t> ein neues Projekt gestartet. Wir haben es Bike-Shop getauft.</a:t>
+            </a:r>
+          </a:p>
+        </p:txBody>
+      </p:sp>
+      <p:sp>
+        <p:nvSpPr>
+          <p:cNvPr id="4" name="Foliennummernplatzhalter 3"/>
+          <p:cNvSpPr>
+            <a:spLocks noGrp="1"/>
+          </p:cNvSpPr>
+          <p:nvPr>
+            <p:ph type="sldNum" sz="quarter" idx="5"/>
+          </p:nvPr>
+        </p:nvSpPr>
+        <p:spPr/>
+        <p:txBody>
+          <a:bodyPr/>
+          <a:lstStyle/>
+          <a:p>
+            <a:fld id="{40136702-DFDA-4A82-A734-36D5A959112D}" type="slidenum">
+              <a:rPr lang="de-AT" smtClean="0"/>
+              <a:t>8</a:t>
+            </a:fld>
+            <a:endParaRPr lang="de-AT"/>
+          </a:p>
+        </p:txBody>
+      </p:sp>
+    </p:spTree>
+    <p:extLst>
+      <p:ext uri="{BB962C8B-B14F-4D97-AF65-F5344CB8AC3E}">
+        <p14:creationId xmlns:p14="http://schemas.microsoft.com/office/powerpoint/2010/main" val="3232080507"/>
+      </p:ext>
+    </p:extLst>
+  </p:cSld>
+  <p:clrMapOvr>
+    <a:masterClrMapping/>
+  </p:clrMapOvr>
+</p:notes>
+</file>
+
+<file path=ppt/notesSlides/notesSlide9.xml><?xml version="1.0" encoding="utf-8"?>
+<p:notes xmlns:a="http://schemas.openxmlformats.org/drawingml/2006/main" xmlns:r="http://schemas.openxmlformats.org/officeDocument/2006/relationships" xmlns:p="http://schemas.openxmlformats.org/presentationml/2006/main">
+  <p:cSld>
+    <p:spTree>
+      <p:nvGrpSpPr>
+        <p:cNvPr id="1" name=""/>
+        <p:cNvGrpSpPr/>
+        <p:nvPr/>
+      </p:nvGrpSpPr>
+      <p:grpSpPr>
+        <a:xfrm>
+          <a:off x="0" y="0"/>
+          <a:ext cx="0" cy="0"/>
+          <a:chOff x="0" y="0"/>
+          <a:chExt cx="0" cy="0"/>
+        </a:xfrm>
+      </p:grpSpPr>
+      <p:sp>
+        <p:nvSpPr>
+          <p:cNvPr id="2" name="Folienbildplatzhalter 1"/>
+          <p:cNvSpPr>
+            <a:spLocks noGrp="1" noRot="1" noChangeAspect="1"/>
+          </p:cNvSpPr>
+          <p:nvPr>
+            <p:ph type="sldImg"/>
+          </p:nvPr>
+        </p:nvSpPr>
+        <p:spPr/>
+      </p:sp>
+      <p:sp>
+        <p:nvSpPr>
+          <p:cNvPr id="3" name="Notizenplatzhalter 2"/>
+          <p:cNvSpPr>
+            <a:spLocks noGrp="1"/>
+          </p:cNvSpPr>
+          <p:nvPr>
+            <p:ph type="body" idx="1"/>
+          </p:nvPr>
+        </p:nvSpPr>
+        <p:spPr/>
+        <p:txBody>
+          <a:bodyPr/>
+          <a:lstStyle/>
+          <a:p>
+            <a:r>
+              <a:rPr lang="de-AT" dirty="0"/>
+              <a:t>Bike-Shop soll von der Funktionalität eher simpel sein, aber mit Angular erstellt werden.</a:t>
+            </a:r>
+          </a:p>
+          <a:p>
+            <a:r>
+              <a:rPr lang="de-AT" dirty="0"/>
+              <a:t>Dazu musste aber erst </a:t>
+            </a:r>
+            <a:r>
+              <a:rPr lang="de-AT" dirty="0" err="1"/>
+              <a:t>html</a:t>
+            </a:r>
+            <a:r>
+              <a:rPr lang="de-AT" dirty="0"/>
+              <a:t>, </a:t>
+            </a:r>
+            <a:r>
+              <a:rPr lang="de-AT" dirty="0" err="1"/>
+              <a:t>css</a:t>
+            </a:r>
+            <a:r>
+              <a:rPr lang="de-AT" dirty="0"/>
+              <a:t>, </a:t>
+            </a:r>
+            <a:r>
+              <a:rPr lang="de-AT" dirty="0" err="1"/>
+              <a:t>javascript</a:t>
+            </a:r>
+            <a:r>
+              <a:rPr lang="de-AT" dirty="0"/>
+              <a:t> und Angular erlernt werden.</a:t>
+            </a:r>
+          </a:p>
+          <a:p>
+            <a:r>
+              <a:rPr lang="de-AT" dirty="0"/>
+              <a:t>Das war auch ziemlich ambitioniert. Da wir da nur noch 24 Tage für das komplette Projekt zur Verfügung hatten.</a:t>
+            </a:r>
+          </a:p>
+        </p:txBody>
+      </p:sp>
+      <p:sp>
+        <p:nvSpPr>
+          <p:cNvPr id="4" name="Foliennummernplatzhalter 3"/>
+          <p:cNvSpPr>
+            <a:spLocks noGrp="1"/>
+          </p:cNvSpPr>
+          <p:nvPr>
+            <p:ph type="sldNum" sz="quarter" idx="5"/>
+          </p:nvPr>
+        </p:nvSpPr>
+        <p:spPr/>
+        <p:txBody>
+          <a:bodyPr/>
+          <a:lstStyle/>
+          <a:p>
+            <a:fld id="{40136702-DFDA-4A82-A734-36D5A959112D}" type="slidenum">
+              <a:rPr lang="de-AT" smtClean="0"/>
+              <a:t>9</a:t>
+            </a:fld>
+            <a:endParaRPr lang="de-AT"/>
+          </a:p>
+        </p:txBody>
+      </p:sp>
+    </p:spTree>
+    <p:extLst>
+      <p:ext uri="{BB962C8B-B14F-4D97-AF65-F5344CB8AC3E}">
+        <p14:creationId xmlns:p14="http://schemas.microsoft.com/office/powerpoint/2010/main" val="2162042019"/>
+      </p:ext>
+    </p:extLst>
+  </p:cSld>
+  <p:clrMapOvr>
+    <a:masterClrMapping/>
+  </p:clrMapOvr>
+</p:notes>
 </file>
 
 <file path=ppt/slideLayouts/slideLayout1.xml><?xml version="1.0" encoding="utf-8"?>
@@ -3755,13 +5708,13 @@
           <p:nvPr/>
         </p:nvPicPr>
         <p:blipFill>
-          <a:blip r:embed="rId2">
+          <a:blip r:embed="rId3">
             <a:extLst>
               <a:ext uri="{28A0092B-C50C-407E-A947-70E740481C1C}">
                 <a14:useLocalDpi xmlns:a14="http://schemas.microsoft.com/office/drawing/2010/main" val="0"/>
               </a:ext>
               <a:ext uri="{837473B0-CC2E-450A-ABE3-18F120FF3D39}">
-                <a1611:picAttrSrcUrl xmlns:a1611="http://schemas.microsoft.com/office/drawing/2016/11/main" r:id="rId3"/>
+                <a1611:picAttrSrcUrl xmlns:a1611="http://schemas.microsoft.com/office/drawing/2016/11/main" r:id="rId4"/>
               </a:ext>
             </a:extLst>
           </a:blip>
@@ -3794,13 +5747,13 @@
           <p:nvPr/>
         </p:nvPicPr>
         <p:blipFill>
-          <a:blip r:embed="rId4">
+          <a:blip r:embed="rId5">
             <a:extLst>
               <a:ext uri="{28A0092B-C50C-407E-A947-70E740481C1C}">
                 <a14:useLocalDpi xmlns:a14="http://schemas.microsoft.com/office/drawing/2010/main" val="0"/>
               </a:ext>
               <a:ext uri="{837473B0-CC2E-450A-ABE3-18F120FF3D39}">
-                <a1611:picAttrSrcUrl xmlns:a1611="http://schemas.microsoft.com/office/drawing/2016/11/main" r:id="rId5"/>
+                <a1611:picAttrSrcUrl xmlns:a1611="http://schemas.microsoft.com/office/drawing/2016/11/main" r:id="rId6"/>
               </a:ext>
             </a:extLst>
           </a:blip>
@@ -3890,7 +5843,7 @@
           <p:nvPr/>
         </p:nvPicPr>
         <p:blipFill>
-          <a:blip r:embed="rId2">
+          <a:blip r:embed="rId3">
             <a:extLst>
               <a:ext uri="{28A0092B-C50C-407E-A947-70E740481C1C}">
                 <a14:useLocalDpi xmlns:a14="http://schemas.microsoft.com/office/drawing/2010/main" val="0"/>
@@ -3926,7 +5879,7 @@
           <p:nvPr/>
         </p:nvPicPr>
         <p:blipFill>
-          <a:blip r:embed="rId3"/>
+          <a:blip r:embed="rId4"/>
           <a:stretch>
             <a:fillRect/>
           </a:stretch>
@@ -3976,33 +5929,6 @@
           <a:chExt cx="0" cy="0"/>
         </a:xfrm>
       </p:grpSpPr>
-      <p:sp>
-        <p:nvSpPr>
-          <p:cNvPr id="3" name="Inhaltsplatzhalter 2">
-            <a:extLst>
-              <a:ext uri="{FF2B5EF4-FFF2-40B4-BE49-F238E27FC236}">
-                <a16:creationId xmlns:a16="http://schemas.microsoft.com/office/drawing/2014/main" id="{2F904D69-627A-449A-FB65-D5506DDB99A6}"/>
-              </a:ext>
-            </a:extLst>
-          </p:cNvPr>
-          <p:cNvSpPr>
-            <a:spLocks noGrp="1"/>
-          </p:cNvSpPr>
-          <p:nvPr>
-            <p:ph idx="1"/>
-          </p:nvPr>
-        </p:nvSpPr>
-        <p:spPr/>
-        <p:txBody>
-          <a:bodyPr>
-            <a:normAutofit/>
-          </a:bodyPr>
-          <a:lstStyle/>
-          <a:p>
-            <a:endParaRPr lang="de-AT" dirty="0"/>
-          </a:p>
-        </p:txBody>
-      </p:sp>
       <p:pic>
         <p:nvPicPr>
           <p:cNvPr id="4" name="Grafik 3" descr="Ein Bild, das Text enthält.&#10;&#10;Automatisch generierte Beschreibung">
@@ -4018,7 +5944,7 @@
           <p:nvPr/>
         </p:nvPicPr>
         <p:blipFill>
-          <a:blip r:embed="rId2">
+          <a:blip r:embed="rId3">
             <a:extLst>
               <a:ext uri="{28A0092B-C50C-407E-A947-70E740481C1C}">
                 <a14:useLocalDpi xmlns:a14="http://schemas.microsoft.com/office/drawing/2010/main" val="0"/>
@@ -4054,7 +5980,7 @@
           <p:nvPr/>
         </p:nvPicPr>
         <p:blipFill>
-          <a:blip r:embed="rId3"/>
+          <a:blip r:embed="rId4"/>
           <a:stretch>
             <a:fillRect/>
           </a:stretch>
@@ -4141,7 +6067,7 @@
           <p:nvPr/>
         </p:nvPicPr>
         <p:blipFill>
-          <a:blip r:embed="rId2">
+          <a:blip r:embed="rId3">
             <a:extLst>
               <a:ext uri="{28A0092B-C50C-407E-A947-70E740481C1C}">
                 <a14:useLocalDpi xmlns:a14="http://schemas.microsoft.com/office/drawing/2010/main" val="0"/>
@@ -4177,7 +6103,7 @@
           <p:nvPr/>
         </p:nvPicPr>
         <p:blipFill>
-          <a:blip r:embed="rId3"/>
+          <a:blip r:embed="rId4"/>
           <a:stretch>
             <a:fillRect/>
           </a:stretch>
@@ -4239,7 +6165,7 @@
           </p:nvPr>
         </p:nvPicPr>
         <p:blipFill>
-          <a:blip r:embed="rId2"/>
+          <a:blip r:embed="rId3"/>
           <a:stretch>
             <a:fillRect/>
           </a:stretch>
@@ -4266,7 +6192,7 @@
           <p:nvPr/>
         </p:nvPicPr>
         <p:blipFill>
-          <a:blip r:embed="rId3">
+          <a:blip r:embed="rId4">
             <a:extLst>
               <a:ext uri="{28A0092B-C50C-407E-A947-70E740481C1C}">
                 <a14:useLocalDpi xmlns:a14="http://schemas.microsoft.com/office/drawing/2010/main" val="0"/>
@@ -4342,7 +6268,7 @@
           <p:nvPr/>
         </p:nvPicPr>
         <p:blipFill>
-          <a:blip r:embed="rId4"/>
+          <a:blip r:embed="rId5"/>
           <a:stretch>
             <a:fillRect/>
           </a:stretch>
@@ -4372,15 +6298,15 @@
           <p:nvPr/>
         </p:nvPicPr>
         <p:blipFill>
-          <a:blip r:embed="rId5"/>
+          <a:blip r:embed="rId6"/>
           <a:stretch>
             <a:fillRect/>
           </a:stretch>
         </p:blipFill>
         <p:spPr>
           <a:xfrm>
-            <a:off x="334901" y="1991891"/>
-            <a:ext cx="2381582" cy="3667637"/>
+            <a:off x="90311" y="1991891"/>
+            <a:ext cx="2626172" cy="4044306"/>
           </a:xfrm>
           <a:prstGeom prst="rect">
             <a:avLst/>
@@ -4432,7 +6358,7 @@
           <p:nvPr/>
         </p:nvPicPr>
         <p:blipFill>
-          <a:blip r:embed="rId2">
+          <a:blip r:embed="rId3">
             <a:extLst>
               <a:ext uri="{28A0092B-C50C-407E-A947-70E740481C1C}">
                 <a14:useLocalDpi xmlns:a14="http://schemas.microsoft.com/office/drawing/2010/main" val="0"/>
@@ -4488,1014 +6414,54 @@
             </a:br>
             <a:r>
               <a:rPr lang="de-AT" dirty="0"/>
-              <a:t>		Frontend</a:t>
-            </a:r>
-          </a:p>
-        </p:txBody>
-      </p:sp>
-      <p:sp>
-        <p:nvSpPr>
-          <p:cNvPr id="3" name="Inhaltsplatzhalter 2">
+              <a:t>		Backend </a:t>
+            </a:r>
+            <a:r>
+              <a:rPr lang="de-AT" dirty="0" err="1"/>
+              <a:t>to</a:t>
+            </a:r>
+            <a:r>
+              <a:rPr lang="de-AT" dirty="0"/>
+              <a:t> Frontend</a:t>
+            </a:r>
+          </a:p>
+        </p:txBody>
+      </p:sp>
+      <p:pic>
+        <p:nvPicPr>
+          <p:cNvPr id="6" name="Inhaltsplatzhalter 5">
             <a:extLst>
               <a:ext uri="{FF2B5EF4-FFF2-40B4-BE49-F238E27FC236}">
-                <a16:creationId xmlns:a16="http://schemas.microsoft.com/office/drawing/2014/main" id="{9D4D9BBC-442E-5C55-CCBE-DFAAA3283E07}"/>
-              </a:ext>
-            </a:extLst>
-          </p:cNvPr>
-          <p:cNvSpPr>
-            <a:spLocks noGrp="1"/>
-          </p:cNvSpPr>
-          <p:nvPr>
-            <p:ph idx="1"/>
-          </p:nvPr>
-        </p:nvSpPr>
-        <p:spPr/>
-        <p:txBody>
-          <a:bodyPr/>
-          <a:lstStyle/>
-          <a:p>
-            <a:endParaRPr lang="de-AT" dirty="0"/>
-          </a:p>
-        </p:txBody>
-      </p:sp>
-    </p:spTree>
-    <p:extLst>
-      <p:ext uri="{BB962C8B-B14F-4D97-AF65-F5344CB8AC3E}">
-        <p14:creationId xmlns:p14="http://schemas.microsoft.com/office/powerpoint/2010/main" val="30095284"/>
-      </p:ext>
-    </p:extLst>
-  </p:cSld>
-  <p:clrMapOvr>
-    <a:masterClrMapping/>
-  </p:clrMapOvr>
-</p:sld>
-</file>
-
-<file path=ppt/slides/slide15.xml><?xml version="1.0" encoding="utf-8"?>
-<p:sld xmlns:a="http://schemas.openxmlformats.org/drawingml/2006/main" xmlns:r="http://schemas.openxmlformats.org/officeDocument/2006/relationships" xmlns:p="http://schemas.openxmlformats.org/presentationml/2006/main">
-  <p:cSld>
-    <p:spTree>
-      <p:nvGrpSpPr>
-        <p:cNvPr id="1" name=""/>
-        <p:cNvGrpSpPr/>
-        <p:nvPr/>
-      </p:nvGrpSpPr>
-      <p:grpSpPr>
-        <a:xfrm>
-          <a:off x="0" y="0"/>
-          <a:ext cx="0" cy="0"/>
-          <a:chOff x="0" y="0"/>
-          <a:chExt cx="0" cy="0"/>
-        </a:xfrm>
-      </p:grpSpPr>
-      <p:sp>
-        <p:nvSpPr>
-          <p:cNvPr id="3" name="Inhaltsplatzhalter 2">
-            <a:extLst>
-              <a:ext uri="{FF2B5EF4-FFF2-40B4-BE49-F238E27FC236}">
-                <a16:creationId xmlns:a16="http://schemas.microsoft.com/office/drawing/2014/main" id="{2F904D69-627A-449A-FB65-D5506DDB99A6}"/>
-              </a:ext>
-            </a:extLst>
-          </p:cNvPr>
-          <p:cNvSpPr>
-            <a:spLocks noGrp="1"/>
-          </p:cNvSpPr>
-          <p:nvPr>
-            <p:ph idx="1"/>
-          </p:nvPr>
-        </p:nvSpPr>
-        <p:spPr/>
-        <p:txBody>
-          <a:bodyPr>
-            <a:normAutofit/>
-          </a:bodyPr>
-          <a:lstStyle/>
-          <a:p>
-            <a:endParaRPr lang="de-AT" dirty="0"/>
-          </a:p>
-        </p:txBody>
-      </p:sp>
-      <p:pic>
-        <p:nvPicPr>
-          <p:cNvPr id="4" name="Grafik 3" descr="Ein Bild, das Text enthält.&#10;&#10;Automatisch generierte Beschreibung">
-            <a:extLst>
-              <a:ext uri="{FF2B5EF4-FFF2-40B4-BE49-F238E27FC236}">
-                <a16:creationId xmlns:a16="http://schemas.microsoft.com/office/drawing/2014/main" id="{32669E5B-8730-1CB9-FCEF-3BD3166CEAFB}"/>
+                <a16:creationId xmlns:a16="http://schemas.microsoft.com/office/drawing/2014/main" id="{05F0EAD2-DA07-AFD3-3B61-3BBC174D6453}"/>
               </a:ext>
             </a:extLst>
           </p:cNvPr>
           <p:cNvPicPr>
-            <a:picLocks noChangeAspect="1"/>
+            <a:picLocks noGrp="1" noChangeAspect="1"/>
           </p:cNvPicPr>
-          <p:nvPr/>
+          <p:nvPr>
+            <p:ph idx="1"/>
+          </p:nvPr>
         </p:nvPicPr>
         <p:blipFill>
-          <a:blip r:embed="rId2">
-            <a:extLst>
-              <a:ext uri="{28A0092B-C50C-407E-A947-70E740481C1C}">
-                <a14:useLocalDpi xmlns:a14="http://schemas.microsoft.com/office/drawing/2010/main" val="0"/>
-              </a:ext>
-            </a:extLst>
-          </a:blip>
+          <a:blip r:embed="rId4"/>
           <a:stretch>
             <a:fillRect/>
           </a:stretch>
         </p:blipFill>
         <p:spPr>
           <a:xfrm>
-            <a:off x="1451579" y="0"/>
-            <a:ext cx="2529809" cy="1897357"/>
-          </a:xfrm>
-          <a:prstGeom prst="rect">
-            <a:avLst/>
-          </a:prstGeom>
-        </p:spPr>
-      </p:pic>
-    </p:spTree>
-    <p:extLst>
-      <p:ext uri="{BB962C8B-B14F-4D97-AF65-F5344CB8AC3E}">
-        <p14:creationId xmlns:p14="http://schemas.microsoft.com/office/powerpoint/2010/main" val="2105645177"/>
-      </p:ext>
-    </p:extLst>
-  </p:cSld>
-  <p:clrMapOvr>
-    <a:masterClrMapping/>
-  </p:clrMapOvr>
-</p:sld>
-</file>
-
-<file path=ppt/slides/slide16.xml><?xml version="1.0" encoding="utf-8"?>
-<p:sld xmlns:a="http://schemas.openxmlformats.org/drawingml/2006/main" xmlns:r="http://schemas.openxmlformats.org/officeDocument/2006/relationships" xmlns:p="http://schemas.openxmlformats.org/presentationml/2006/main">
-  <p:cSld>
-    <p:spTree>
-      <p:nvGrpSpPr>
-        <p:cNvPr id="1" name=""/>
-        <p:cNvGrpSpPr/>
-        <p:nvPr/>
-      </p:nvGrpSpPr>
-      <p:grpSpPr>
-        <a:xfrm>
-          <a:off x="0" y="0"/>
-          <a:ext cx="0" cy="0"/>
-          <a:chOff x="0" y="0"/>
-          <a:chExt cx="0" cy="0"/>
-        </a:xfrm>
-      </p:grpSpPr>
-      <p:sp>
-        <p:nvSpPr>
-          <p:cNvPr id="3" name="Inhaltsplatzhalter 2">
-            <a:extLst>
-              <a:ext uri="{FF2B5EF4-FFF2-40B4-BE49-F238E27FC236}">
-                <a16:creationId xmlns:a16="http://schemas.microsoft.com/office/drawing/2014/main" id="{2F904D69-627A-449A-FB65-D5506DDB99A6}"/>
-              </a:ext>
-            </a:extLst>
-          </p:cNvPr>
-          <p:cNvSpPr>
-            <a:spLocks noGrp="1"/>
-          </p:cNvSpPr>
-          <p:nvPr>
-            <p:ph idx="1"/>
-          </p:nvPr>
-        </p:nvSpPr>
-        <p:spPr/>
-        <p:txBody>
-          <a:bodyPr>
-            <a:normAutofit/>
-          </a:bodyPr>
-          <a:lstStyle/>
-          <a:p>
-            <a:endParaRPr lang="de-AT" dirty="0"/>
-          </a:p>
-        </p:txBody>
-      </p:sp>
-      <p:pic>
-        <p:nvPicPr>
-          <p:cNvPr id="4" name="Grafik 3" descr="Ein Bild, das Text enthält.&#10;&#10;Automatisch generierte Beschreibung">
-            <a:extLst>
-              <a:ext uri="{FF2B5EF4-FFF2-40B4-BE49-F238E27FC236}">
-                <a16:creationId xmlns:a16="http://schemas.microsoft.com/office/drawing/2014/main" id="{32669E5B-8730-1CB9-FCEF-3BD3166CEAFB}"/>
-              </a:ext>
-            </a:extLst>
-          </p:cNvPr>
-          <p:cNvPicPr>
-            <a:picLocks noChangeAspect="1"/>
-          </p:cNvPicPr>
-          <p:nvPr/>
-        </p:nvPicPr>
-        <p:blipFill>
-          <a:blip r:embed="rId2">
-            <a:extLst>
-              <a:ext uri="{28A0092B-C50C-407E-A947-70E740481C1C}">
-                <a14:useLocalDpi xmlns:a14="http://schemas.microsoft.com/office/drawing/2010/main" val="0"/>
-              </a:ext>
-            </a:extLst>
-          </a:blip>
-          <a:stretch>
-            <a:fillRect/>
-          </a:stretch>
-        </p:blipFill>
-        <p:spPr>
-          <a:xfrm>
-            <a:off x="1451579" y="0"/>
-            <a:ext cx="2529809" cy="1897357"/>
-          </a:xfrm>
-          <a:prstGeom prst="rect">
-            <a:avLst/>
-          </a:prstGeom>
-        </p:spPr>
-      </p:pic>
-    </p:spTree>
-    <p:extLst>
-      <p:ext uri="{BB962C8B-B14F-4D97-AF65-F5344CB8AC3E}">
-        <p14:creationId xmlns:p14="http://schemas.microsoft.com/office/powerpoint/2010/main" val="2222991911"/>
-      </p:ext>
-    </p:extLst>
-  </p:cSld>
-  <p:clrMapOvr>
-    <a:masterClrMapping/>
-  </p:clrMapOvr>
-</p:sld>
-</file>
-
-<file path=ppt/slides/slide2.xml><?xml version="1.0" encoding="utf-8"?>
-<p:sld xmlns:a="http://schemas.openxmlformats.org/drawingml/2006/main" xmlns:r="http://schemas.openxmlformats.org/officeDocument/2006/relationships" xmlns:p="http://schemas.openxmlformats.org/presentationml/2006/main">
-  <p:cSld>
-    <p:spTree>
-      <p:nvGrpSpPr>
-        <p:cNvPr id="1" name=""/>
-        <p:cNvGrpSpPr/>
-        <p:nvPr/>
-      </p:nvGrpSpPr>
-      <p:grpSpPr>
-        <a:xfrm>
-          <a:off x="0" y="0"/>
-          <a:ext cx="0" cy="0"/>
-          <a:chOff x="0" y="0"/>
-          <a:chExt cx="0" cy="0"/>
-        </a:xfrm>
-      </p:grpSpPr>
-      <p:sp>
-        <p:nvSpPr>
-          <p:cNvPr id="2" name="Titel 1">
-            <a:extLst>
-              <a:ext uri="{FF2B5EF4-FFF2-40B4-BE49-F238E27FC236}">
-                <a16:creationId xmlns:a16="http://schemas.microsoft.com/office/drawing/2014/main" id="{1F773FA1-EEC6-FF10-08FF-31CAF843838D}"/>
-              </a:ext>
-            </a:extLst>
-          </p:cNvPr>
-          <p:cNvSpPr>
-            <a:spLocks noGrp="1"/>
-          </p:cNvSpPr>
-          <p:nvPr>
-            <p:ph type="title"/>
-          </p:nvPr>
-        </p:nvSpPr>
-        <p:spPr/>
-        <p:txBody>
-          <a:bodyPr/>
-          <a:lstStyle/>
-          <a:p>
-            <a:r>
-              <a:rPr lang="de-AT" dirty="0"/>
-              <a:t>Bike-o-</a:t>
-            </a:r>
-            <a:r>
-              <a:rPr lang="de-AT" dirty="0" err="1"/>
-              <a:t>mat</a:t>
-            </a:r>
-            <a:endParaRPr lang="de-AT" dirty="0"/>
-          </a:p>
-        </p:txBody>
-      </p:sp>
-      <p:sp>
-        <p:nvSpPr>
-          <p:cNvPr id="3" name="Inhaltsplatzhalter 2">
-            <a:extLst>
-              <a:ext uri="{FF2B5EF4-FFF2-40B4-BE49-F238E27FC236}">
-                <a16:creationId xmlns:a16="http://schemas.microsoft.com/office/drawing/2014/main" id="{2F904D69-627A-449A-FB65-D5506DDB99A6}"/>
-              </a:ext>
-            </a:extLst>
-          </p:cNvPr>
-          <p:cNvSpPr>
-            <a:spLocks noGrp="1"/>
-          </p:cNvSpPr>
-          <p:nvPr>
-            <p:ph idx="1"/>
-          </p:nvPr>
-        </p:nvSpPr>
-        <p:spPr/>
-        <p:txBody>
-          <a:bodyPr/>
-          <a:lstStyle/>
-          <a:p>
-            <a:r>
-              <a:rPr lang="de-AT" dirty="0"/>
-              <a:t>Fahrrad-Vermietung über Stationen</a:t>
-            </a:r>
-          </a:p>
-          <a:p>
-            <a:r>
-              <a:rPr lang="de-AT" dirty="0"/>
-              <a:t>Microsoft Azure Server als Plattform</a:t>
-            </a:r>
-          </a:p>
-          <a:p>
-            <a:r>
-              <a:rPr lang="de-AT" dirty="0"/>
-              <a:t>Scan eines QR-Codes entsperrt Fahrrad</a:t>
-            </a:r>
-          </a:p>
-          <a:p>
-            <a:r>
-              <a:rPr lang="de-AT" dirty="0"/>
-              <a:t>Abrechnung über Website, Nutzeraccount</a:t>
-            </a:r>
-          </a:p>
-          <a:p>
-            <a:endParaRPr lang="de-AT" dirty="0"/>
-          </a:p>
-        </p:txBody>
-      </p:sp>
-    </p:spTree>
-    <p:extLst>
-      <p:ext uri="{BB962C8B-B14F-4D97-AF65-F5344CB8AC3E}">
-        <p14:creationId xmlns:p14="http://schemas.microsoft.com/office/powerpoint/2010/main" val="3098888125"/>
-      </p:ext>
-    </p:extLst>
-  </p:cSld>
-  <p:clrMapOvr>
-    <a:masterClrMapping/>
-  </p:clrMapOvr>
-</p:sld>
-</file>
-
-<file path=ppt/slides/slide3.xml><?xml version="1.0" encoding="utf-8"?>
-<p:sld xmlns:a="http://schemas.openxmlformats.org/drawingml/2006/main" xmlns:r="http://schemas.openxmlformats.org/officeDocument/2006/relationships" xmlns:p="http://schemas.openxmlformats.org/presentationml/2006/main">
-  <p:cSld>
-    <p:spTree>
-      <p:nvGrpSpPr>
-        <p:cNvPr id="1" name=""/>
-        <p:cNvGrpSpPr/>
-        <p:nvPr/>
-      </p:nvGrpSpPr>
-      <p:grpSpPr>
-        <a:xfrm>
-          <a:off x="0" y="0"/>
-          <a:ext cx="0" cy="0"/>
-          <a:chOff x="0" y="0"/>
-          <a:chExt cx="0" cy="0"/>
-        </a:xfrm>
-      </p:grpSpPr>
-      <p:sp>
-        <p:nvSpPr>
-          <p:cNvPr id="2" name="Titel 1">
-            <a:extLst>
-              <a:ext uri="{FF2B5EF4-FFF2-40B4-BE49-F238E27FC236}">
-                <a16:creationId xmlns:a16="http://schemas.microsoft.com/office/drawing/2014/main" id="{1F773FA1-EEC6-FF10-08FF-31CAF843838D}"/>
-              </a:ext>
-            </a:extLst>
-          </p:cNvPr>
-          <p:cNvSpPr>
-            <a:spLocks noGrp="1"/>
-          </p:cNvSpPr>
-          <p:nvPr>
-            <p:ph type="title"/>
-          </p:nvPr>
-        </p:nvSpPr>
-        <p:spPr/>
-        <p:txBody>
-          <a:bodyPr/>
-          <a:lstStyle/>
-          <a:p>
-            <a:r>
-              <a:rPr lang="de-AT" dirty="0"/>
-              <a:t>Bike-o-</a:t>
-            </a:r>
-            <a:r>
-              <a:rPr lang="de-AT" dirty="0" err="1"/>
-              <a:t>mat</a:t>
-            </a:r>
-            <a:endParaRPr lang="de-AT" dirty="0"/>
-          </a:p>
-        </p:txBody>
-      </p:sp>
-      <p:sp>
-        <p:nvSpPr>
-          <p:cNvPr id="3" name="Inhaltsplatzhalter 2">
-            <a:extLst>
-              <a:ext uri="{FF2B5EF4-FFF2-40B4-BE49-F238E27FC236}">
-                <a16:creationId xmlns:a16="http://schemas.microsoft.com/office/drawing/2014/main" id="{2F904D69-627A-449A-FB65-D5506DDB99A6}"/>
-              </a:ext>
-            </a:extLst>
-          </p:cNvPr>
-          <p:cNvSpPr>
-            <a:spLocks noGrp="1"/>
-          </p:cNvSpPr>
-          <p:nvPr>
-            <p:ph idx="1"/>
-          </p:nvPr>
-        </p:nvSpPr>
-        <p:spPr/>
-        <p:txBody>
-          <a:bodyPr/>
-          <a:lstStyle/>
-          <a:p>
-            <a:r>
-              <a:rPr lang="de-AT" dirty="0"/>
-              <a:t>Erstellte Dokumente:</a:t>
-            </a:r>
-          </a:p>
-          <a:p>
-            <a:pPr lvl="1"/>
-            <a:r>
-              <a:rPr lang="de-AT" dirty="0"/>
-              <a:t>Projektauftrag</a:t>
-            </a:r>
-          </a:p>
-          <a:p>
-            <a:pPr lvl="1"/>
-            <a:r>
-              <a:rPr lang="de-AT" dirty="0"/>
-              <a:t>Projektstrukturplan</a:t>
-            </a:r>
-          </a:p>
-          <a:p>
-            <a:pPr lvl="1"/>
-            <a:r>
-              <a:rPr lang="de-AT" dirty="0"/>
-              <a:t>Umfeldanalyse</a:t>
-            </a:r>
-          </a:p>
-          <a:p>
-            <a:pPr lvl="1"/>
-            <a:r>
-              <a:rPr lang="de-AT" dirty="0"/>
-              <a:t>Machbarkeitsanalyse</a:t>
-            </a:r>
-          </a:p>
-          <a:p>
-            <a:pPr lvl="1"/>
-            <a:r>
-              <a:rPr lang="de-AT" dirty="0"/>
-              <a:t>Product-Backlog</a:t>
-            </a:r>
-          </a:p>
-          <a:p>
-            <a:pPr lvl="1"/>
-            <a:r>
-              <a:rPr lang="de-AT" dirty="0"/>
-              <a:t>Sprintbacklog</a:t>
-            </a:r>
-          </a:p>
-        </p:txBody>
-      </p:sp>
-    </p:spTree>
-    <p:extLst>
-      <p:ext uri="{BB962C8B-B14F-4D97-AF65-F5344CB8AC3E}">
-        <p14:creationId xmlns:p14="http://schemas.microsoft.com/office/powerpoint/2010/main" val="4115735604"/>
-      </p:ext>
-    </p:extLst>
-  </p:cSld>
-  <p:clrMapOvr>
-    <a:masterClrMapping/>
-  </p:clrMapOvr>
-</p:sld>
-</file>
-
-<file path=ppt/slides/slide4.xml><?xml version="1.0" encoding="utf-8"?>
-<p:sld xmlns:a="http://schemas.openxmlformats.org/drawingml/2006/main" xmlns:r="http://schemas.openxmlformats.org/officeDocument/2006/relationships" xmlns:p="http://schemas.openxmlformats.org/presentationml/2006/main">
-  <p:cSld>
-    <p:spTree>
-      <p:nvGrpSpPr>
-        <p:cNvPr id="1" name=""/>
-        <p:cNvGrpSpPr/>
-        <p:nvPr/>
-      </p:nvGrpSpPr>
-      <p:grpSpPr>
-        <a:xfrm>
-          <a:off x="0" y="0"/>
-          <a:ext cx="0" cy="0"/>
-          <a:chOff x="0" y="0"/>
-          <a:chExt cx="0" cy="0"/>
-        </a:xfrm>
-      </p:grpSpPr>
-      <p:pic>
-        <p:nvPicPr>
-          <p:cNvPr id="4" name="Grafik 3">
-            <a:extLst>
-              <a:ext uri="{FF2B5EF4-FFF2-40B4-BE49-F238E27FC236}">
-                <a16:creationId xmlns:a16="http://schemas.microsoft.com/office/drawing/2014/main" id="{43238760-A280-3137-DC35-9D4A7535AC16}"/>
-              </a:ext>
-            </a:extLst>
-          </p:cNvPr>
-          <p:cNvPicPr>
-            <a:picLocks noChangeAspect="1"/>
-          </p:cNvPicPr>
-          <p:nvPr/>
-        </p:nvPicPr>
-        <p:blipFill>
-          <a:blip r:embed="rId2"/>
-          <a:stretch>
-            <a:fillRect/>
-          </a:stretch>
-        </p:blipFill>
-        <p:spPr>
-          <a:xfrm>
-            <a:off x="830920" y="0"/>
-            <a:ext cx="10134600" cy="6743700"/>
-          </a:xfrm>
-          <a:prstGeom prst="rect">
-            <a:avLst/>
-          </a:prstGeom>
-        </p:spPr>
-      </p:pic>
-    </p:spTree>
-    <p:extLst>
-      <p:ext uri="{BB962C8B-B14F-4D97-AF65-F5344CB8AC3E}">
-        <p14:creationId xmlns:p14="http://schemas.microsoft.com/office/powerpoint/2010/main" val="3471891791"/>
-      </p:ext>
-    </p:extLst>
-  </p:cSld>
-  <p:clrMapOvr>
-    <a:masterClrMapping/>
-  </p:clrMapOvr>
-</p:sld>
-</file>
-
-<file path=ppt/slides/slide5.xml><?xml version="1.0" encoding="utf-8"?>
-<p:sld xmlns:a="http://schemas.openxmlformats.org/drawingml/2006/main" xmlns:r="http://schemas.openxmlformats.org/officeDocument/2006/relationships" xmlns:p="http://schemas.openxmlformats.org/presentationml/2006/main">
-  <p:cSld>
-    <p:spTree>
-      <p:nvGrpSpPr>
-        <p:cNvPr id="1" name=""/>
-        <p:cNvGrpSpPr/>
-        <p:nvPr/>
-      </p:nvGrpSpPr>
-      <p:grpSpPr>
-        <a:xfrm>
-          <a:off x="0" y="0"/>
-          <a:ext cx="0" cy="0"/>
-          <a:chOff x="0" y="0"/>
-          <a:chExt cx="0" cy="0"/>
-        </a:xfrm>
-      </p:grpSpPr>
-      <p:sp>
-        <p:nvSpPr>
-          <p:cNvPr id="2" name="Titel 1">
-            <a:extLst>
-              <a:ext uri="{FF2B5EF4-FFF2-40B4-BE49-F238E27FC236}">
-                <a16:creationId xmlns:a16="http://schemas.microsoft.com/office/drawing/2014/main" id="{63E8BFAB-838B-4D93-6065-D3DAE3D55B89}"/>
-              </a:ext>
-            </a:extLst>
-          </p:cNvPr>
-          <p:cNvSpPr>
-            <a:spLocks noGrp="1"/>
-          </p:cNvSpPr>
-          <p:nvPr>
-            <p:ph type="title"/>
-          </p:nvPr>
-        </p:nvSpPr>
-        <p:spPr/>
-        <p:txBody>
-          <a:bodyPr/>
-          <a:lstStyle/>
-          <a:p>
-            <a:r>
-              <a:rPr lang="de-AT" dirty="0"/>
-              <a:t>Bike-Shop</a:t>
-            </a:r>
-            <a:br>
-              <a:rPr lang="de-AT" dirty="0"/>
-            </a:br>
-            <a:r>
-              <a:rPr lang="de-AT" sz="2400" dirty="0"/>
-              <a:t>Product-Backlog</a:t>
-            </a:r>
-            <a:endParaRPr lang="de-AT" dirty="0"/>
-          </a:p>
-        </p:txBody>
-      </p:sp>
-      <p:pic>
-        <p:nvPicPr>
-          <p:cNvPr id="4" name="Grafik 3">
-            <a:extLst>
-              <a:ext uri="{FF2B5EF4-FFF2-40B4-BE49-F238E27FC236}">
-                <a16:creationId xmlns:a16="http://schemas.microsoft.com/office/drawing/2014/main" id="{D8B12A84-D620-8A73-3097-E1F2FAF800DD}"/>
-              </a:ext>
-            </a:extLst>
-          </p:cNvPr>
-          <p:cNvPicPr>
-            <a:picLocks noChangeAspect="1"/>
-          </p:cNvPicPr>
-          <p:nvPr/>
-        </p:nvPicPr>
-        <p:blipFill>
-          <a:blip r:embed="rId2"/>
-          <a:stretch>
-            <a:fillRect/>
-          </a:stretch>
-        </p:blipFill>
-        <p:spPr>
-          <a:xfrm>
-            <a:off x="5454" y="2076692"/>
-            <a:ext cx="12495524" cy="2175268"/>
-          </a:xfrm>
-          <a:prstGeom prst="rect">
-            <a:avLst/>
-          </a:prstGeom>
-        </p:spPr>
-      </p:pic>
-    </p:spTree>
-    <p:extLst>
-      <p:ext uri="{BB962C8B-B14F-4D97-AF65-F5344CB8AC3E}">
-        <p14:creationId xmlns:p14="http://schemas.microsoft.com/office/powerpoint/2010/main" val="3875927598"/>
-      </p:ext>
-    </p:extLst>
-  </p:cSld>
-  <p:clrMapOvr>
-    <a:masterClrMapping/>
-  </p:clrMapOvr>
-</p:sld>
-</file>
-
-<file path=ppt/slides/slide6.xml><?xml version="1.0" encoding="utf-8"?>
-<p:sld xmlns:a="http://schemas.openxmlformats.org/drawingml/2006/main" xmlns:r="http://schemas.openxmlformats.org/officeDocument/2006/relationships" xmlns:p="http://schemas.openxmlformats.org/presentationml/2006/main">
-  <p:cSld>
-    <p:spTree>
-      <p:nvGrpSpPr>
-        <p:cNvPr id="1" name=""/>
-        <p:cNvGrpSpPr/>
-        <p:nvPr/>
-      </p:nvGrpSpPr>
-      <p:grpSpPr>
-        <a:xfrm>
-          <a:off x="0" y="0"/>
-          <a:ext cx="0" cy="0"/>
-          <a:chOff x="0" y="0"/>
-          <a:chExt cx="0" cy="0"/>
-        </a:xfrm>
-      </p:grpSpPr>
-      <p:sp>
-        <p:nvSpPr>
-          <p:cNvPr id="2" name="Titel 1">
-            <a:extLst>
-              <a:ext uri="{FF2B5EF4-FFF2-40B4-BE49-F238E27FC236}">
-                <a16:creationId xmlns:a16="http://schemas.microsoft.com/office/drawing/2014/main" id="{1F773FA1-EEC6-FF10-08FF-31CAF843838D}"/>
-              </a:ext>
-            </a:extLst>
-          </p:cNvPr>
-          <p:cNvSpPr>
-            <a:spLocks noGrp="1"/>
-          </p:cNvSpPr>
-          <p:nvPr>
-            <p:ph type="title"/>
-          </p:nvPr>
-        </p:nvSpPr>
-        <p:spPr/>
-        <p:txBody>
-          <a:bodyPr/>
-          <a:lstStyle/>
-          <a:p>
-            <a:r>
-              <a:rPr lang="de-AT" dirty="0"/>
-              <a:t>Bike-o-</a:t>
-            </a:r>
-            <a:r>
-              <a:rPr lang="de-AT" dirty="0" err="1"/>
-              <a:t>mat</a:t>
-            </a:r>
-            <a:endParaRPr lang="de-AT" dirty="0"/>
-          </a:p>
-        </p:txBody>
-      </p:sp>
-      <p:pic>
-        <p:nvPicPr>
-          <p:cNvPr id="5" name="Grafik 4">
-            <a:extLst>
-              <a:ext uri="{FF2B5EF4-FFF2-40B4-BE49-F238E27FC236}">
-                <a16:creationId xmlns:a16="http://schemas.microsoft.com/office/drawing/2014/main" id="{E20D359B-1101-0146-3BE7-F2CD5B62DDD4}"/>
-              </a:ext>
-            </a:extLst>
-          </p:cNvPr>
-          <p:cNvPicPr>
-            <a:picLocks noChangeAspect="1"/>
-          </p:cNvPicPr>
-          <p:nvPr/>
-        </p:nvPicPr>
-        <p:blipFill>
-          <a:blip r:embed="rId2"/>
-          <a:stretch>
-            <a:fillRect/>
-          </a:stretch>
-        </p:blipFill>
-        <p:spPr>
-          <a:xfrm>
-            <a:off x="552449" y="1974064"/>
-            <a:ext cx="10953751" cy="1678119"/>
-          </a:xfrm>
-          <a:prstGeom prst="rect">
-            <a:avLst/>
-          </a:prstGeom>
-          <a:ln w="19050">
-            <a:solidFill>
-              <a:schemeClr val="tx1"/>
-            </a:solidFill>
-          </a:ln>
-        </p:spPr>
-      </p:pic>
-    </p:spTree>
-    <p:extLst>
-      <p:ext uri="{BB962C8B-B14F-4D97-AF65-F5344CB8AC3E}">
-        <p14:creationId xmlns:p14="http://schemas.microsoft.com/office/powerpoint/2010/main" val="1433280647"/>
-      </p:ext>
-    </p:extLst>
-  </p:cSld>
-  <p:clrMapOvr>
-    <a:masterClrMapping/>
-  </p:clrMapOvr>
-</p:sld>
-</file>
-
-<file path=ppt/slides/slide7.xml><?xml version="1.0" encoding="utf-8"?>
-<p:sld xmlns:a="http://schemas.openxmlformats.org/drawingml/2006/main" xmlns:r="http://schemas.openxmlformats.org/officeDocument/2006/relationships" xmlns:p="http://schemas.openxmlformats.org/presentationml/2006/main">
-  <p:cSld>
-    <p:spTree>
-      <p:nvGrpSpPr>
-        <p:cNvPr id="1" name=""/>
-        <p:cNvGrpSpPr/>
-        <p:nvPr/>
-      </p:nvGrpSpPr>
-      <p:grpSpPr>
-        <a:xfrm>
-          <a:off x="0" y="0"/>
-          <a:ext cx="0" cy="0"/>
-          <a:chOff x="0" y="0"/>
-          <a:chExt cx="0" cy="0"/>
-        </a:xfrm>
-      </p:grpSpPr>
-      <p:sp>
-        <p:nvSpPr>
-          <p:cNvPr id="2" name="Titel 1">
-            <a:extLst>
-              <a:ext uri="{FF2B5EF4-FFF2-40B4-BE49-F238E27FC236}">
-                <a16:creationId xmlns:a16="http://schemas.microsoft.com/office/drawing/2014/main" id="{ACA5F2A2-8BC6-7A44-280C-8596F1274823}"/>
-              </a:ext>
-            </a:extLst>
-          </p:cNvPr>
-          <p:cNvSpPr>
-            <a:spLocks noGrp="1"/>
-          </p:cNvSpPr>
-          <p:nvPr>
-            <p:ph type="title"/>
-          </p:nvPr>
-        </p:nvSpPr>
-        <p:spPr/>
-        <p:txBody>
-          <a:bodyPr/>
-          <a:lstStyle/>
-          <a:p>
-            <a:endParaRPr lang="de-AT" dirty="0"/>
-          </a:p>
-        </p:txBody>
-      </p:sp>
-      <p:sp>
-        <p:nvSpPr>
-          <p:cNvPr id="3" name="Inhaltsplatzhalter 2">
-            <a:extLst>
-              <a:ext uri="{FF2B5EF4-FFF2-40B4-BE49-F238E27FC236}">
-                <a16:creationId xmlns:a16="http://schemas.microsoft.com/office/drawing/2014/main" id="{D17BA997-BD5B-472C-6B3F-F1F7CAC92C42}"/>
-              </a:ext>
-            </a:extLst>
-          </p:cNvPr>
-          <p:cNvSpPr>
-            <a:spLocks noGrp="1"/>
-          </p:cNvSpPr>
-          <p:nvPr>
-            <p:ph idx="1"/>
-          </p:nvPr>
-        </p:nvSpPr>
-        <p:spPr/>
-        <p:txBody>
-          <a:bodyPr/>
-          <a:lstStyle/>
-          <a:p>
-            <a:endParaRPr lang="de-AT"/>
-          </a:p>
-        </p:txBody>
-      </p:sp>
-      <p:pic>
-        <p:nvPicPr>
-          <p:cNvPr id="5" name="Grafik 4">
-            <a:extLst>
-              <a:ext uri="{FF2B5EF4-FFF2-40B4-BE49-F238E27FC236}">
-                <a16:creationId xmlns:a16="http://schemas.microsoft.com/office/drawing/2014/main" id="{3FAF0A13-3653-3122-B014-B8F9D8310742}"/>
-              </a:ext>
-            </a:extLst>
-          </p:cNvPr>
-          <p:cNvPicPr>
-            <a:picLocks noChangeAspect="1"/>
-          </p:cNvPicPr>
-          <p:nvPr/>
-        </p:nvPicPr>
-        <p:blipFill>
-          <a:blip r:embed="rId2"/>
-          <a:stretch>
-            <a:fillRect/>
-          </a:stretch>
-        </p:blipFill>
-        <p:spPr>
-          <a:xfrm>
-            <a:off x="35140" y="804519"/>
-            <a:ext cx="6987218" cy="5658986"/>
-          </a:xfrm>
-          <a:prstGeom prst="rect">
-            <a:avLst/>
-          </a:prstGeom>
-        </p:spPr>
-      </p:pic>
-      <p:pic>
-        <p:nvPicPr>
-          <p:cNvPr id="8" name="Grafik 7">
-            <a:extLst>
-              <a:ext uri="{FF2B5EF4-FFF2-40B4-BE49-F238E27FC236}">
-                <a16:creationId xmlns:a16="http://schemas.microsoft.com/office/drawing/2014/main" id="{963CA447-CA72-E8F2-2B3E-74A5C80C93C5}"/>
-              </a:ext>
-            </a:extLst>
-          </p:cNvPr>
-          <p:cNvPicPr>
-            <a:picLocks noChangeAspect="1"/>
-          </p:cNvPicPr>
-          <p:nvPr/>
-        </p:nvPicPr>
-        <p:blipFill rotWithShape="1">
-          <a:blip r:embed="rId3"/>
-          <a:srcRect l="803" t="1773" r="929" b="929"/>
-          <a:stretch/>
-        </p:blipFill>
-        <p:spPr>
-          <a:xfrm>
-            <a:off x="6604986" y="822275"/>
-            <a:ext cx="5429534" cy="5611521"/>
-          </a:xfrm>
-          <a:prstGeom prst="rect">
-            <a:avLst/>
-          </a:prstGeom>
-          <a:ln w="25400">
-            <a:solidFill>
-              <a:schemeClr val="tx1"/>
-            </a:solidFill>
-          </a:ln>
-        </p:spPr>
-      </p:pic>
-    </p:spTree>
-    <p:extLst>
-      <p:ext uri="{BB962C8B-B14F-4D97-AF65-F5344CB8AC3E}">
-        <p14:creationId xmlns:p14="http://schemas.microsoft.com/office/powerpoint/2010/main" val="1606172316"/>
-      </p:ext>
-    </p:extLst>
-  </p:cSld>
-  <p:clrMapOvr>
-    <a:masterClrMapping/>
-  </p:clrMapOvr>
-</p:sld>
-</file>
-
-<file path=ppt/slides/slide8.xml><?xml version="1.0" encoding="utf-8"?>
-<p:sld xmlns:a="http://schemas.openxmlformats.org/drawingml/2006/main" xmlns:r="http://schemas.openxmlformats.org/officeDocument/2006/relationships" xmlns:p="http://schemas.openxmlformats.org/presentationml/2006/main">
-  <p:cSld>
-    <p:spTree>
-      <p:nvGrpSpPr>
-        <p:cNvPr id="1" name=""/>
-        <p:cNvGrpSpPr/>
-        <p:nvPr/>
-      </p:nvGrpSpPr>
-      <p:grpSpPr>
-        <a:xfrm>
-          <a:off x="0" y="0"/>
-          <a:ext cx="0" cy="0"/>
-          <a:chOff x="0" y="0"/>
-          <a:chExt cx="0" cy="0"/>
-        </a:xfrm>
-      </p:grpSpPr>
-      <p:sp>
-        <p:nvSpPr>
-          <p:cNvPr id="2" name="Titel 1">
-            <a:extLst>
-              <a:ext uri="{FF2B5EF4-FFF2-40B4-BE49-F238E27FC236}">
-                <a16:creationId xmlns:a16="http://schemas.microsoft.com/office/drawing/2014/main" id="{1F773FA1-EEC6-FF10-08FF-31CAF843838D}"/>
-              </a:ext>
-            </a:extLst>
-          </p:cNvPr>
-          <p:cNvSpPr>
-            <a:spLocks noGrp="1"/>
-          </p:cNvSpPr>
-          <p:nvPr>
-            <p:ph type="title"/>
-          </p:nvPr>
-        </p:nvSpPr>
-        <p:spPr/>
-        <p:txBody>
-          <a:bodyPr/>
-          <a:lstStyle/>
-          <a:p>
-            <a:r>
-              <a:rPr lang="de-AT" strike="sngStrike" dirty="0"/>
-              <a:t>Bike-o-</a:t>
-            </a:r>
-            <a:r>
-              <a:rPr lang="de-AT" strike="sngStrike" dirty="0" err="1"/>
-              <a:t>mat</a:t>
-            </a:r>
-            <a:r>
-              <a:rPr lang="de-AT" dirty="0"/>
-              <a:t>		</a:t>
-            </a:r>
-          </a:p>
-        </p:txBody>
-      </p:sp>
-      <p:pic>
-        <p:nvPicPr>
-          <p:cNvPr id="5" name="Inhaltsplatzhalter 4" descr="Ein Bild, das Waffe enthält.&#10;&#10;Automatisch generierte Beschreibung">
-            <a:extLst>
-              <a:ext uri="{FF2B5EF4-FFF2-40B4-BE49-F238E27FC236}">
-                <a16:creationId xmlns:a16="http://schemas.microsoft.com/office/drawing/2014/main" id="{27459113-8A60-D902-5B5A-253971C8F538}"/>
-              </a:ext>
-            </a:extLst>
-          </p:cNvPr>
-          <p:cNvPicPr>
-            <a:picLocks noGrp="1" noChangeAspect="1"/>
-          </p:cNvPicPr>
-          <p:nvPr>
-            <p:ph idx="1"/>
-          </p:nvPr>
-        </p:nvPicPr>
-        <p:blipFill>
-          <a:blip r:embed="rId2">
-            <a:extLst>
-              <a:ext uri="{28A0092B-C50C-407E-A947-70E740481C1C}">
-                <a14:useLocalDpi xmlns:a14="http://schemas.microsoft.com/office/drawing/2010/main" val="0"/>
-              </a:ext>
-              <a:ext uri="{837473B0-CC2E-450A-ABE3-18F120FF3D39}">
-                <a1611:picAttrSrcUrl xmlns:a1611="http://schemas.microsoft.com/office/drawing/2016/11/main" r:id="rId3"/>
-              </a:ext>
-            </a:extLst>
-          </a:blip>
-          <a:stretch>
-            <a:fillRect/>
-          </a:stretch>
-        </p:blipFill>
-        <p:spPr>
-          <a:xfrm>
-            <a:off x="3870960" y="889214"/>
-            <a:ext cx="1320096" cy="879844"/>
+            <a:off x="1927260" y="2518758"/>
+            <a:ext cx="5950408" cy="2337328"/>
           </a:xfrm>
         </p:spPr>
       </p:pic>
-      <p:pic>
-        <p:nvPicPr>
-          <p:cNvPr id="7" name="Grafik 6" descr="Ein Bild, das Stift enthält.&#10;&#10;Automatisch generierte Beschreibung">
+      <p:sp>
+        <p:nvSpPr>
+          <p:cNvPr id="7" name="Inhaltsplatzhalter 2">
             <a:extLst>
               <a:ext uri="{FF2B5EF4-FFF2-40B4-BE49-F238E27FC236}">
-                <a16:creationId xmlns:a16="http://schemas.microsoft.com/office/drawing/2014/main" id="{33F1256F-4AE3-46D8-4FD0-5C2C61CDFD2A}"/>
-              </a:ext>
-            </a:extLst>
-          </p:cNvPr>
-          <p:cNvPicPr>
-            <a:picLocks noChangeAspect="1"/>
-          </p:cNvPicPr>
-          <p:nvPr/>
-        </p:nvPicPr>
-        <p:blipFill>
-          <a:blip r:embed="rId4">
-            <a:extLst>
-              <a:ext uri="{28A0092B-C50C-407E-A947-70E740481C1C}">
-                <a14:useLocalDpi xmlns:a14="http://schemas.microsoft.com/office/drawing/2010/main" val="0"/>
-              </a:ext>
-              <a:ext uri="{837473B0-CC2E-450A-ABE3-18F120FF3D39}">
-                <a1611:picAttrSrcUrl xmlns:a1611="http://schemas.microsoft.com/office/drawing/2016/11/main" r:id="rId5"/>
-              </a:ext>
-            </a:extLst>
-          </a:blip>
-          <a:stretch>
-            <a:fillRect/>
-          </a:stretch>
-        </p:blipFill>
-        <p:spPr>
-          <a:xfrm flipH="1">
-            <a:off x="1047941" y="889214"/>
-            <a:ext cx="403637" cy="386745"/>
-          </a:xfrm>
-          <a:prstGeom prst="rect">
-            <a:avLst/>
-          </a:prstGeom>
-        </p:spPr>
-      </p:pic>
-      <p:sp>
-        <p:nvSpPr>
-          <p:cNvPr id="9" name="Inhaltsplatzhalter 2">
-            <a:extLst>
-              <a:ext uri="{FF2B5EF4-FFF2-40B4-BE49-F238E27FC236}">
-                <a16:creationId xmlns:a16="http://schemas.microsoft.com/office/drawing/2014/main" id="{0E82E41D-CB05-DE38-707B-8A48A4C5FC2B}"/>
+                <a16:creationId xmlns:a16="http://schemas.microsoft.com/office/drawing/2014/main" id="{946F6F7E-180F-474F-A973-C6E49B21DB62}"/>
               </a:ext>
             </a:extLst>
           </p:cNvPr>
@@ -5507,7 +6473,7 @@
         <p:spPr>
           <a:xfrm>
             <a:off x="1451579" y="2015732"/>
-            <a:ext cx="9603275" cy="3450613"/>
+            <a:ext cx="9603275" cy="4037749"/>
           </a:xfrm>
           <a:prstGeom prst="rect">
             <a:avLst/>
@@ -5729,6 +6695,1302 @@
           <a:p>
             <a:r>
               <a:rPr lang="de-AT" dirty="0"/>
+              <a:t>Multiple </a:t>
+            </a:r>
+            <a:r>
+              <a:rPr lang="de-AT" dirty="0" err="1"/>
+              <a:t>startup</a:t>
+            </a:r>
+            <a:endParaRPr lang="de-AT" dirty="0"/>
+          </a:p>
+          <a:p>
+            <a:endParaRPr lang="de-AT" dirty="0"/>
+          </a:p>
+          <a:p>
+            <a:endParaRPr lang="de-AT" dirty="0"/>
+          </a:p>
+          <a:p>
+            <a:endParaRPr lang="de-AT" dirty="0"/>
+          </a:p>
+          <a:p>
+            <a:endParaRPr lang="de-AT" dirty="0"/>
+          </a:p>
+          <a:p>
+            <a:endParaRPr lang="de-AT" dirty="0"/>
+          </a:p>
+          <a:p>
+            <a:r>
+              <a:rPr lang="de-AT" dirty="0"/>
+              <a:t>Zuweisung der Portnummer</a:t>
+            </a:r>
+          </a:p>
+        </p:txBody>
+      </p:sp>
+      <mc:AlternateContent xmlns:mc="http://schemas.openxmlformats.org/markup-compatibility/2006">
+        <mc:Choice xmlns:p14="http://schemas.microsoft.com/office/powerpoint/2010/main" Requires="p14">
+          <p:contentPart p14:bwMode="auto" r:id="rId5">
+            <p14:nvContentPartPr>
+              <p14:cNvPr id="10" name="Freihand 9">
+                <a:extLst>
+                  <a:ext uri="{FF2B5EF4-FFF2-40B4-BE49-F238E27FC236}">
+                    <a16:creationId xmlns:a16="http://schemas.microsoft.com/office/drawing/2014/main" id="{4375AEB2-4EF1-18AA-773D-51F208AFF5C9}"/>
+                  </a:ext>
+                </a:extLst>
+              </p14:cNvPr>
+              <p14:cNvContentPartPr/>
+              <p14:nvPr/>
+            </p14:nvContentPartPr>
+            <p14:xfrm>
+              <a:off x="5557233" y="3230906"/>
+              <a:ext cx="370800" cy="36360"/>
+            </p14:xfrm>
+          </p:contentPart>
+        </mc:Choice>
+        <mc:Fallback>
+          <p:pic>
+            <p:nvPicPr>
+              <p:cNvPr id="10" name="Freihand 9">
+                <a:extLst>
+                  <a:ext uri="{FF2B5EF4-FFF2-40B4-BE49-F238E27FC236}">
+                    <a16:creationId xmlns:a16="http://schemas.microsoft.com/office/drawing/2014/main" id="{4375AEB2-4EF1-18AA-773D-51F208AFF5C9}"/>
+                  </a:ext>
+                </a:extLst>
+              </p:cNvPr>
+              <p:cNvPicPr/>
+              <p:nvPr/>
+            </p:nvPicPr>
+            <p:blipFill>
+              <a:blip r:embed="rId6"/>
+              <a:stretch>
+                <a:fillRect/>
+              </a:stretch>
+            </p:blipFill>
+            <p:spPr>
+              <a:xfrm>
+                <a:off x="5521593" y="3159266"/>
+                <a:ext cx="442440" cy="180000"/>
+              </a:xfrm>
+              <a:prstGeom prst="rect">
+                <a:avLst/>
+              </a:prstGeom>
+            </p:spPr>
+          </p:pic>
+        </mc:Fallback>
+      </mc:AlternateContent>
+      <mc:AlternateContent xmlns:mc="http://schemas.openxmlformats.org/markup-compatibility/2006">
+        <mc:Choice xmlns:p14="http://schemas.microsoft.com/office/powerpoint/2010/main" Requires="p14">
+          <p:contentPart p14:bwMode="auto" r:id="rId7">
+            <p14:nvContentPartPr>
+              <p14:cNvPr id="11" name="Freihand 10">
+                <a:extLst>
+                  <a:ext uri="{FF2B5EF4-FFF2-40B4-BE49-F238E27FC236}">
+                    <a16:creationId xmlns:a16="http://schemas.microsoft.com/office/drawing/2014/main" id="{410EB223-87E7-363E-545C-C03FA2547369}"/>
+                  </a:ext>
+                </a:extLst>
+              </p14:cNvPr>
+              <p14:cNvContentPartPr/>
+              <p14:nvPr/>
+            </p14:nvContentPartPr>
+            <p14:xfrm>
+              <a:off x="5548593" y="3540866"/>
+              <a:ext cx="365760" cy="10080"/>
+            </p14:xfrm>
+          </p:contentPart>
+        </mc:Choice>
+        <mc:Fallback>
+          <p:pic>
+            <p:nvPicPr>
+              <p:cNvPr id="11" name="Freihand 10">
+                <a:extLst>
+                  <a:ext uri="{FF2B5EF4-FFF2-40B4-BE49-F238E27FC236}">
+                    <a16:creationId xmlns:a16="http://schemas.microsoft.com/office/drawing/2014/main" id="{410EB223-87E7-363E-545C-C03FA2547369}"/>
+                  </a:ext>
+                </a:extLst>
+              </p:cNvPr>
+              <p:cNvPicPr/>
+              <p:nvPr/>
+            </p:nvPicPr>
+            <p:blipFill>
+              <a:blip r:embed="rId8"/>
+              <a:stretch>
+                <a:fillRect/>
+              </a:stretch>
+            </p:blipFill>
+            <p:spPr>
+              <a:xfrm>
+                <a:off x="5512593" y="3469226"/>
+                <a:ext cx="437400" cy="153720"/>
+              </a:xfrm>
+              <a:prstGeom prst="rect">
+                <a:avLst/>
+              </a:prstGeom>
+            </p:spPr>
+          </p:pic>
+        </mc:Fallback>
+      </mc:AlternateContent>
+    </p:spTree>
+    <p:extLst>
+      <p:ext uri="{BB962C8B-B14F-4D97-AF65-F5344CB8AC3E}">
+        <p14:creationId xmlns:p14="http://schemas.microsoft.com/office/powerpoint/2010/main" val="30095284"/>
+      </p:ext>
+    </p:extLst>
+  </p:cSld>
+  <p:clrMapOvr>
+    <a:masterClrMapping/>
+  </p:clrMapOvr>
+</p:sld>
+</file>
+
+<file path=ppt/slides/slide15.xml><?xml version="1.0" encoding="utf-8"?>
+<p:sld xmlns:a="http://schemas.openxmlformats.org/drawingml/2006/main" xmlns:r="http://schemas.openxmlformats.org/officeDocument/2006/relationships" xmlns:p="http://schemas.openxmlformats.org/presentationml/2006/main">
+  <p:cSld>
+    <p:spTree>
+      <p:nvGrpSpPr>
+        <p:cNvPr id="1" name=""/>
+        <p:cNvGrpSpPr/>
+        <p:nvPr/>
+      </p:nvGrpSpPr>
+      <p:grpSpPr>
+        <a:xfrm>
+          <a:off x="0" y="0"/>
+          <a:ext cx="0" cy="0"/>
+          <a:chOff x="0" y="0"/>
+          <a:chExt cx="0" cy="0"/>
+        </a:xfrm>
+      </p:grpSpPr>
+      <p:sp>
+        <p:nvSpPr>
+          <p:cNvPr id="3" name="Inhaltsplatzhalter 2">
+            <a:extLst>
+              <a:ext uri="{FF2B5EF4-FFF2-40B4-BE49-F238E27FC236}">
+                <a16:creationId xmlns:a16="http://schemas.microsoft.com/office/drawing/2014/main" id="{2F904D69-627A-449A-FB65-D5506DDB99A6}"/>
+              </a:ext>
+            </a:extLst>
+          </p:cNvPr>
+          <p:cNvSpPr>
+            <a:spLocks noGrp="1"/>
+          </p:cNvSpPr>
+          <p:nvPr>
+            <p:ph idx="1"/>
+          </p:nvPr>
+        </p:nvSpPr>
+        <p:spPr/>
+        <p:txBody>
+          <a:bodyPr>
+            <a:normAutofit/>
+          </a:bodyPr>
+          <a:lstStyle/>
+          <a:p>
+            <a:endParaRPr lang="de-AT" dirty="0"/>
+          </a:p>
+        </p:txBody>
+      </p:sp>
+      <p:pic>
+        <p:nvPicPr>
+          <p:cNvPr id="4" name="Grafik 3" descr="Ein Bild, das Text enthält.&#10;&#10;Automatisch generierte Beschreibung">
+            <a:extLst>
+              <a:ext uri="{FF2B5EF4-FFF2-40B4-BE49-F238E27FC236}">
+                <a16:creationId xmlns:a16="http://schemas.microsoft.com/office/drawing/2014/main" id="{32669E5B-8730-1CB9-FCEF-3BD3166CEAFB}"/>
+              </a:ext>
+            </a:extLst>
+          </p:cNvPr>
+          <p:cNvPicPr>
+            <a:picLocks noChangeAspect="1"/>
+          </p:cNvPicPr>
+          <p:nvPr/>
+        </p:nvPicPr>
+        <p:blipFill>
+          <a:blip r:embed="rId3">
+            <a:extLst>
+              <a:ext uri="{28A0092B-C50C-407E-A947-70E740481C1C}">
+                <a14:useLocalDpi xmlns:a14="http://schemas.microsoft.com/office/drawing/2010/main" val="0"/>
+              </a:ext>
+            </a:extLst>
+          </a:blip>
+          <a:stretch>
+            <a:fillRect/>
+          </a:stretch>
+        </p:blipFill>
+        <p:spPr>
+          <a:xfrm>
+            <a:off x="1451579" y="0"/>
+            <a:ext cx="2529809" cy="1897357"/>
+          </a:xfrm>
+          <a:prstGeom prst="rect">
+            <a:avLst/>
+          </a:prstGeom>
+        </p:spPr>
+      </p:pic>
+      <p:sp>
+        <p:nvSpPr>
+          <p:cNvPr id="5" name="Titel 1">
+            <a:extLst>
+              <a:ext uri="{FF2B5EF4-FFF2-40B4-BE49-F238E27FC236}">
+                <a16:creationId xmlns:a16="http://schemas.microsoft.com/office/drawing/2014/main" id="{774F5B48-8822-7CD2-A1B8-EA9D56B9A670}"/>
+              </a:ext>
+            </a:extLst>
+          </p:cNvPr>
+          <p:cNvSpPr>
+            <a:spLocks noGrp="1"/>
+          </p:cNvSpPr>
+          <p:nvPr>
+            <p:ph type="title"/>
+          </p:nvPr>
+        </p:nvSpPr>
+        <p:spPr>
+          <a:xfrm>
+            <a:off x="1451579" y="804519"/>
+            <a:ext cx="9603275" cy="1049235"/>
+          </a:xfrm>
+        </p:spPr>
+        <p:txBody>
+          <a:bodyPr/>
+          <a:lstStyle/>
+          <a:p>
+            <a:r>
+              <a:rPr lang="de-AT" dirty="0"/>
+              <a:t>			</a:t>
+            </a:r>
+            <a:br>
+              <a:rPr lang="de-AT" dirty="0"/>
+            </a:br>
+            <a:r>
+              <a:rPr lang="de-AT" dirty="0"/>
+              <a:t>		Angular Frontend</a:t>
+            </a:r>
+          </a:p>
+        </p:txBody>
+      </p:sp>
+    </p:spTree>
+    <p:extLst>
+      <p:ext uri="{BB962C8B-B14F-4D97-AF65-F5344CB8AC3E}">
+        <p14:creationId xmlns:p14="http://schemas.microsoft.com/office/powerpoint/2010/main" val="2105645177"/>
+      </p:ext>
+    </p:extLst>
+  </p:cSld>
+  <p:clrMapOvr>
+    <a:masterClrMapping/>
+  </p:clrMapOvr>
+</p:sld>
+</file>
+
+<file path=ppt/slides/slide2.xml><?xml version="1.0" encoding="utf-8"?>
+<p:sld xmlns:a="http://schemas.openxmlformats.org/drawingml/2006/main" xmlns:r="http://schemas.openxmlformats.org/officeDocument/2006/relationships" xmlns:p="http://schemas.openxmlformats.org/presentationml/2006/main">
+  <p:cSld>
+    <p:spTree>
+      <p:nvGrpSpPr>
+        <p:cNvPr id="1" name=""/>
+        <p:cNvGrpSpPr/>
+        <p:nvPr/>
+      </p:nvGrpSpPr>
+      <p:grpSpPr>
+        <a:xfrm>
+          <a:off x="0" y="0"/>
+          <a:ext cx="0" cy="0"/>
+          <a:chOff x="0" y="0"/>
+          <a:chExt cx="0" cy="0"/>
+        </a:xfrm>
+      </p:grpSpPr>
+      <p:sp>
+        <p:nvSpPr>
+          <p:cNvPr id="2" name="Titel 1">
+            <a:extLst>
+              <a:ext uri="{FF2B5EF4-FFF2-40B4-BE49-F238E27FC236}">
+                <a16:creationId xmlns:a16="http://schemas.microsoft.com/office/drawing/2014/main" id="{1F773FA1-EEC6-FF10-08FF-31CAF843838D}"/>
+              </a:ext>
+            </a:extLst>
+          </p:cNvPr>
+          <p:cNvSpPr>
+            <a:spLocks noGrp="1"/>
+          </p:cNvSpPr>
+          <p:nvPr>
+            <p:ph type="title"/>
+          </p:nvPr>
+        </p:nvSpPr>
+        <p:spPr/>
+        <p:txBody>
+          <a:bodyPr/>
+          <a:lstStyle/>
+          <a:p>
+            <a:r>
+              <a:rPr lang="de-AT" dirty="0"/>
+              <a:t>Bike-o-</a:t>
+            </a:r>
+            <a:r>
+              <a:rPr lang="de-AT" dirty="0" err="1"/>
+              <a:t>mat</a:t>
+            </a:r>
+            <a:endParaRPr lang="de-AT" dirty="0"/>
+          </a:p>
+        </p:txBody>
+      </p:sp>
+      <p:sp>
+        <p:nvSpPr>
+          <p:cNvPr id="3" name="Inhaltsplatzhalter 2">
+            <a:extLst>
+              <a:ext uri="{FF2B5EF4-FFF2-40B4-BE49-F238E27FC236}">
+                <a16:creationId xmlns:a16="http://schemas.microsoft.com/office/drawing/2014/main" id="{2F904D69-627A-449A-FB65-D5506DDB99A6}"/>
+              </a:ext>
+            </a:extLst>
+          </p:cNvPr>
+          <p:cNvSpPr>
+            <a:spLocks noGrp="1"/>
+          </p:cNvSpPr>
+          <p:nvPr>
+            <p:ph idx="1"/>
+          </p:nvPr>
+        </p:nvSpPr>
+        <p:spPr/>
+        <p:txBody>
+          <a:bodyPr/>
+          <a:lstStyle/>
+          <a:p>
+            <a:r>
+              <a:rPr lang="de-AT" dirty="0"/>
+              <a:t>Fahrrad-Vermietung über Stationen</a:t>
+            </a:r>
+          </a:p>
+          <a:p>
+            <a:r>
+              <a:rPr lang="de-AT" dirty="0"/>
+              <a:t>Microsoft Azure Server als Plattform</a:t>
+            </a:r>
+          </a:p>
+          <a:p>
+            <a:r>
+              <a:rPr lang="de-AT" dirty="0"/>
+              <a:t>Scan eines QR-Codes entsperrt Fahrrad</a:t>
+            </a:r>
+          </a:p>
+          <a:p>
+            <a:r>
+              <a:rPr lang="de-AT" dirty="0"/>
+              <a:t>Abrechnung über Website, Nutzeraccount</a:t>
+            </a:r>
+          </a:p>
+          <a:p>
+            <a:endParaRPr lang="de-AT" dirty="0"/>
+          </a:p>
+        </p:txBody>
+      </p:sp>
+    </p:spTree>
+    <p:extLst>
+      <p:ext uri="{BB962C8B-B14F-4D97-AF65-F5344CB8AC3E}">
+        <p14:creationId xmlns:p14="http://schemas.microsoft.com/office/powerpoint/2010/main" val="3098888125"/>
+      </p:ext>
+    </p:extLst>
+  </p:cSld>
+  <p:clrMapOvr>
+    <a:masterClrMapping/>
+  </p:clrMapOvr>
+</p:sld>
+</file>
+
+<file path=ppt/slides/slide3.xml><?xml version="1.0" encoding="utf-8"?>
+<p:sld xmlns:a="http://schemas.openxmlformats.org/drawingml/2006/main" xmlns:r="http://schemas.openxmlformats.org/officeDocument/2006/relationships" xmlns:p="http://schemas.openxmlformats.org/presentationml/2006/main">
+  <p:cSld>
+    <p:spTree>
+      <p:nvGrpSpPr>
+        <p:cNvPr id="1" name=""/>
+        <p:cNvGrpSpPr/>
+        <p:nvPr/>
+      </p:nvGrpSpPr>
+      <p:grpSpPr>
+        <a:xfrm>
+          <a:off x="0" y="0"/>
+          <a:ext cx="0" cy="0"/>
+          <a:chOff x="0" y="0"/>
+          <a:chExt cx="0" cy="0"/>
+        </a:xfrm>
+      </p:grpSpPr>
+      <p:sp>
+        <p:nvSpPr>
+          <p:cNvPr id="2" name="Titel 1">
+            <a:extLst>
+              <a:ext uri="{FF2B5EF4-FFF2-40B4-BE49-F238E27FC236}">
+                <a16:creationId xmlns:a16="http://schemas.microsoft.com/office/drawing/2014/main" id="{1F773FA1-EEC6-FF10-08FF-31CAF843838D}"/>
+              </a:ext>
+            </a:extLst>
+          </p:cNvPr>
+          <p:cNvSpPr>
+            <a:spLocks noGrp="1"/>
+          </p:cNvSpPr>
+          <p:nvPr>
+            <p:ph type="title"/>
+          </p:nvPr>
+        </p:nvSpPr>
+        <p:spPr/>
+        <p:txBody>
+          <a:bodyPr/>
+          <a:lstStyle/>
+          <a:p>
+            <a:r>
+              <a:rPr lang="de-AT" dirty="0"/>
+              <a:t>Bike-o-</a:t>
+            </a:r>
+            <a:r>
+              <a:rPr lang="de-AT" dirty="0" err="1"/>
+              <a:t>mat</a:t>
+            </a:r>
+            <a:endParaRPr lang="de-AT" dirty="0"/>
+          </a:p>
+        </p:txBody>
+      </p:sp>
+      <p:sp>
+        <p:nvSpPr>
+          <p:cNvPr id="3" name="Inhaltsplatzhalter 2">
+            <a:extLst>
+              <a:ext uri="{FF2B5EF4-FFF2-40B4-BE49-F238E27FC236}">
+                <a16:creationId xmlns:a16="http://schemas.microsoft.com/office/drawing/2014/main" id="{2F904D69-627A-449A-FB65-D5506DDB99A6}"/>
+              </a:ext>
+            </a:extLst>
+          </p:cNvPr>
+          <p:cNvSpPr>
+            <a:spLocks noGrp="1"/>
+          </p:cNvSpPr>
+          <p:nvPr>
+            <p:ph idx="1"/>
+          </p:nvPr>
+        </p:nvSpPr>
+        <p:spPr>
+          <a:xfrm>
+            <a:off x="1451579" y="2015732"/>
+            <a:ext cx="9603275" cy="4148001"/>
+          </a:xfrm>
+        </p:spPr>
+        <p:txBody>
+          <a:bodyPr/>
+          <a:lstStyle/>
+          <a:p>
+            <a:r>
+              <a:rPr lang="de-AT" dirty="0"/>
+              <a:t>Erstellte Dokumente:</a:t>
+            </a:r>
+          </a:p>
+          <a:p>
+            <a:pPr lvl="1"/>
+            <a:r>
+              <a:rPr lang="de-AT" dirty="0"/>
+              <a:t>Projektauftrag</a:t>
+            </a:r>
+          </a:p>
+          <a:p>
+            <a:pPr lvl="1"/>
+            <a:r>
+              <a:rPr lang="de-AT" dirty="0"/>
+              <a:t>Projektstrukturplan</a:t>
+            </a:r>
+          </a:p>
+          <a:p>
+            <a:pPr lvl="1"/>
+            <a:r>
+              <a:rPr lang="de-AT" dirty="0"/>
+              <a:t>Umfeldanalyse</a:t>
+            </a:r>
+          </a:p>
+          <a:p>
+            <a:pPr lvl="1"/>
+            <a:r>
+              <a:rPr lang="de-AT" dirty="0"/>
+              <a:t>Machbarkeitsanalyse</a:t>
+            </a:r>
+          </a:p>
+          <a:p>
+            <a:pPr lvl="1"/>
+            <a:r>
+              <a:rPr lang="de-AT" dirty="0"/>
+              <a:t>Product-Backlog</a:t>
+            </a:r>
+          </a:p>
+          <a:p>
+            <a:pPr lvl="1"/>
+            <a:r>
+              <a:rPr lang="de-AT" dirty="0"/>
+              <a:t>Sprintbacklog</a:t>
+            </a:r>
+          </a:p>
+        </p:txBody>
+      </p:sp>
+    </p:spTree>
+    <p:extLst>
+      <p:ext uri="{BB962C8B-B14F-4D97-AF65-F5344CB8AC3E}">
+        <p14:creationId xmlns:p14="http://schemas.microsoft.com/office/powerpoint/2010/main" val="4115735604"/>
+      </p:ext>
+    </p:extLst>
+  </p:cSld>
+  <p:clrMapOvr>
+    <a:masterClrMapping/>
+  </p:clrMapOvr>
+</p:sld>
+</file>
+
+<file path=ppt/slides/slide4.xml><?xml version="1.0" encoding="utf-8"?>
+<p:sld xmlns:a="http://schemas.openxmlformats.org/drawingml/2006/main" xmlns:r="http://schemas.openxmlformats.org/officeDocument/2006/relationships" xmlns:p="http://schemas.openxmlformats.org/presentationml/2006/main">
+  <p:cSld>
+    <p:spTree>
+      <p:nvGrpSpPr>
+        <p:cNvPr id="1" name=""/>
+        <p:cNvGrpSpPr/>
+        <p:nvPr/>
+      </p:nvGrpSpPr>
+      <p:grpSpPr>
+        <a:xfrm>
+          <a:off x="0" y="0"/>
+          <a:ext cx="0" cy="0"/>
+          <a:chOff x="0" y="0"/>
+          <a:chExt cx="0" cy="0"/>
+        </a:xfrm>
+      </p:grpSpPr>
+      <p:pic>
+        <p:nvPicPr>
+          <p:cNvPr id="4" name="Grafik 3">
+            <a:extLst>
+              <a:ext uri="{FF2B5EF4-FFF2-40B4-BE49-F238E27FC236}">
+                <a16:creationId xmlns:a16="http://schemas.microsoft.com/office/drawing/2014/main" id="{43238760-A280-3137-DC35-9D4A7535AC16}"/>
+              </a:ext>
+            </a:extLst>
+          </p:cNvPr>
+          <p:cNvPicPr>
+            <a:picLocks noChangeAspect="1"/>
+          </p:cNvPicPr>
+          <p:nvPr/>
+        </p:nvPicPr>
+        <p:blipFill>
+          <a:blip r:embed="rId3"/>
+          <a:stretch>
+            <a:fillRect/>
+          </a:stretch>
+        </p:blipFill>
+        <p:spPr>
+          <a:xfrm>
+            <a:off x="830920" y="0"/>
+            <a:ext cx="10134600" cy="6743700"/>
+          </a:xfrm>
+          <a:prstGeom prst="rect">
+            <a:avLst/>
+          </a:prstGeom>
+        </p:spPr>
+      </p:pic>
+    </p:spTree>
+    <p:extLst>
+      <p:ext uri="{BB962C8B-B14F-4D97-AF65-F5344CB8AC3E}">
+        <p14:creationId xmlns:p14="http://schemas.microsoft.com/office/powerpoint/2010/main" val="3471891791"/>
+      </p:ext>
+    </p:extLst>
+  </p:cSld>
+  <p:clrMapOvr>
+    <a:masterClrMapping/>
+  </p:clrMapOvr>
+</p:sld>
+</file>
+
+<file path=ppt/slides/slide5.xml><?xml version="1.0" encoding="utf-8"?>
+<p:sld xmlns:a="http://schemas.openxmlformats.org/drawingml/2006/main" xmlns:r="http://schemas.openxmlformats.org/officeDocument/2006/relationships" xmlns:p="http://schemas.openxmlformats.org/presentationml/2006/main">
+  <p:cSld>
+    <p:spTree>
+      <p:nvGrpSpPr>
+        <p:cNvPr id="1" name=""/>
+        <p:cNvGrpSpPr/>
+        <p:nvPr/>
+      </p:nvGrpSpPr>
+      <p:grpSpPr>
+        <a:xfrm>
+          <a:off x="0" y="0"/>
+          <a:ext cx="0" cy="0"/>
+          <a:chOff x="0" y="0"/>
+          <a:chExt cx="0" cy="0"/>
+        </a:xfrm>
+      </p:grpSpPr>
+      <p:sp>
+        <p:nvSpPr>
+          <p:cNvPr id="2" name="Titel 1">
+            <a:extLst>
+              <a:ext uri="{FF2B5EF4-FFF2-40B4-BE49-F238E27FC236}">
+                <a16:creationId xmlns:a16="http://schemas.microsoft.com/office/drawing/2014/main" id="{63E8BFAB-838B-4D93-6065-D3DAE3D55B89}"/>
+              </a:ext>
+            </a:extLst>
+          </p:cNvPr>
+          <p:cNvSpPr>
+            <a:spLocks noGrp="1"/>
+          </p:cNvSpPr>
+          <p:nvPr>
+            <p:ph type="title"/>
+          </p:nvPr>
+        </p:nvSpPr>
+        <p:spPr/>
+        <p:txBody>
+          <a:bodyPr/>
+          <a:lstStyle/>
+          <a:p>
+            <a:r>
+              <a:rPr lang="de-AT" dirty="0"/>
+              <a:t>Bike-Shop</a:t>
+            </a:r>
+            <a:br>
+              <a:rPr lang="de-AT" dirty="0"/>
+            </a:br>
+            <a:r>
+              <a:rPr lang="de-AT" sz="2400" dirty="0"/>
+              <a:t>Product-Backlog</a:t>
+            </a:r>
+            <a:endParaRPr lang="de-AT" dirty="0"/>
+          </a:p>
+        </p:txBody>
+      </p:sp>
+      <p:pic>
+        <p:nvPicPr>
+          <p:cNvPr id="4" name="Grafik 3">
+            <a:extLst>
+              <a:ext uri="{FF2B5EF4-FFF2-40B4-BE49-F238E27FC236}">
+                <a16:creationId xmlns:a16="http://schemas.microsoft.com/office/drawing/2014/main" id="{D8B12A84-D620-8A73-3097-E1F2FAF800DD}"/>
+              </a:ext>
+            </a:extLst>
+          </p:cNvPr>
+          <p:cNvPicPr>
+            <a:picLocks noChangeAspect="1"/>
+          </p:cNvPicPr>
+          <p:nvPr/>
+        </p:nvPicPr>
+        <p:blipFill>
+          <a:blip r:embed="rId3"/>
+          <a:stretch>
+            <a:fillRect/>
+          </a:stretch>
+        </p:blipFill>
+        <p:spPr>
+          <a:xfrm>
+            <a:off x="5454" y="2076692"/>
+            <a:ext cx="12121443" cy="2282244"/>
+          </a:xfrm>
+          <a:prstGeom prst="rect">
+            <a:avLst/>
+          </a:prstGeom>
+        </p:spPr>
+      </p:pic>
+    </p:spTree>
+    <p:extLst>
+      <p:ext uri="{BB962C8B-B14F-4D97-AF65-F5344CB8AC3E}">
+        <p14:creationId xmlns:p14="http://schemas.microsoft.com/office/powerpoint/2010/main" val="3875927598"/>
+      </p:ext>
+    </p:extLst>
+  </p:cSld>
+  <p:clrMapOvr>
+    <a:masterClrMapping/>
+  </p:clrMapOvr>
+</p:sld>
+</file>
+
+<file path=ppt/slides/slide6.xml><?xml version="1.0" encoding="utf-8"?>
+<p:sld xmlns:a="http://schemas.openxmlformats.org/drawingml/2006/main" xmlns:r="http://schemas.openxmlformats.org/officeDocument/2006/relationships" xmlns:p="http://schemas.openxmlformats.org/presentationml/2006/main">
+  <p:cSld>
+    <p:spTree>
+      <p:nvGrpSpPr>
+        <p:cNvPr id="1" name=""/>
+        <p:cNvGrpSpPr/>
+        <p:nvPr/>
+      </p:nvGrpSpPr>
+      <p:grpSpPr>
+        <a:xfrm>
+          <a:off x="0" y="0"/>
+          <a:ext cx="0" cy="0"/>
+          <a:chOff x="0" y="0"/>
+          <a:chExt cx="0" cy="0"/>
+        </a:xfrm>
+      </p:grpSpPr>
+      <p:sp>
+        <p:nvSpPr>
+          <p:cNvPr id="2" name="Titel 1">
+            <a:extLst>
+              <a:ext uri="{FF2B5EF4-FFF2-40B4-BE49-F238E27FC236}">
+                <a16:creationId xmlns:a16="http://schemas.microsoft.com/office/drawing/2014/main" id="{1F773FA1-EEC6-FF10-08FF-31CAF843838D}"/>
+              </a:ext>
+            </a:extLst>
+          </p:cNvPr>
+          <p:cNvSpPr>
+            <a:spLocks noGrp="1"/>
+          </p:cNvSpPr>
+          <p:nvPr>
+            <p:ph type="title"/>
+          </p:nvPr>
+        </p:nvSpPr>
+        <p:spPr/>
+        <p:txBody>
+          <a:bodyPr/>
+          <a:lstStyle/>
+          <a:p>
+            <a:r>
+              <a:rPr lang="de-AT" dirty="0"/>
+              <a:t>Bike-o-</a:t>
+            </a:r>
+            <a:r>
+              <a:rPr lang="de-AT" dirty="0" err="1"/>
+              <a:t>mat</a:t>
+            </a:r>
+            <a:endParaRPr lang="de-AT" dirty="0"/>
+          </a:p>
+        </p:txBody>
+      </p:sp>
+      <p:pic>
+        <p:nvPicPr>
+          <p:cNvPr id="5" name="Grafik 4">
+            <a:extLst>
+              <a:ext uri="{FF2B5EF4-FFF2-40B4-BE49-F238E27FC236}">
+                <a16:creationId xmlns:a16="http://schemas.microsoft.com/office/drawing/2014/main" id="{E20D359B-1101-0146-3BE7-F2CD5B62DDD4}"/>
+              </a:ext>
+            </a:extLst>
+          </p:cNvPr>
+          <p:cNvPicPr>
+            <a:picLocks noChangeAspect="1"/>
+          </p:cNvPicPr>
+          <p:nvPr/>
+        </p:nvPicPr>
+        <p:blipFill>
+          <a:blip r:embed="rId3"/>
+          <a:stretch>
+            <a:fillRect/>
+          </a:stretch>
+        </p:blipFill>
+        <p:spPr>
+          <a:xfrm>
+            <a:off x="552449" y="1974064"/>
+            <a:ext cx="10953751" cy="1678119"/>
+          </a:xfrm>
+          <a:prstGeom prst="rect">
+            <a:avLst/>
+          </a:prstGeom>
+          <a:ln w="19050">
+            <a:solidFill>
+              <a:schemeClr val="tx1"/>
+            </a:solidFill>
+          </a:ln>
+        </p:spPr>
+      </p:pic>
+    </p:spTree>
+    <p:extLst>
+      <p:ext uri="{BB962C8B-B14F-4D97-AF65-F5344CB8AC3E}">
+        <p14:creationId xmlns:p14="http://schemas.microsoft.com/office/powerpoint/2010/main" val="1433280647"/>
+      </p:ext>
+    </p:extLst>
+  </p:cSld>
+  <p:clrMapOvr>
+    <a:masterClrMapping/>
+  </p:clrMapOvr>
+</p:sld>
+</file>
+
+<file path=ppt/slides/slide7.xml><?xml version="1.0" encoding="utf-8"?>
+<p:sld xmlns:a="http://schemas.openxmlformats.org/drawingml/2006/main" xmlns:r="http://schemas.openxmlformats.org/officeDocument/2006/relationships" xmlns:p="http://schemas.openxmlformats.org/presentationml/2006/main">
+  <p:cSld>
+    <p:spTree>
+      <p:nvGrpSpPr>
+        <p:cNvPr id="1" name=""/>
+        <p:cNvGrpSpPr/>
+        <p:nvPr/>
+      </p:nvGrpSpPr>
+      <p:grpSpPr>
+        <a:xfrm>
+          <a:off x="0" y="0"/>
+          <a:ext cx="0" cy="0"/>
+          <a:chOff x="0" y="0"/>
+          <a:chExt cx="0" cy="0"/>
+        </a:xfrm>
+      </p:grpSpPr>
+      <p:sp>
+        <p:nvSpPr>
+          <p:cNvPr id="2" name="Titel 1">
+            <a:extLst>
+              <a:ext uri="{FF2B5EF4-FFF2-40B4-BE49-F238E27FC236}">
+                <a16:creationId xmlns:a16="http://schemas.microsoft.com/office/drawing/2014/main" id="{ACA5F2A2-8BC6-7A44-280C-8596F1274823}"/>
+              </a:ext>
+            </a:extLst>
+          </p:cNvPr>
+          <p:cNvSpPr>
+            <a:spLocks noGrp="1"/>
+          </p:cNvSpPr>
+          <p:nvPr>
+            <p:ph type="title"/>
+          </p:nvPr>
+        </p:nvSpPr>
+        <p:spPr/>
+        <p:txBody>
+          <a:bodyPr/>
+          <a:lstStyle/>
+          <a:p>
+            <a:endParaRPr lang="de-AT" dirty="0"/>
+          </a:p>
+        </p:txBody>
+      </p:sp>
+      <p:sp>
+        <p:nvSpPr>
+          <p:cNvPr id="3" name="Inhaltsplatzhalter 2">
+            <a:extLst>
+              <a:ext uri="{FF2B5EF4-FFF2-40B4-BE49-F238E27FC236}">
+                <a16:creationId xmlns:a16="http://schemas.microsoft.com/office/drawing/2014/main" id="{D17BA997-BD5B-472C-6B3F-F1F7CAC92C42}"/>
+              </a:ext>
+            </a:extLst>
+          </p:cNvPr>
+          <p:cNvSpPr>
+            <a:spLocks noGrp="1"/>
+          </p:cNvSpPr>
+          <p:nvPr>
+            <p:ph idx="1"/>
+          </p:nvPr>
+        </p:nvSpPr>
+        <p:spPr/>
+        <p:txBody>
+          <a:bodyPr/>
+          <a:lstStyle/>
+          <a:p>
+            <a:endParaRPr lang="de-AT"/>
+          </a:p>
+        </p:txBody>
+      </p:sp>
+      <p:pic>
+        <p:nvPicPr>
+          <p:cNvPr id="5" name="Grafik 4">
+            <a:extLst>
+              <a:ext uri="{FF2B5EF4-FFF2-40B4-BE49-F238E27FC236}">
+                <a16:creationId xmlns:a16="http://schemas.microsoft.com/office/drawing/2014/main" id="{3FAF0A13-3653-3122-B014-B8F9D8310742}"/>
+              </a:ext>
+            </a:extLst>
+          </p:cNvPr>
+          <p:cNvPicPr>
+            <a:picLocks noChangeAspect="1"/>
+          </p:cNvPicPr>
+          <p:nvPr/>
+        </p:nvPicPr>
+        <p:blipFill>
+          <a:blip r:embed="rId3"/>
+          <a:stretch>
+            <a:fillRect/>
+          </a:stretch>
+        </p:blipFill>
+        <p:spPr>
+          <a:xfrm>
+            <a:off x="35140" y="804519"/>
+            <a:ext cx="6987218" cy="5658986"/>
+          </a:xfrm>
+          <a:prstGeom prst="rect">
+            <a:avLst/>
+          </a:prstGeom>
+        </p:spPr>
+      </p:pic>
+      <p:pic>
+        <p:nvPicPr>
+          <p:cNvPr id="8" name="Grafik 7">
+            <a:extLst>
+              <a:ext uri="{FF2B5EF4-FFF2-40B4-BE49-F238E27FC236}">
+                <a16:creationId xmlns:a16="http://schemas.microsoft.com/office/drawing/2014/main" id="{963CA447-CA72-E8F2-2B3E-74A5C80C93C5}"/>
+              </a:ext>
+            </a:extLst>
+          </p:cNvPr>
+          <p:cNvPicPr>
+            <a:picLocks noChangeAspect="1"/>
+          </p:cNvPicPr>
+          <p:nvPr/>
+        </p:nvPicPr>
+        <p:blipFill rotWithShape="1">
+          <a:blip r:embed="rId4"/>
+          <a:srcRect l="803" t="1773" r="929" b="929"/>
+          <a:stretch/>
+        </p:blipFill>
+        <p:spPr>
+          <a:xfrm>
+            <a:off x="6604986" y="822275"/>
+            <a:ext cx="5429534" cy="5611521"/>
+          </a:xfrm>
+          <a:prstGeom prst="rect">
+            <a:avLst/>
+          </a:prstGeom>
+          <a:ln w="25400">
+            <a:solidFill>
+              <a:schemeClr val="tx1"/>
+            </a:solidFill>
+          </a:ln>
+        </p:spPr>
+      </p:pic>
+    </p:spTree>
+    <p:extLst>
+      <p:ext uri="{BB962C8B-B14F-4D97-AF65-F5344CB8AC3E}">
+        <p14:creationId xmlns:p14="http://schemas.microsoft.com/office/powerpoint/2010/main" val="1606172316"/>
+      </p:ext>
+    </p:extLst>
+  </p:cSld>
+  <p:clrMapOvr>
+    <a:masterClrMapping/>
+  </p:clrMapOvr>
+</p:sld>
+</file>
+
+<file path=ppt/slides/slide8.xml><?xml version="1.0" encoding="utf-8"?>
+<p:sld xmlns:a="http://schemas.openxmlformats.org/drawingml/2006/main" xmlns:r="http://schemas.openxmlformats.org/officeDocument/2006/relationships" xmlns:p="http://schemas.openxmlformats.org/presentationml/2006/main">
+  <p:cSld>
+    <p:spTree>
+      <p:nvGrpSpPr>
+        <p:cNvPr id="1" name=""/>
+        <p:cNvGrpSpPr/>
+        <p:nvPr/>
+      </p:nvGrpSpPr>
+      <p:grpSpPr>
+        <a:xfrm>
+          <a:off x="0" y="0"/>
+          <a:ext cx="0" cy="0"/>
+          <a:chOff x="0" y="0"/>
+          <a:chExt cx="0" cy="0"/>
+        </a:xfrm>
+      </p:grpSpPr>
+      <p:sp>
+        <p:nvSpPr>
+          <p:cNvPr id="2" name="Titel 1">
+            <a:extLst>
+              <a:ext uri="{FF2B5EF4-FFF2-40B4-BE49-F238E27FC236}">
+                <a16:creationId xmlns:a16="http://schemas.microsoft.com/office/drawing/2014/main" id="{1F773FA1-EEC6-FF10-08FF-31CAF843838D}"/>
+              </a:ext>
+            </a:extLst>
+          </p:cNvPr>
+          <p:cNvSpPr>
+            <a:spLocks noGrp="1"/>
+          </p:cNvSpPr>
+          <p:nvPr>
+            <p:ph type="title"/>
+          </p:nvPr>
+        </p:nvSpPr>
+        <p:spPr/>
+        <p:txBody>
+          <a:bodyPr/>
+          <a:lstStyle/>
+          <a:p>
+            <a:r>
+              <a:rPr lang="de-AT" strike="sngStrike" dirty="0"/>
+              <a:t>Bike-o-</a:t>
+            </a:r>
+            <a:r>
+              <a:rPr lang="de-AT" strike="sngStrike" dirty="0" err="1"/>
+              <a:t>mat</a:t>
+            </a:r>
+            <a:r>
+              <a:rPr lang="de-AT" dirty="0"/>
+              <a:t>		</a:t>
+            </a:r>
+          </a:p>
+        </p:txBody>
+      </p:sp>
+      <p:pic>
+        <p:nvPicPr>
+          <p:cNvPr id="5" name="Inhaltsplatzhalter 4" descr="Ein Bild, das Waffe enthält.&#10;&#10;Automatisch generierte Beschreibung">
+            <a:extLst>
+              <a:ext uri="{FF2B5EF4-FFF2-40B4-BE49-F238E27FC236}">
+                <a16:creationId xmlns:a16="http://schemas.microsoft.com/office/drawing/2014/main" id="{27459113-8A60-D902-5B5A-253971C8F538}"/>
+              </a:ext>
+            </a:extLst>
+          </p:cNvPr>
+          <p:cNvPicPr>
+            <a:picLocks noGrp="1" noChangeAspect="1"/>
+          </p:cNvPicPr>
+          <p:nvPr>
+            <p:ph idx="1"/>
+          </p:nvPr>
+        </p:nvPicPr>
+        <p:blipFill>
+          <a:blip r:embed="rId3">
+            <a:extLst>
+              <a:ext uri="{28A0092B-C50C-407E-A947-70E740481C1C}">
+                <a14:useLocalDpi xmlns:a14="http://schemas.microsoft.com/office/drawing/2010/main" val="0"/>
+              </a:ext>
+              <a:ext uri="{837473B0-CC2E-450A-ABE3-18F120FF3D39}">
+                <a1611:picAttrSrcUrl xmlns:a1611="http://schemas.microsoft.com/office/drawing/2016/11/main" r:id="rId4"/>
+              </a:ext>
+            </a:extLst>
+          </a:blip>
+          <a:stretch>
+            <a:fillRect/>
+          </a:stretch>
+        </p:blipFill>
+        <p:spPr>
+          <a:xfrm>
+            <a:off x="3870960" y="889214"/>
+            <a:ext cx="1320096" cy="879844"/>
+          </a:xfrm>
+        </p:spPr>
+      </p:pic>
+      <p:pic>
+        <p:nvPicPr>
+          <p:cNvPr id="7" name="Grafik 6" descr="Ein Bild, das Stift enthält.&#10;&#10;Automatisch generierte Beschreibung">
+            <a:extLst>
+              <a:ext uri="{FF2B5EF4-FFF2-40B4-BE49-F238E27FC236}">
+                <a16:creationId xmlns:a16="http://schemas.microsoft.com/office/drawing/2014/main" id="{33F1256F-4AE3-46D8-4FD0-5C2C61CDFD2A}"/>
+              </a:ext>
+            </a:extLst>
+          </p:cNvPr>
+          <p:cNvPicPr>
+            <a:picLocks noChangeAspect="1"/>
+          </p:cNvPicPr>
+          <p:nvPr/>
+        </p:nvPicPr>
+        <p:blipFill>
+          <a:blip r:embed="rId5">
+            <a:extLst>
+              <a:ext uri="{28A0092B-C50C-407E-A947-70E740481C1C}">
+                <a14:useLocalDpi xmlns:a14="http://schemas.microsoft.com/office/drawing/2010/main" val="0"/>
+              </a:ext>
+              <a:ext uri="{837473B0-CC2E-450A-ABE3-18F120FF3D39}">
+                <a1611:picAttrSrcUrl xmlns:a1611="http://schemas.microsoft.com/office/drawing/2016/11/main" r:id="rId6"/>
+              </a:ext>
+            </a:extLst>
+          </a:blip>
+          <a:stretch>
+            <a:fillRect/>
+          </a:stretch>
+        </p:blipFill>
+        <p:spPr>
+          <a:xfrm flipH="1">
+            <a:off x="1047941" y="889214"/>
+            <a:ext cx="403637" cy="386745"/>
+          </a:xfrm>
+          <a:prstGeom prst="rect">
+            <a:avLst/>
+          </a:prstGeom>
+        </p:spPr>
+      </p:pic>
+      <p:sp>
+        <p:nvSpPr>
+          <p:cNvPr id="9" name="Inhaltsplatzhalter 2">
+            <a:extLst>
+              <a:ext uri="{FF2B5EF4-FFF2-40B4-BE49-F238E27FC236}">
+                <a16:creationId xmlns:a16="http://schemas.microsoft.com/office/drawing/2014/main" id="{0E82E41D-CB05-DE38-707B-8A48A4C5FC2B}"/>
+              </a:ext>
+            </a:extLst>
+          </p:cNvPr>
+          <p:cNvSpPr txBox="1">
+            <a:spLocks/>
+          </p:cNvSpPr>
+          <p:nvPr/>
+        </p:nvSpPr>
+        <p:spPr>
+          <a:xfrm>
+            <a:off x="1451579" y="2015732"/>
+            <a:ext cx="9603275" cy="3450613"/>
+          </a:xfrm>
+          <a:prstGeom prst="rect">
+            <a:avLst/>
+          </a:prstGeom>
+        </p:spPr>
+        <p:txBody>
+          <a:bodyPr vert="horz" lIns="91440" tIns="45720" rIns="91440" bIns="45720" rtlCol="0" anchor="t">
+            <a:normAutofit/>
+          </a:bodyPr>
+          <a:lstStyle>
+            <a:lvl1pPr marL="228600" indent="-228600" algn="l" defTabSz="914400" rtl="0" eaLnBrk="1" latinLnBrk="0" hangingPunct="1">
+              <a:lnSpc>
+                <a:spcPct val="120000"/>
+              </a:lnSpc>
+              <a:spcBef>
+                <a:spcPts val="1000"/>
+              </a:spcBef>
+              <a:buClr>
+                <a:schemeClr val="accent1"/>
+              </a:buClr>
+              <a:buSzPct val="100000"/>
+              <a:buFont typeface="Arial" panose="020B0604020202020204" pitchFamily="34" charset="0"/>
+              <a:buChar char="•"/>
+              <a:defRPr sz="2000" kern="1200">
+                <a:solidFill>
+                  <a:schemeClr val="tx1"/>
+                </a:solidFill>
+                <a:effectLst/>
+                <a:latin typeface="+mn-lt"/>
+                <a:ea typeface="+mn-ea"/>
+                <a:cs typeface="+mn-cs"/>
+              </a:defRPr>
+            </a:lvl1pPr>
+            <a:lvl2pPr marL="685800" indent="-228600" algn="l" defTabSz="914400" rtl="0" eaLnBrk="1" latinLnBrk="0" hangingPunct="1">
+              <a:lnSpc>
+                <a:spcPct val="120000"/>
+              </a:lnSpc>
+              <a:spcBef>
+                <a:spcPts val="500"/>
+              </a:spcBef>
+              <a:buClr>
+                <a:schemeClr val="accent1"/>
+              </a:buClr>
+              <a:buSzPct val="100000"/>
+              <a:buFont typeface="Arial" panose="020B0604020202020204" pitchFamily="34" charset="0"/>
+              <a:buChar char="•"/>
+              <a:defRPr sz="1800" kern="1200" cap="none" baseline="0">
+                <a:solidFill>
+                  <a:schemeClr val="tx1"/>
+                </a:solidFill>
+                <a:effectLst/>
+                <a:latin typeface="+mn-lt"/>
+                <a:ea typeface="+mn-ea"/>
+                <a:cs typeface="+mn-cs"/>
+              </a:defRPr>
+            </a:lvl2pPr>
+            <a:lvl3pPr marL="1143000" indent="-228600" algn="l" defTabSz="914400" rtl="0" eaLnBrk="1" latinLnBrk="0" hangingPunct="1">
+              <a:lnSpc>
+                <a:spcPct val="120000"/>
+              </a:lnSpc>
+              <a:spcBef>
+                <a:spcPts val="500"/>
+              </a:spcBef>
+              <a:buClr>
+                <a:schemeClr val="accent1"/>
+              </a:buClr>
+              <a:buSzPct val="100000"/>
+              <a:buFont typeface="Arial" panose="020B0604020202020204" pitchFamily="34" charset="0"/>
+              <a:buChar char="•"/>
+              <a:defRPr sz="1600" kern="1200">
+                <a:solidFill>
+                  <a:schemeClr val="tx1"/>
+                </a:solidFill>
+                <a:effectLst/>
+                <a:latin typeface="+mn-lt"/>
+                <a:ea typeface="+mn-ea"/>
+                <a:cs typeface="+mn-cs"/>
+              </a:defRPr>
+            </a:lvl3pPr>
+            <a:lvl4pPr marL="1600200" indent="-228600" algn="l" defTabSz="914400" rtl="0" eaLnBrk="1" latinLnBrk="0" hangingPunct="1">
+              <a:lnSpc>
+                <a:spcPct val="120000"/>
+              </a:lnSpc>
+              <a:spcBef>
+                <a:spcPts val="500"/>
+              </a:spcBef>
+              <a:buClr>
+                <a:schemeClr val="accent1"/>
+              </a:buClr>
+              <a:buSzPct val="100000"/>
+              <a:buFont typeface="Arial" panose="020B0604020202020204" pitchFamily="34" charset="0"/>
+              <a:buChar char="•"/>
+              <a:defRPr sz="1400" kern="1200" cap="none" baseline="0">
+                <a:solidFill>
+                  <a:schemeClr val="tx1"/>
+                </a:solidFill>
+                <a:effectLst/>
+                <a:latin typeface="+mn-lt"/>
+                <a:ea typeface="+mn-ea"/>
+                <a:cs typeface="+mn-cs"/>
+              </a:defRPr>
+            </a:lvl4pPr>
+            <a:lvl5pPr marL="2057400" indent="-228600" algn="l" defTabSz="914400" rtl="0" eaLnBrk="1" latinLnBrk="0" hangingPunct="1">
+              <a:lnSpc>
+                <a:spcPct val="120000"/>
+              </a:lnSpc>
+              <a:spcBef>
+                <a:spcPts val="500"/>
+              </a:spcBef>
+              <a:buClr>
+                <a:schemeClr val="accent1"/>
+              </a:buClr>
+              <a:buSzPct val="100000"/>
+              <a:buFont typeface="Arial" panose="020B0604020202020204" pitchFamily="34" charset="0"/>
+              <a:buChar char="•"/>
+              <a:defRPr sz="1200" kern="1200">
+                <a:solidFill>
+                  <a:schemeClr val="tx1"/>
+                </a:solidFill>
+                <a:effectLst/>
+                <a:latin typeface="+mn-lt"/>
+                <a:ea typeface="+mn-ea"/>
+                <a:cs typeface="+mn-cs"/>
+              </a:defRPr>
+            </a:lvl5pPr>
+            <a:lvl6pPr marL="2514600" indent="-228600" algn="l" defTabSz="914400" rtl="0" eaLnBrk="1" latinLnBrk="0" hangingPunct="1">
+              <a:lnSpc>
+                <a:spcPct val="120000"/>
+              </a:lnSpc>
+              <a:spcBef>
+                <a:spcPts val="500"/>
+              </a:spcBef>
+              <a:buClr>
+                <a:schemeClr val="accent1"/>
+              </a:buClr>
+              <a:buSzPct val="100000"/>
+              <a:buFont typeface="Arial" panose="020B0604020202020204" pitchFamily="34" charset="0"/>
+              <a:buChar char="•"/>
+              <a:defRPr sz="1200" kern="1200">
+                <a:solidFill>
+                  <a:schemeClr val="tx1"/>
+                </a:solidFill>
+                <a:effectLst/>
+                <a:latin typeface="+mn-lt"/>
+                <a:ea typeface="+mn-ea"/>
+                <a:cs typeface="+mn-cs"/>
+              </a:defRPr>
+            </a:lvl6pPr>
+            <a:lvl7pPr marL="2971800" indent="-228600" algn="l" defTabSz="914400" rtl="0" eaLnBrk="1" latinLnBrk="0" hangingPunct="1">
+              <a:lnSpc>
+                <a:spcPct val="120000"/>
+              </a:lnSpc>
+              <a:spcBef>
+                <a:spcPts val="500"/>
+              </a:spcBef>
+              <a:buClr>
+                <a:schemeClr val="accent1"/>
+              </a:buClr>
+              <a:buSzPct val="100000"/>
+              <a:buFont typeface="Arial" panose="020B0604020202020204" pitchFamily="34" charset="0"/>
+              <a:buChar char="•"/>
+              <a:defRPr sz="1200" kern="1200">
+                <a:solidFill>
+                  <a:schemeClr val="tx1"/>
+                </a:solidFill>
+                <a:effectLst/>
+                <a:latin typeface="+mn-lt"/>
+                <a:ea typeface="+mn-ea"/>
+                <a:cs typeface="+mn-cs"/>
+              </a:defRPr>
+            </a:lvl7pPr>
+            <a:lvl8pPr marL="3429000" indent="-228600" algn="l" defTabSz="914400" rtl="0" eaLnBrk="1" latinLnBrk="0" hangingPunct="1">
+              <a:lnSpc>
+                <a:spcPct val="120000"/>
+              </a:lnSpc>
+              <a:spcBef>
+                <a:spcPts val="500"/>
+              </a:spcBef>
+              <a:buClr>
+                <a:schemeClr val="accent1"/>
+              </a:buClr>
+              <a:buSzPct val="100000"/>
+              <a:buFont typeface="Arial" panose="020B0604020202020204" pitchFamily="34" charset="0"/>
+              <a:buChar char="•"/>
+              <a:defRPr sz="1200" kern="1200" baseline="0">
+                <a:solidFill>
+                  <a:schemeClr val="tx1"/>
+                </a:solidFill>
+                <a:effectLst/>
+                <a:latin typeface="+mn-lt"/>
+                <a:ea typeface="+mn-ea"/>
+                <a:cs typeface="+mn-cs"/>
+              </a:defRPr>
+            </a:lvl8pPr>
+            <a:lvl9pPr marL="3886200" indent="-228600" algn="l" defTabSz="914400" rtl="0" eaLnBrk="1" latinLnBrk="0" hangingPunct="1">
+              <a:lnSpc>
+                <a:spcPct val="120000"/>
+              </a:lnSpc>
+              <a:spcBef>
+                <a:spcPts val="500"/>
+              </a:spcBef>
+              <a:buClr>
+                <a:schemeClr val="accent1"/>
+              </a:buClr>
+              <a:buSzPct val="100000"/>
+              <a:buFont typeface="Arial" panose="020B0604020202020204" pitchFamily="34" charset="0"/>
+              <a:buChar char="•"/>
+              <a:defRPr sz="1200" kern="1200" baseline="0">
+                <a:solidFill>
+                  <a:schemeClr val="tx1"/>
+                </a:solidFill>
+                <a:effectLst/>
+                <a:latin typeface="+mn-lt"/>
+                <a:ea typeface="+mn-ea"/>
+                <a:cs typeface="+mn-cs"/>
+              </a:defRPr>
+            </a:lvl9pPr>
+          </a:lstStyle>
+          <a:p>
+            <a:r>
+              <a:rPr lang="de-AT" dirty="0"/>
               <a:t>Unzureichende Zeit</a:t>
             </a:r>
           </a:p>
@@ -5778,7 +8040,7 @@
           <p:nvPr/>
         </p:nvPicPr>
         <p:blipFill>
-          <a:blip r:embed="rId6">
+          <a:blip r:embed="rId7">
             <a:extLst>
               <a:ext uri="{28A0092B-C50C-407E-A947-70E740481C1C}">
                 <a14:useLocalDpi xmlns:a14="http://schemas.microsoft.com/office/drawing/2010/main" val="0"/>
@@ -5920,7 +8182,7 @@
           <p:nvPr/>
         </p:nvPicPr>
         <p:blipFill>
-          <a:blip r:embed="rId2">
+          <a:blip r:embed="rId3">
             <a:extLst>
               <a:ext uri="{28A0092B-C50C-407E-A947-70E740481C1C}">
                 <a14:useLocalDpi xmlns:a14="http://schemas.microsoft.com/office/drawing/2010/main" val="0"/>
@@ -6205,4 +8467,299 @@
     </a:ext>
   </a:extLst>
 </a:theme>
+</file>
+
+<file path=ppt/theme/theme2.xml><?xml version="1.0" encoding="utf-8"?>
+<a:theme xmlns:a="http://schemas.openxmlformats.org/drawingml/2006/main" name="Office">
+  <a:themeElements>
+    <a:clrScheme name="Office">
+      <a:dk1>
+        <a:sysClr val="windowText" lastClr="000000"/>
+      </a:dk1>
+      <a:lt1>
+        <a:sysClr val="window" lastClr="FFFFFF"/>
+      </a:lt1>
+      <a:dk2>
+        <a:srgbClr val="44546A"/>
+      </a:dk2>
+      <a:lt2>
+        <a:srgbClr val="E7E6E6"/>
+      </a:lt2>
+      <a:accent1>
+        <a:srgbClr val="4472C4"/>
+      </a:accent1>
+      <a:accent2>
+        <a:srgbClr val="ED7D31"/>
+      </a:accent2>
+      <a:accent3>
+        <a:srgbClr val="A5A5A5"/>
+      </a:accent3>
+      <a:accent4>
+        <a:srgbClr val="FFC000"/>
+      </a:accent4>
+      <a:accent5>
+        <a:srgbClr val="5B9BD5"/>
+      </a:accent5>
+      <a:accent6>
+        <a:srgbClr val="70AD47"/>
+      </a:accent6>
+      <a:hlink>
+        <a:srgbClr val="0563C1"/>
+      </a:hlink>
+      <a:folHlink>
+        <a:srgbClr val="954F72"/>
+      </a:folHlink>
+    </a:clrScheme>
+    <a:fontScheme name="Office">
+      <a:majorFont>
+        <a:latin typeface="Calibri Light" panose="020F0302020204030204"/>
+        <a:ea typeface=""/>
+        <a:cs typeface=""/>
+        <a:font script="Jpan" typeface="游ゴシック Light"/>
+        <a:font script="Hang" typeface="맑은 고딕"/>
+        <a:font script="Hans" typeface="等线 Light"/>
+        <a:font script="Hant" typeface="新細明體"/>
+        <a:font script="Arab" typeface="Times New Roman"/>
+        <a:font script="Hebr" typeface="Times New Roman"/>
+        <a:font script="Thai" typeface="Angsana New"/>
+        <a:font script="Ethi" typeface="Nyala"/>
+        <a:font script="Beng" typeface="Vrinda"/>
+        <a:font script="Gujr" typeface="Shruti"/>
+        <a:font script="Khmr" typeface="MoolBoran"/>
+        <a:font script="Knda" typeface="Tunga"/>
+        <a:font script="Guru" typeface="Raavi"/>
+        <a:font script="Cans" typeface="Euphemia"/>
+        <a:font script="Cher" typeface="Plantagenet Cherokee"/>
+        <a:font script="Yiii" typeface="Microsoft Yi Baiti"/>
+        <a:font script="Tibt" typeface="Microsoft Himalaya"/>
+        <a:font script="Thaa" typeface="MV Boli"/>
+        <a:font script="Deva" typeface="Mangal"/>
+        <a:font script="Telu" typeface="Gautami"/>
+        <a:font script="Taml" typeface="Latha"/>
+        <a:font script="Syrc" typeface="Estrangelo Edessa"/>
+        <a:font script="Orya" typeface="Kalinga"/>
+        <a:font script="Mlym" typeface="Kartika"/>
+        <a:font script="Laoo" typeface="DokChampa"/>
+        <a:font script="Sinh" typeface="Iskoola Pota"/>
+        <a:font script="Mong" typeface="Mongolian Baiti"/>
+        <a:font script="Viet" typeface="Times New Roman"/>
+        <a:font script="Uigh" typeface="Microsoft Uighur"/>
+        <a:font script="Geor" typeface="Sylfaen"/>
+        <a:font script="Armn" typeface="Arial"/>
+        <a:font script="Bugi" typeface="Leelawadee UI"/>
+        <a:font script="Bopo" typeface="Microsoft JhengHei"/>
+        <a:font script="Java" typeface="Javanese Text"/>
+        <a:font script="Lisu" typeface="Segoe UI"/>
+        <a:font script="Mymr" typeface="Myanmar Text"/>
+        <a:font script="Nkoo" typeface="Ebrima"/>
+        <a:font script="Olck" typeface="Nirmala UI"/>
+        <a:font script="Osma" typeface="Ebrima"/>
+        <a:font script="Phag" typeface="Phagspa"/>
+        <a:font script="Syrn" typeface="Estrangelo Edessa"/>
+        <a:font script="Syrj" typeface="Estrangelo Edessa"/>
+        <a:font script="Syre" typeface="Estrangelo Edessa"/>
+        <a:font script="Sora" typeface="Nirmala UI"/>
+        <a:font script="Tale" typeface="Microsoft Tai Le"/>
+        <a:font script="Talu" typeface="Microsoft New Tai Lue"/>
+        <a:font script="Tfng" typeface="Ebrima"/>
+      </a:majorFont>
+      <a:minorFont>
+        <a:latin typeface="Calibri" panose="020F0502020204030204"/>
+        <a:ea typeface=""/>
+        <a:cs typeface=""/>
+        <a:font script="Jpan" typeface="游ゴシック"/>
+        <a:font script="Hang" typeface="맑은 고딕"/>
+        <a:font script="Hans" typeface="等线"/>
+        <a:font script="Hant" typeface="新細明體"/>
+        <a:font script="Arab" typeface="Arial"/>
+        <a:font script="Hebr" typeface="Arial"/>
+        <a:font script="Thai" typeface="Cordia New"/>
+        <a:font script="Ethi" typeface="Nyala"/>
+        <a:font script="Beng" typeface="Vrinda"/>
+        <a:font script="Gujr" typeface="Shruti"/>
+        <a:font script="Khmr" typeface="DaunPenh"/>
+        <a:font script="Knda" typeface="Tunga"/>
+        <a:font script="Guru" typeface="Raavi"/>
+        <a:font script="Cans" typeface="Euphemia"/>
+        <a:font script="Cher" typeface="Plantagenet Cherokee"/>
+        <a:font script="Yiii" typeface="Microsoft Yi Baiti"/>
+        <a:font script="Tibt" typeface="Microsoft Himalaya"/>
+        <a:font script="Thaa" typeface="MV Boli"/>
+        <a:font script="Deva" typeface="Mangal"/>
+        <a:font script="Telu" typeface="Gautami"/>
+        <a:font script="Taml" typeface="Latha"/>
+        <a:font script="Syrc" typeface="Estrangelo Edessa"/>
+        <a:font script="Orya" typeface="Kalinga"/>
+        <a:font script="Mlym" typeface="Kartika"/>
+        <a:font script="Laoo" typeface="DokChampa"/>
+        <a:font script="Sinh" typeface="Iskoola Pota"/>
+        <a:font script="Mong" typeface="Mongolian Baiti"/>
+        <a:font script="Viet" typeface="Arial"/>
+        <a:font script="Uigh" typeface="Microsoft Uighur"/>
+        <a:font script="Geor" typeface="Sylfaen"/>
+        <a:font script="Armn" typeface="Arial"/>
+        <a:font script="Bugi" typeface="Leelawadee UI"/>
+        <a:font script="Bopo" typeface="Microsoft JhengHei"/>
+        <a:font script="Java" typeface="Javanese Text"/>
+        <a:font script="Lisu" typeface="Segoe UI"/>
+        <a:font script="Mymr" typeface="Myanmar Text"/>
+        <a:font script="Nkoo" typeface="Ebrima"/>
+        <a:font script="Olck" typeface="Nirmala UI"/>
+        <a:font script="Osma" typeface="Ebrima"/>
+        <a:font script="Phag" typeface="Phagspa"/>
+        <a:font script="Syrn" typeface="Estrangelo Edessa"/>
+        <a:font script="Syrj" typeface="Estrangelo Edessa"/>
+        <a:font script="Syre" typeface="Estrangelo Edessa"/>
+        <a:font script="Sora" typeface="Nirmala UI"/>
+        <a:font script="Tale" typeface="Microsoft Tai Le"/>
+        <a:font script="Talu" typeface="Microsoft New Tai Lue"/>
+        <a:font script="Tfng" typeface="Ebrima"/>
+      </a:minorFont>
+    </a:fontScheme>
+    <a:fmtScheme name="Office">
+      <a:fillStyleLst>
+        <a:solidFill>
+          <a:schemeClr val="phClr"/>
+        </a:solidFill>
+        <a:gradFill rotWithShape="1">
+          <a:gsLst>
+            <a:gs pos="0">
+              <a:schemeClr val="phClr">
+                <a:lumMod val="110000"/>
+                <a:satMod val="105000"/>
+                <a:tint val="67000"/>
+              </a:schemeClr>
+            </a:gs>
+            <a:gs pos="50000">
+              <a:schemeClr val="phClr">
+                <a:lumMod val="105000"/>
+                <a:satMod val="103000"/>
+                <a:tint val="73000"/>
+              </a:schemeClr>
+            </a:gs>
+            <a:gs pos="100000">
+              <a:schemeClr val="phClr">
+                <a:lumMod val="105000"/>
+                <a:satMod val="109000"/>
+                <a:tint val="81000"/>
+              </a:schemeClr>
+            </a:gs>
+          </a:gsLst>
+          <a:lin ang="5400000" scaled="0"/>
+        </a:gradFill>
+        <a:gradFill rotWithShape="1">
+          <a:gsLst>
+            <a:gs pos="0">
+              <a:schemeClr val="phClr">
+                <a:satMod val="103000"/>
+                <a:lumMod val="102000"/>
+                <a:tint val="94000"/>
+              </a:schemeClr>
+            </a:gs>
+            <a:gs pos="50000">
+              <a:schemeClr val="phClr">
+                <a:satMod val="110000"/>
+                <a:lumMod val="100000"/>
+                <a:shade val="100000"/>
+              </a:schemeClr>
+            </a:gs>
+            <a:gs pos="100000">
+              <a:schemeClr val="phClr">
+                <a:lumMod val="99000"/>
+                <a:satMod val="120000"/>
+                <a:shade val="78000"/>
+              </a:schemeClr>
+            </a:gs>
+          </a:gsLst>
+          <a:lin ang="5400000" scaled="0"/>
+        </a:gradFill>
+      </a:fillStyleLst>
+      <a:lnStyleLst>
+        <a:ln w="6350" cap="flat" cmpd="sng" algn="ctr">
+          <a:solidFill>
+            <a:schemeClr val="phClr"/>
+          </a:solidFill>
+          <a:prstDash val="solid"/>
+          <a:miter lim="800000"/>
+        </a:ln>
+        <a:ln w="12700" cap="flat" cmpd="sng" algn="ctr">
+          <a:solidFill>
+            <a:schemeClr val="phClr"/>
+          </a:solidFill>
+          <a:prstDash val="solid"/>
+          <a:miter lim="800000"/>
+        </a:ln>
+        <a:ln w="19050" cap="flat" cmpd="sng" algn="ctr">
+          <a:solidFill>
+            <a:schemeClr val="phClr"/>
+          </a:solidFill>
+          <a:prstDash val="solid"/>
+          <a:miter lim="800000"/>
+        </a:ln>
+      </a:lnStyleLst>
+      <a:effectStyleLst>
+        <a:effectStyle>
+          <a:effectLst/>
+        </a:effectStyle>
+        <a:effectStyle>
+          <a:effectLst/>
+        </a:effectStyle>
+        <a:effectStyle>
+          <a:effectLst>
+            <a:outerShdw blurRad="57150" dist="19050" dir="5400000" algn="ctr" rotWithShape="0">
+              <a:srgbClr val="000000">
+                <a:alpha val="63000"/>
+              </a:srgbClr>
+            </a:outerShdw>
+          </a:effectLst>
+        </a:effectStyle>
+      </a:effectStyleLst>
+      <a:bgFillStyleLst>
+        <a:solidFill>
+          <a:schemeClr val="phClr"/>
+        </a:solidFill>
+        <a:solidFill>
+          <a:schemeClr val="phClr">
+            <a:tint val="95000"/>
+            <a:satMod val="170000"/>
+          </a:schemeClr>
+        </a:solidFill>
+        <a:gradFill rotWithShape="1">
+          <a:gsLst>
+            <a:gs pos="0">
+              <a:schemeClr val="phClr">
+                <a:tint val="93000"/>
+                <a:satMod val="150000"/>
+                <a:shade val="98000"/>
+                <a:lumMod val="102000"/>
+              </a:schemeClr>
+            </a:gs>
+            <a:gs pos="50000">
+              <a:schemeClr val="phClr">
+                <a:tint val="98000"/>
+                <a:satMod val="130000"/>
+                <a:shade val="90000"/>
+                <a:lumMod val="103000"/>
+              </a:schemeClr>
+            </a:gs>
+            <a:gs pos="100000">
+              <a:schemeClr val="phClr">
+                <a:shade val="63000"/>
+                <a:satMod val="120000"/>
+              </a:schemeClr>
+            </a:gs>
+          </a:gsLst>
+          <a:lin ang="5400000" scaled="0"/>
+        </a:gradFill>
+      </a:bgFillStyleLst>
+    </a:fmtScheme>
+  </a:themeElements>
+  <a:objectDefaults/>
+  <a:extraClrSchemeLst/>
+  <a:extLst>
+    <a:ext uri="{05A4C25C-085E-4340-85A3-A5531E510DB2}">
+      <thm15:themeFamily xmlns:thm15="http://schemas.microsoft.com/office/thememl/2012/main" name="Office Theme" id="{62F939B6-93AF-4DB8-9C6B-D6C7DFDC589F}" vid="{4A3C46E8-61CC-4603-A589-7422A47A8E4A}"/>
+    </a:ext>
+  </a:extLst>
+</a:theme>
 </file>
--- a/projectfiles/Präsentation/Bike-ShopPräsentation.pptx
+++ b/projectfiles/Präsentation/Bike-ShopPräsentation.pptx
@@ -9,9 +9,9 @@
   </p:notesMasterIdLst>
   <p:sldIdLst>
     <p:sldId id="256" r:id="rId2"/>
-    <p:sldId id="257" r:id="rId3"/>
-    <p:sldId id="258" r:id="rId4"/>
-    <p:sldId id="259" r:id="rId5"/>
+    <p:sldId id="273" r:id="rId3"/>
+    <p:sldId id="257" r:id="rId4"/>
+    <p:sldId id="258" r:id="rId5"/>
     <p:sldId id="262" r:id="rId6"/>
     <p:sldId id="260" r:id="rId7"/>
     <p:sldId id="261" r:id="rId8"/>
@@ -269,7 +269,7 @@
           <a:p>
             <a:fld id="{D2E1F350-777B-47A9-93DF-DEA13703B54A}" type="datetimeFigureOut">
               <a:rPr lang="de-AT" smtClean="0"/>
-              <a:t>29.05.2022</a:t>
+              <a:t>30.05.2022</a:t>
             </a:fld>
             <a:endParaRPr lang="de-AT"/>
           </a:p>
@@ -675,7 +675,7 @@
             </a:r>
             <a:r>
               <a:rPr lang="de-AT" dirty="0"/>
-              <a:t> sieht dementsprechend ziemlich simpel aus.</a:t>
+              <a:t> sieht dementsprechend ziemlich simpel aus. </a:t>
             </a:r>
           </a:p>
         </p:txBody>
@@ -762,7 +762,23 @@
           <a:p>
             <a:r>
               <a:rPr lang="de-AT" dirty="0"/>
-              <a:t>Aber der Zeitplan war dichtgedrängt.</a:t>
+              <a:t>Aber der Zeitplan war dichtgedrängt. Wir hatten je eine Woche für </a:t>
+            </a:r>
+            <a:r>
+              <a:rPr lang="de-AT" dirty="0" err="1"/>
+              <a:t>html</a:t>
+            </a:r>
+            <a:r>
+              <a:rPr lang="de-AT" dirty="0"/>
+              <a:t> und </a:t>
+            </a:r>
+            <a:r>
+              <a:rPr lang="de-AT" dirty="0" err="1"/>
+              <a:t>css</a:t>
+            </a:r>
+            <a:r>
+              <a:rPr lang="de-AT" dirty="0"/>
+              <a:t> und jeweils 2 Wochen für JavaScript und Angular eingeplant.</a:t>
             </a:r>
           </a:p>
         </p:txBody>
@@ -852,6 +868,12 @@
               <a:t>Alle unsere Teammitglieder haben Demoseiten erstellt, um unseren Fortschritt zu zeigen. Hier die Seite vom Aldin.</a:t>
             </a:r>
           </a:p>
+          <a:p>
+            <a:r>
+              <a:rPr lang="de-AT" dirty="0"/>
+              <a:t>Wir hatten die Seite mit funktionierendem Backend geplant.</a:t>
+            </a:r>
+          </a:p>
         </p:txBody>
       </p:sp>
       <p:sp>
@@ -936,7 +958,7 @@
           <a:p>
             <a:r>
               <a:rPr lang="de-AT" dirty="0"/>
-              <a:t>Im Backend gibt es nur zwei Entitäten, Bike und Shop. Die Rest-</a:t>
+              <a:t>Im Backend gibt es nur zwei Entitäten, Bike und Shop in einer 1:n Beziehung. Die Rest-</a:t>
             </a:r>
             <a:r>
               <a:rPr lang="de-AT" dirty="0" err="1"/>
@@ -1081,32 +1103,6 @@
               <a:t>.</a:t>
             </a:r>
           </a:p>
-          <a:p>
-            <a:pPr marL="0" marR="0" lvl="0" indent="0" algn="l" defTabSz="914400" rtl="0" eaLnBrk="1" fontAlgn="auto" latinLnBrk="0" hangingPunct="1">
-              <a:lnSpc>
-                <a:spcPct val="100000"/>
-              </a:lnSpc>
-              <a:spcBef>
-                <a:spcPts val="0"/>
-              </a:spcBef>
-              <a:spcAft>
-                <a:spcPts val="0"/>
-              </a:spcAft>
-              <a:buClrTx/>
-              <a:buSzTx/>
-              <a:buFontTx/>
-              <a:buNone/>
-              <a:tabLst/>
-              <a:defRPr/>
-            </a:pPr>
-            <a:r>
-              <a:rPr lang="de-AT" dirty="0"/>
-              <a:t>Die Zeit hat leider nicht ausgereicht, um das Projekt fertig zu stellen.</a:t>
-            </a:r>
-          </a:p>
-          <a:p>
-            <a:endParaRPr lang="de-AT" dirty="0"/>
-          </a:p>
         </p:txBody>
       </p:sp>
       <p:sp>
@@ -1275,37 +1271,21 @@
           <a:p>
             <a:r>
               <a:rPr lang="de-AT" dirty="0"/>
-              <a:t>Erstes Projekt Bike-O-Mat:</a:t>
-            </a:r>
-          </a:p>
-          <a:p>
-            <a:r>
-              <a:rPr lang="de-AT" dirty="0"/>
-              <a:t>Fahrrad-Vermietung über Fahrradstationen.</a:t>
-            </a:r>
-          </a:p>
-          <a:p>
-            <a:r>
-              <a:rPr lang="de-AT" dirty="0"/>
-              <a:t>Deployen wollten wir auf Azure.</a:t>
-            </a:r>
-          </a:p>
-          <a:p>
-            <a:r>
-              <a:rPr lang="de-AT" dirty="0"/>
-              <a:t>Funktion sollte sein, dass man über die Website am Handy einen QR-Code einscannt und das Fahrrad ausborgen kann.</a:t>
-            </a:r>
-          </a:p>
-          <a:p>
-            <a:r>
-              <a:rPr lang="de-AT" dirty="0"/>
-              <a:t>Die Abrechnung sollte zeitlich, aber auch nach Pauschalen, Aktionen funktionieren.</a:t>
-            </a:r>
-          </a:p>
-          <a:p>
-            <a:r>
-              <a:rPr lang="de-AT" dirty="0"/>
-              <a:t>Die Kosten wären nach Nutzer berechnet worden.</a:t>
+              <a:t>Willkommen zu Bike-O-Mat and </a:t>
+            </a:r>
+            <a:r>
+              <a:rPr lang="de-AT" dirty="0" err="1"/>
+              <a:t>Bikeshop</a:t>
+            </a:r>
+            <a:r>
+              <a:rPr lang="de-AT" dirty="0"/>
+              <a:t>, das sind die 2 Projekte, mit denen sich unser Team, (Kern Oliver, Pozegic Aldin, Andreas Selinger) dieses Semester beschäftigt hat.</a:t>
+            </a:r>
+          </a:p>
+          <a:p>
+            <a:r>
+              <a:rPr lang="de-AT" dirty="0"/>
+              <a:t>Sehen wir uns kurz unser erste Projekt, Bike-O-Mat an.</a:t>
             </a:r>
           </a:p>
         </p:txBody>
@@ -1336,7 +1316,7 @@
     </p:spTree>
     <p:extLst>
       <p:ext uri="{BB962C8B-B14F-4D97-AF65-F5344CB8AC3E}">
-        <p14:creationId xmlns:p14="http://schemas.microsoft.com/office/powerpoint/2010/main" val="878996368"/>
+        <p14:creationId xmlns:p14="http://schemas.microsoft.com/office/powerpoint/2010/main" val="2652885949"/>
       </p:ext>
     </p:extLst>
   </p:cSld>
@@ -1392,19 +1372,32 @@
           <a:p>
             <a:r>
               <a:rPr lang="de-AT" dirty="0"/>
-              <a:t>Wir haben die typischen Dokumente erstellt:</a:t>
-            </a:r>
-          </a:p>
-          <a:p>
-            <a:r>
-              <a:rPr lang="de-AT" dirty="0"/>
-              <a:t>Projektauftrag, Projektstrukturplan, Umfeldanalyse, Machbarkeitsanalyse, Produkt-Backlog und einen Teil vom Spring-</a:t>
-            </a:r>
-            <a:r>
-              <a:rPr lang="de-AT" dirty="0" err="1"/>
-              <a:t>backlog</a:t>
-            </a:r>
-            <a:endParaRPr lang="de-AT" dirty="0"/>
+              <a:t>Bike-O-Mat sollte eine Fahrrad-Vermietung über Fahrradstationen werden.</a:t>
+            </a:r>
+          </a:p>
+          <a:p>
+            <a:r>
+              <a:rPr lang="de-AT" dirty="0"/>
+              <a:t>Deployen wollten wir auf Azure Server.</a:t>
+            </a:r>
+          </a:p>
+          <a:p>
+            <a:r>
+              <a:rPr lang="de-AT" dirty="0"/>
+              <a:t>Eine Funktion sollte sein, dass man über die Website am Handy einen QR-Code einscannt und das Fahrrad ausborgen kann.</a:t>
+            </a:r>
+          </a:p>
+          <a:p>
+            <a:r>
+              <a:rPr lang="de-AT" dirty="0"/>
+              <a:t>Die Abrechnung sollte zeitlich, aber auch nach Pauschalen, Aktionen funktionieren.</a:t>
+            </a:r>
+          </a:p>
+          <a:p>
+            <a:r>
+              <a:rPr lang="de-AT" dirty="0"/>
+              <a:t>Die Kosten hätten in Echtzeit angezeigt werden sollen.</a:t>
+            </a:r>
           </a:p>
         </p:txBody>
       </p:sp>
@@ -1434,7 +1427,7 @@
     </p:spTree>
     <p:extLst>
       <p:ext uri="{BB962C8B-B14F-4D97-AF65-F5344CB8AC3E}">
-        <p14:creationId xmlns:p14="http://schemas.microsoft.com/office/powerpoint/2010/main" val="311771726"/>
+        <p14:creationId xmlns:p14="http://schemas.microsoft.com/office/powerpoint/2010/main" val="878996368"/>
       </p:ext>
     </p:extLst>
   </p:cSld>
@@ -1490,7 +1483,21 @@
           <a:p>
             <a:r>
               <a:rPr lang="de-AT" dirty="0"/>
-              <a:t>Hier noch kurz der Projektstrukturplan</a:t>
+              <a:t>Wir haben die typischen Dokumente erstellt:</a:t>
+            </a:r>
+          </a:p>
+          <a:p>
+            <a:r>
+              <a:rPr lang="de-AT" dirty="0"/>
+              <a:t>Projektauftrag, Projektstrukturplan, Umfeldanalyse, Machbarkeitsanalyse, Produkt-Backlog und einen Teil vom Spring-</a:t>
+            </a:r>
+            <a:r>
+              <a:rPr lang="de-AT" dirty="0" err="1"/>
+              <a:t>backlog</a:t>
+            </a:r>
+            <a:r>
+              <a:rPr lang="de-AT" dirty="0"/>
+              <a:t>.</a:t>
             </a:r>
           </a:p>
         </p:txBody>
@@ -1521,7 +1528,7 @@
     </p:spTree>
     <p:extLst>
       <p:ext uri="{BB962C8B-B14F-4D97-AF65-F5344CB8AC3E}">
-        <p14:creationId xmlns:p14="http://schemas.microsoft.com/office/powerpoint/2010/main" val="332243235"/>
+        <p14:creationId xmlns:p14="http://schemas.microsoft.com/office/powerpoint/2010/main" val="311771726"/>
       </p:ext>
     </p:extLst>
   </p:cSld>
@@ -1688,21 +1695,19 @@
           <a:p>
             <a:r>
               <a:rPr lang="de-AT" dirty="0"/>
-              <a:t>Der erste Sprint hätte so ausgesehen, aber die Pläne waren eher utopisch. Ohne das </a:t>
-            </a:r>
-            <a:r>
-              <a:rPr lang="de-AT" dirty="0" err="1"/>
-              <a:t>Know-How</a:t>
-            </a:r>
-            <a:r>
-              <a:rPr lang="de-AT" dirty="0"/>
-              <a:t> hätten wir es nicht so schnell hingekriegt.</a:t>
-            </a:r>
-          </a:p>
-          <a:p>
-            <a:r>
-              <a:rPr lang="de-AT" dirty="0"/>
-              <a:t>Aber es ist eh anders gekommen.</a:t>
+              <a:t>Der erste Sprint hätte so ausgesehen, aber die Pläne waren eher utopisch. Der Sprint wurde eher auf gut Glück erstellt, weil wir zu dem Zeitpunkt nicht wirklich wussten, wie das Projekt durchgeführt werden soll.  </a:t>
+            </a:r>
+          </a:p>
+          <a:p>
+            <a:r>
+              <a:rPr lang="de-AT" dirty="0"/>
+              <a:t>Wir haben lange geplant, wie die Datenbankseite aussehen sollte.</a:t>
+            </a:r>
+          </a:p>
+          <a:p>
+            <a:r>
+              <a:rPr lang="de-AT" dirty="0"/>
+              <a:t>Aber dann es ist eh anders gekommen.</a:t>
             </a:r>
           </a:p>
         </p:txBody>
@@ -1795,13 +1800,13 @@
           <a:p>
             <a:r>
               <a:rPr lang="de-AT" dirty="0"/>
+              <a:t>Wir hatten unzureichende Personalressourcen und auch den Austritt eines Teammitglieds eingeplant.</a:t>
+            </a:r>
+          </a:p>
+          <a:p>
+            <a:r>
+              <a:rPr lang="de-AT" dirty="0"/>
               <a:t>Wir hatten aber kein Risiko für Ausfälle wegen Krankenständen eingeplant.</a:t>
-            </a:r>
-          </a:p>
-          <a:p>
-            <a:r>
-              <a:rPr lang="de-AT" dirty="0"/>
-              <a:t>Krankenstände gab es aber viele und lange. Unser Team hat sich fast 3 Monate nicht persönlich gesehen und das ganze Projekt ist eingeschlafen.</a:t>
             </a:r>
           </a:p>
         </p:txBody>
@@ -1886,23 +1891,63 @@
           <a:bodyPr/>
           <a:lstStyle/>
           <a:p>
-            <a:r>
-              <a:rPr lang="de-AT" dirty="0"/>
-              <a:t>Bike-O-Mat ist durch unzureichende Zeit gestorben. Das hat sich durch die Krankenstände verschlimmert, weil die Team Mitglieder ja auch für andere Fächer nachlernen mussten.</a:t>
-            </a:r>
-          </a:p>
-          <a:p>
-            <a:r>
-              <a:rPr lang="de-AT" dirty="0"/>
-              <a:t>Allgemein hatte unser Team aber auch fehlendes </a:t>
-            </a:r>
-            <a:r>
-              <a:rPr lang="de-AT" dirty="0" err="1"/>
-              <a:t>Know-How</a:t>
-            </a:r>
-            <a:r>
-              <a:rPr lang="de-AT" dirty="0"/>
-              <a:t>.</a:t>
+            <a:pPr marL="0" marR="0" lvl="0" indent="0" algn="l" defTabSz="914400" rtl="0" eaLnBrk="1" fontAlgn="auto" latinLnBrk="0" hangingPunct="1">
+              <a:lnSpc>
+                <a:spcPct val="100000"/>
+              </a:lnSpc>
+              <a:spcBef>
+                <a:spcPts val="0"/>
+              </a:spcBef>
+              <a:spcAft>
+                <a:spcPts val="0"/>
+              </a:spcAft>
+              <a:buClrTx/>
+              <a:buSzTx/>
+              <a:buFontTx/>
+              <a:buNone/>
+              <a:tabLst/>
+              <a:defRPr/>
+            </a:pPr>
+            <a:r>
+              <a:rPr lang="de-AT" dirty="0"/>
+              <a:t>Krankenstände gab es aber viele und lange. Unser Team hat sich ca. 2 Monate nicht persönlich gesehen und das ganze Projekt ist eingeschlafen.</a:t>
+            </a:r>
+          </a:p>
+          <a:p>
+            <a:pPr marL="0" marR="0" lvl="0" indent="0" algn="l" defTabSz="914400" rtl="0" eaLnBrk="1" fontAlgn="auto" latinLnBrk="0" hangingPunct="1">
+              <a:lnSpc>
+                <a:spcPct val="100000"/>
+              </a:lnSpc>
+              <a:spcBef>
+                <a:spcPts val="0"/>
+              </a:spcBef>
+              <a:spcAft>
+                <a:spcPts val="0"/>
+              </a:spcAft>
+              <a:buClrTx/>
+              <a:buSzTx/>
+              <a:buFontTx/>
+              <a:buNone/>
+              <a:tabLst/>
+              <a:defRPr/>
+            </a:pPr>
+            <a:r>
+              <a:rPr lang="de-AT" dirty="0"/>
+              <a:t>Nach den Krankenständen mussten die Team Mitglieder ja auch für andere Fächer nachlernen. Allgemein hatte unser Team nicht genug Know-how.</a:t>
+            </a:r>
+          </a:p>
+          <a:p>
+            <a:r>
+              <a:rPr lang="de-AT" dirty="0"/>
+              <a:t>Und so ist Bike-O-Mat friedlich im Schlaf </a:t>
+            </a:r>
+            <a:r>
+              <a:rPr lang="de-AT" b="1" u="sng" dirty="0"/>
+              <a:t>*</a:t>
+            </a:r>
+            <a:r>
+              <a:rPr lang="de-AT" dirty="0"/>
+              <a:t> verstorben. </a:t>
             </a:r>
           </a:p>
           <a:p>
@@ -2003,7 +2048,7 @@
           <a:p>
             <a:r>
               <a:rPr lang="de-AT" dirty="0"/>
-              <a:t>Bike-Shop soll von der Funktionalität eher simpel sein, aber mit Angular erstellt werden.</a:t>
+              <a:t>Bike-Shop sollte von der Funktionalität eher simpel sein, aber mit Angular erstellt werden.</a:t>
             </a:r>
           </a:p>
           <a:p>
@@ -2039,7 +2084,7 @@
           <a:p>
             <a:r>
               <a:rPr lang="de-AT" dirty="0"/>
-              <a:t>Das war auch ziemlich ambitioniert. Da wir da nur noch 24 Tage für das komplette Projekt zur Verfügung hatten.</a:t>
+              <a:t>Das war auch ziemlich ambitioniert. Da wir zu dem Zeitpunkt nur noch 24 Tage für das komplette Projekt zur Verfügung hatten.</a:t>
             </a:r>
           </a:p>
         </p:txBody>
@@ -2219,7 +2264,7 @@
           <a:p>
             <a:fld id="{19045B84-EB75-4B45-A3B9-984A25D25DB0}" type="datetimeFigureOut">
               <a:rPr lang="de-AT" smtClean="0"/>
-              <a:t>29.05.2022</a:t>
+              <a:t>30.05.2022</a:t>
             </a:fld>
             <a:endParaRPr lang="de-AT"/>
           </a:p>
@@ -2430,7 +2475,7 @@
           <a:p>
             <a:fld id="{19045B84-EB75-4B45-A3B9-984A25D25DB0}" type="datetimeFigureOut">
               <a:rPr lang="de-AT" smtClean="0"/>
-              <a:t>29.05.2022</a:t>
+              <a:t>30.05.2022</a:t>
             </a:fld>
             <a:endParaRPr lang="de-AT"/>
           </a:p>
@@ -2645,7 +2690,7 @@
           <a:p>
             <a:fld id="{19045B84-EB75-4B45-A3B9-984A25D25DB0}" type="datetimeFigureOut">
               <a:rPr lang="de-AT" smtClean="0"/>
-              <a:t>29.05.2022</a:t>
+              <a:t>30.05.2022</a:t>
             </a:fld>
             <a:endParaRPr lang="de-AT"/>
           </a:p>
@@ -2846,7 +2891,7 @@
           <a:p>
             <a:fld id="{19045B84-EB75-4B45-A3B9-984A25D25DB0}" type="datetimeFigureOut">
               <a:rPr lang="de-AT" smtClean="0"/>
-              <a:t>29.05.2022</a:t>
+              <a:t>30.05.2022</a:t>
             </a:fld>
             <a:endParaRPr lang="de-AT"/>
           </a:p>
@@ -3125,7 +3170,7 @@
           <a:p>
             <a:fld id="{19045B84-EB75-4B45-A3B9-984A25D25DB0}" type="datetimeFigureOut">
               <a:rPr lang="de-AT" smtClean="0"/>
-              <a:t>29.05.2022</a:t>
+              <a:t>30.05.2022</a:t>
             </a:fld>
             <a:endParaRPr lang="de-AT"/>
           </a:p>
@@ -3393,7 +3438,7 @@
           <a:p>
             <a:fld id="{19045B84-EB75-4B45-A3B9-984A25D25DB0}" type="datetimeFigureOut">
               <a:rPr lang="de-AT" smtClean="0"/>
-              <a:t>29.05.2022</a:t>
+              <a:t>30.05.2022</a:t>
             </a:fld>
             <a:endParaRPr lang="de-AT"/>
           </a:p>
@@ -3809,7 +3854,7 @@
           <a:p>
             <a:fld id="{19045B84-EB75-4B45-A3B9-984A25D25DB0}" type="datetimeFigureOut">
               <a:rPr lang="de-AT" smtClean="0"/>
-              <a:t>29.05.2022</a:t>
+              <a:t>30.05.2022</a:t>
             </a:fld>
             <a:endParaRPr lang="de-AT"/>
           </a:p>
@@ -3958,7 +4003,7 @@
           <a:p>
             <a:fld id="{19045B84-EB75-4B45-A3B9-984A25D25DB0}" type="datetimeFigureOut">
               <a:rPr lang="de-AT" smtClean="0"/>
-              <a:t>29.05.2022</a:t>
+              <a:t>30.05.2022</a:t>
             </a:fld>
             <a:endParaRPr lang="de-AT"/>
           </a:p>
@@ -4084,7 +4129,7 @@
           <a:p>
             <a:fld id="{19045B84-EB75-4B45-A3B9-984A25D25DB0}" type="datetimeFigureOut">
               <a:rPr lang="de-AT" smtClean="0"/>
-              <a:t>29.05.2022</a:t>
+              <a:t>30.05.2022</a:t>
             </a:fld>
             <a:endParaRPr lang="de-AT"/>
           </a:p>
@@ -4335,7 +4380,7 @@
           <a:p>
             <a:fld id="{19045B84-EB75-4B45-A3B9-984A25D25DB0}" type="datetimeFigureOut">
               <a:rPr lang="de-AT" smtClean="0"/>
-              <a:t>29.05.2022</a:t>
+              <a:t>30.05.2022</a:t>
             </a:fld>
             <a:endParaRPr lang="de-AT"/>
           </a:p>
@@ -4780,7 +4825,7 @@
           <a:p>
             <a:fld id="{19045B84-EB75-4B45-A3B9-984A25D25DB0}" type="datetimeFigureOut">
               <a:rPr lang="de-AT" smtClean="0"/>
-              <a:t>29.05.2022</a:t>
+              <a:t>30.05.2022</a:t>
             </a:fld>
             <a:endParaRPr lang="de-AT"/>
           </a:p>
@@ -5107,7 +5152,7 @@
           <a:p>
             <a:fld id="{19045B84-EB75-4B45-A3B9-984A25D25DB0}" type="datetimeFigureOut">
               <a:rPr lang="de-AT" smtClean="0"/>
-              <a:t>29.05.2022</a:t>
+              <a:t>30.05.2022</a:t>
             </a:fld>
             <a:endParaRPr lang="de-AT"/>
           </a:p>
@@ -5624,8 +5669,8 @@
               <a:rPr lang="de-AT" dirty="0"/>
             </a:br>
             <a:r>
-              <a:rPr lang="de-AT" dirty="0" err="1"/>
-              <a:t>to</a:t>
+              <a:rPr lang="de-AT" dirty="0"/>
+              <a:t>And</a:t>
             </a:r>
             <a:br>
               <a:rPr lang="de-AT" dirty="0"/>
@@ -6726,8 +6771,8 @@
           </a:p>
         </p:txBody>
       </p:sp>
-      <mc:AlternateContent xmlns:mc="http://schemas.openxmlformats.org/markup-compatibility/2006">
-        <mc:Choice xmlns:p14="http://schemas.microsoft.com/office/powerpoint/2010/main" Requires="p14">
+      <mc:AlternateContent xmlns:mc="http://schemas.openxmlformats.org/markup-compatibility/2006" xmlns:p14="http://schemas.microsoft.com/office/powerpoint/2010/main">
+        <mc:Choice Requires="p14">
           <p:contentPart p14:bwMode="auto" r:id="rId5">
             <p14:nvContentPartPr>
               <p14:cNvPr id="10" name="Freihand 9">
@@ -6746,7 +6791,7 @@
             </p14:xfrm>
           </p:contentPart>
         </mc:Choice>
-        <mc:Fallback>
+        <mc:Fallback xmlns="">
           <p:pic>
             <p:nvPicPr>
               <p:cNvPr id="10" name="Freihand 9">
@@ -6777,8 +6822,8 @@
           </p:pic>
         </mc:Fallback>
       </mc:AlternateContent>
-      <mc:AlternateContent xmlns:mc="http://schemas.openxmlformats.org/markup-compatibility/2006">
-        <mc:Choice xmlns:p14="http://schemas.microsoft.com/office/powerpoint/2010/main" Requires="p14">
+      <mc:AlternateContent xmlns:mc="http://schemas.openxmlformats.org/markup-compatibility/2006" xmlns:p14="http://schemas.microsoft.com/office/powerpoint/2010/main">
+        <mc:Choice Requires="p14">
           <p:contentPart p14:bwMode="auto" r:id="rId7">
             <p14:nvContentPartPr>
               <p14:cNvPr id="11" name="Freihand 10">
@@ -6797,7 +6842,7 @@
             </p14:xfrm>
           </p:contentPart>
         </mc:Choice>
-        <mc:Fallback>
+        <mc:Fallback xmlns="">
           <p:pic>
             <p:nvPicPr>
               <p:cNvPr id="11" name="Freihand 10">
@@ -6996,7 +7041,7 @@
           <p:cNvPr id="2" name="Titel 1">
             <a:extLst>
               <a:ext uri="{FF2B5EF4-FFF2-40B4-BE49-F238E27FC236}">
-                <a16:creationId xmlns:a16="http://schemas.microsoft.com/office/drawing/2014/main" id="{1F773FA1-EEC6-FF10-08FF-31CAF843838D}"/>
+                <a16:creationId xmlns:a16="http://schemas.microsoft.com/office/drawing/2014/main" id="{2013EE15-1316-344C-6CCE-185D179DB963}"/>
               </a:ext>
             </a:extLst>
           </p:cNvPr>
@@ -7004,32 +7049,43 @@
             <a:spLocks noGrp="1"/>
           </p:cNvSpPr>
           <p:nvPr>
-            <p:ph type="title"/>
-          </p:nvPr>
-        </p:nvSpPr>
-        <p:spPr/>
-        <p:txBody>
-          <a:bodyPr/>
-          <a:lstStyle/>
-          <a:p>
-            <a:r>
-              <a:rPr lang="de-AT" dirty="0"/>
-              <a:t>Bike-o-</a:t>
-            </a:r>
-            <a:r>
-              <a:rPr lang="de-AT" dirty="0" err="1"/>
-              <a:t>mat</a:t>
-            </a:r>
-            <a:endParaRPr lang="de-AT" dirty="0"/>
-          </a:p>
-        </p:txBody>
-      </p:sp>
-      <p:sp>
-        <p:nvSpPr>
-          <p:cNvPr id="3" name="Inhaltsplatzhalter 2">
+            <p:ph type="ctrTitle"/>
+          </p:nvPr>
+        </p:nvSpPr>
+        <p:spPr/>
+        <p:txBody>
+          <a:bodyPr>
+            <a:normAutofit fontScale="90000"/>
+          </a:bodyPr>
+          <a:lstStyle/>
+          <a:p>
+            <a:r>
+              <a:rPr lang="de-AT" dirty="0"/>
+              <a:t>Bike-O-Mat</a:t>
+            </a:r>
+            <a:br>
+              <a:rPr lang="de-AT" dirty="0"/>
+            </a:br>
+            <a:r>
+              <a:rPr lang="de-AT" dirty="0"/>
+              <a:t>And</a:t>
+            </a:r>
+            <a:br>
+              <a:rPr lang="de-AT" dirty="0"/>
+            </a:br>
+            <a:r>
+              <a:rPr lang="de-AT" dirty="0"/>
+              <a:t>Bike-Shop</a:t>
+            </a:r>
+          </a:p>
+        </p:txBody>
+      </p:sp>
+      <p:sp>
+        <p:nvSpPr>
+          <p:cNvPr id="3" name="Untertitel 2">
             <a:extLst>
               <a:ext uri="{FF2B5EF4-FFF2-40B4-BE49-F238E27FC236}">
-                <a16:creationId xmlns:a16="http://schemas.microsoft.com/office/drawing/2014/main" id="{2F904D69-627A-449A-FB65-D5506DDB99A6}"/>
+                <a16:creationId xmlns:a16="http://schemas.microsoft.com/office/drawing/2014/main" id="{1ACAABD3-C51B-66AA-DCE4-ADE359BBA227}"/>
               </a:ext>
             </a:extLst>
           </p:cNvPr>
@@ -7037,46 +7093,131 @@
             <a:spLocks noGrp="1"/>
           </p:cNvSpPr>
           <p:nvPr>
-            <p:ph idx="1"/>
-          </p:nvPr>
-        </p:nvSpPr>
-        <p:spPr/>
-        <p:txBody>
-          <a:bodyPr/>
-          <a:lstStyle/>
-          <a:p>
-            <a:r>
-              <a:rPr lang="de-AT" dirty="0"/>
-              <a:t>Fahrrad-Vermietung über Stationen</a:t>
-            </a:r>
-          </a:p>
-          <a:p>
-            <a:r>
-              <a:rPr lang="de-AT" dirty="0"/>
-              <a:t>Microsoft Azure Server als Plattform</a:t>
-            </a:r>
-          </a:p>
-          <a:p>
-            <a:r>
-              <a:rPr lang="de-AT" dirty="0"/>
-              <a:t>Scan eines QR-Codes entsperrt Fahrrad</a:t>
-            </a:r>
-          </a:p>
-          <a:p>
-            <a:r>
-              <a:rPr lang="de-AT" dirty="0"/>
-              <a:t>Abrechnung über Website, Nutzeraccount</a:t>
-            </a:r>
-          </a:p>
-          <a:p>
-            <a:endParaRPr lang="de-AT" dirty="0"/>
-          </a:p>
-        </p:txBody>
-      </p:sp>
+            <p:ph type="subTitle" idx="1"/>
+          </p:nvPr>
+        </p:nvSpPr>
+        <p:spPr>
+          <a:xfrm>
+            <a:off x="4305950" y="3593343"/>
+            <a:ext cx="2707410" cy="1507521"/>
+          </a:xfrm>
+        </p:spPr>
+        <p:txBody>
+          <a:bodyPr>
+            <a:normAutofit/>
+          </a:bodyPr>
+          <a:lstStyle/>
+          <a:p>
+            <a:r>
+              <a:rPr lang="de-AT" dirty="0"/>
+              <a:t>Team:</a:t>
+            </a:r>
+            <a:br>
+              <a:rPr lang="de-AT" dirty="0"/>
+            </a:br>
+            <a:r>
+              <a:rPr lang="de-AT" dirty="0"/>
+              <a:t>Kern Oliver</a:t>
+            </a:r>
+            <a:br>
+              <a:rPr lang="de-AT" dirty="0"/>
+            </a:br>
+            <a:r>
+              <a:rPr lang="de-AT" dirty="0"/>
+              <a:t>Pozegic Aldin</a:t>
+            </a:r>
+            <a:br>
+              <a:rPr lang="de-AT" dirty="0"/>
+            </a:br>
+            <a:r>
+              <a:rPr lang="de-AT" dirty="0"/>
+              <a:t>Selinger Andreas</a:t>
+            </a:r>
+          </a:p>
+        </p:txBody>
+      </p:sp>
+      <p:pic>
+        <p:nvPicPr>
+          <p:cNvPr id="5" name="Grafik 4" descr="Ein Bild, das Fahrrad, geparkt, Transport, Gestell enthält.&#10;&#10;Automatisch generierte Beschreibung">
+            <a:extLst>
+              <a:ext uri="{FF2B5EF4-FFF2-40B4-BE49-F238E27FC236}">
+                <a16:creationId xmlns:a16="http://schemas.microsoft.com/office/drawing/2014/main" id="{68C4DF7A-D24E-7DA5-4F2E-CCB46776D7E7}"/>
+              </a:ext>
+            </a:extLst>
+          </p:cNvPr>
+          <p:cNvPicPr>
+            <a:picLocks noChangeAspect="1"/>
+          </p:cNvPicPr>
+          <p:nvPr/>
+        </p:nvPicPr>
+        <p:blipFill>
+          <a:blip r:embed="rId3">
+            <a:extLst>
+              <a:ext uri="{28A0092B-C50C-407E-A947-70E740481C1C}">
+                <a14:useLocalDpi xmlns:a14="http://schemas.microsoft.com/office/drawing/2010/main" val="0"/>
+              </a:ext>
+              <a:ext uri="{837473B0-CC2E-450A-ABE3-18F120FF3D39}">
+                <a1611:picAttrSrcUrl xmlns:a1611="http://schemas.microsoft.com/office/drawing/2016/11/main" r:id="rId4"/>
+              </a:ext>
+            </a:extLst>
+          </a:blip>
+          <a:stretch>
+            <a:fillRect/>
+          </a:stretch>
+        </p:blipFill>
+        <p:spPr>
+          <a:xfrm>
+            <a:off x="-528531" y="3392890"/>
+            <a:ext cx="5397658" cy="3415947"/>
+          </a:xfrm>
+          <a:prstGeom prst="rect">
+            <a:avLst/>
+          </a:prstGeom>
+        </p:spPr>
+      </p:pic>
+      <p:pic>
+        <p:nvPicPr>
+          <p:cNvPr id="8" name="Grafik 7" descr="Ein Bild, das Kraftrad, geparkt, draußen, Motorradfahren enthält.&#10;&#10;Automatisch generierte Beschreibung">
+            <a:extLst>
+              <a:ext uri="{FF2B5EF4-FFF2-40B4-BE49-F238E27FC236}">
+                <a16:creationId xmlns:a16="http://schemas.microsoft.com/office/drawing/2014/main" id="{407E449F-68A4-D461-6DF9-0CBCB9646419}"/>
+              </a:ext>
+            </a:extLst>
+          </p:cNvPr>
+          <p:cNvPicPr>
+            <a:picLocks noChangeAspect="1"/>
+          </p:cNvPicPr>
+          <p:nvPr/>
+        </p:nvPicPr>
+        <p:blipFill>
+          <a:blip r:embed="rId5">
+            <a:extLst>
+              <a:ext uri="{28A0092B-C50C-407E-A947-70E740481C1C}">
+                <a14:useLocalDpi xmlns:a14="http://schemas.microsoft.com/office/drawing/2010/main" val="0"/>
+              </a:ext>
+              <a:ext uri="{837473B0-CC2E-450A-ABE3-18F120FF3D39}">
+                <a1611:picAttrSrcUrl xmlns:a1611="http://schemas.microsoft.com/office/drawing/2016/11/main" r:id="rId6"/>
+              </a:ext>
+            </a:extLst>
+          </a:blip>
+          <a:stretch>
+            <a:fillRect/>
+          </a:stretch>
+        </p:blipFill>
+        <p:spPr>
+          <a:xfrm>
+            <a:off x="5962463" y="3011187"/>
+            <a:ext cx="6078914" cy="3846813"/>
+          </a:xfrm>
+          <a:prstGeom prst="rect">
+            <a:avLst/>
+          </a:prstGeom>
+        </p:spPr>
+      </p:pic>
     </p:spTree>
     <p:extLst>
       <p:ext uri="{BB962C8B-B14F-4D97-AF65-F5344CB8AC3E}">
-        <p14:creationId xmlns:p14="http://schemas.microsoft.com/office/powerpoint/2010/main" val="3098888125"/>
+        <p14:creationId xmlns:p14="http://schemas.microsoft.com/office/powerpoint/2010/main" val="1646650126"/>
       </p:ext>
     </p:extLst>
   </p:cSld>
@@ -7152,69 +7293,43 @@
             <p:ph idx="1"/>
           </p:nvPr>
         </p:nvSpPr>
-        <p:spPr>
-          <a:xfrm>
-            <a:off x="1451579" y="2015732"/>
-            <a:ext cx="9603275" cy="4148001"/>
-          </a:xfrm>
-        </p:spPr>
+        <p:spPr/>
         <p:txBody>
           <a:bodyPr/>
           <a:lstStyle/>
           <a:p>
             <a:r>
               <a:rPr lang="de-AT" dirty="0"/>
-              <a:t>Erstellte Dokumente:</a:t>
-            </a:r>
-          </a:p>
-          <a:p>
-            <a:pPr lvl="1"/>
-            <a:r>
-              <a:rPr lang="de-AT" dirty="0"/>
-              <a:t>Projektauftrag</a:t>
-            </a:r>
-          </a:p>
-          <a:p>
-            <a:pPr lvl="1"/>
-            <a:r>
-              <a:rPr lang="de-AT" dirty="0"/>
-              <a:t>Projektstrukturplan</a:t>
-            </a:r>
-          </a:p>
-          <a:p>
-            <a:pPr lvl="1"/>
-            <a:r>
-              <a:rPr lang="de-AT" dirty="0"/>
-              <a:t>Umfeldanalyse</a:t>
-            </a:r>
-          </a:p>
-          <a:p>
-            <a:pPr lvl="1"/>
-            <a:r>
-              <a:rPr lang="de-AT" dirty="0"/>
-              <a:t>Machbarkeitsanalyse</a:t>
-            </a:r>
-          </a:p>
-          <a:p>
-            <a:pPr lvl="1"/>
-            <a:r>
-              <a:rPr lang="de-AT" dirty="0"/>
-              <a:t>Product-Backlog</a:t>
-            </a:r>
-          </a:p>
-          <a:p>
-            <a:pPr lvl="1"/>
-            <a:r>
-              <a:rPr lang="de-AT" dirty="0"/>
-              <a:t>Sprintbacklog</a:t>
-            </a:r>
+              <a:t>Fahrrad-Vermietung über Stationen</a:t>
+            </a:r>
+          </a:p>
+          <a:p>
+            <a:r>
+              <a:rPr lang="de-AT" dirty="0"/>
+              <a:t>Microsoft Azure Server als Plattform</a:t>
+            </a:r>
+          </a:p>
+          <a:p>
+            <a:r>
+              <a:rPr lang="de-AT" dirty="0"/>
+              <a:t>Scan eines QR-Codes entsperrt Fahrrad</a:t>
+            </a:r>
+          </a:p>
+          <a:p>
+            <a:r>
+              <a:rPr lang="de-AT" dirty="0"/>
+              <a:t>Abrechnung über Website, Nutzeraccount</a:t>
+            </a:r>
+          </a:p>
+          <a:p>
+            <a:endParaRPr lang="de-AT" dirty="0"/>
           </a:p>
         </p:txBody>
       </p:sp>
     </p:spTree>
     <p:extLst>
       <p:ext uri="{BB962C8B-B14F-4D97-AF65-F5344CB8AC3E}">
-        <p14:creationId xmlns:p14="http://schemas.microsoft.com/office/powerpoint/2010/main" val="4115735604"/>
+        <p14:creationId xmlns:p14="http://schemas.microsoft.com/office/powerpoint/2010/main" val="3098888125"/>
       </p:ext>
     </p:extLst>
   </p:cSld>
@@ -7241,40 +7356,118 @@
           <a:chExt cx="0" cy="0"/>
         </a:xfrm>
       </p:grpSpPr>
-      <p:pic>
-        <p:nvPicPr>
-          <p:cNvPr id="4" name="Grafik 3">
+      <p:sp>
+        <p:nvSpPr>
+          <p:cNvPr id="2" name="Titel 1">
             <a:extLst>
               <a:ext uri="{FF2B5EF4-FFF2-40B4-BE49-F238E27FC236}">
-                <a16:creationId xmlns:a16="http://schemas.microsoft.com/office/drawing/2014/main" id="{43238760-A280-3137-DC35-9D4A7535AC16}"/>
+                <a16:creationId xmlns:a16="http://schemas.microsoft.com/office/drawing/2014/main" id="{1F773FA1-EEC6-FF10-08FF-31CAF843838D}"/>
               </a:ext>
             </a:extLst>
           </p:cNvPr>
-          <p:cNvPicPr>
-            <a:picLocks noChangeAspect="1"/>
-          </p:cNvPicPr>
-          <p:nvPr/>
-        </p:nvPicPr>
-        <p:blipFill>
-          <a:blip r:embed="rId3"/>
-          <a:stretch>
-            <a:fillRect/>
-          </a:stretch>
-        </p:blipFill>
+          <p:cNvSpPr>
+            <a:spLocks noGrp="1"/>
+          </p:cNvSpPr>
+          <p:nvPr>
+            <p:ph type="title"/>
+          </p:nvPr>
+        </p:nvSpPr>
+        <p:spPr/>
+        <p:txBody>
+          <a:bodyPr/>
+          <a:lstStyle/>
+          <a:p>
+            <a:r>
+              <a:rPr lang="de-AT" dirty="0"/>
+              <a:t>Bike-o-</a:t>
+            </a:r>
+            <a:r>
+              <a:rPr lang="de-AT" dirty="0" err="1"/>
+              <a:t>mat</a:t>
+            </a:r>
+            <a:endParaRPr lang="de-AT" dirty="0"/>
+          </a:p>
+        </p:txBody>
+      </p:sp>
+      <p:sp>
+        <p:nvSpPr>
+          <p:cNvPr id="3" name="Inhaltsplatzhalter 2">
+            <a:extLst>
+              <a:ext uri="{FF2B5EF4-FFF2-40B4-BE49-F238E27FC236}">
+                <a16:creationId xmlns:a16="http://schemas.microsoft.com/office/drawing/2014/main" id="{2F904D69-627A-449A-FB65-D5506DDB99A6}"/>
+              </a:ext>
+            </a:extLst>
+          </p:cNvPr>
+          <p:cNvSpPr>
+            <a:spLocks noGrp="1"/>
+          </p:cNvSpPr>
+          <p:nvPr>
+            <p:ph idx="1"/>
+          </p:nvPr>
+        </p:nvSpPr>
         <p:spPr>
           <a:xfrm>
-            <a:off x="830920" y="0"/>
-            <a:ext cx="10134600" cy="6743700"/>
+            <a:off x="1451579" y="2015732"/>
+            <a:ext cx="9603275" cy="4148001"/>
           </a:xfrm>
-          <a:prstGeom prst="rect">
-            <a:avLst/>
-          </a:prstGeom>
         </p:spPr>
-      </p:pic>
+        <p:txBody>
+          <a:bodyPr/>
+          <a:lstStyle/>
+          <a:p>
+            <a:r>
+              <a:rPr lang="de-AT" dirty="0"/>
+              <a:t>Erstellte Dokumente:</a:t>
+            </a:r>
+          </a:p>
+          <a:p>
+            <a:pPr lvl="1"/>
+            <a:r>
+              <a:rPr lang="de-AT" dirty="0"/>
+              <a:t>Projektauftrag</a:t>
+            </a:r>
+          </a:p>
+          <a:p>
+            <a:pPr lvl="1"/>
+            <a:r>
+              <a:rPr lang="de-AT" dirty="0"/>
+              <a:t>Projektstrukturplan</a:t>
+            </a:r>
+          </a:p>
+          <a:p>
+            <a:pPr lvl="1"/>
+            <a:r>
+              <a:rPr lang="de-AT" dirty="0"/>
+              <a:t>Umfeldanalyse</a:t>
+            </a:r>
+          </a:p>
+          <a:p>
+            <a:pPr lvl="1"/>
+            <a:r>
+              <a:rPr lang="de-AT" dirty="0"/>
+              <a:t>Machbarkeitsanalyse</a:t>
+            </a:r>
+          </a:p>
+          <a:p>
+            <a:pPr lvl="1"/>
+            <a:r>
+              <a:rPr lang="de-AT" dirty="0"/>
+              <a:t>Product-Backlog</a:t>
+            </a:r>
+          </a:p>
+          <a:p>
+            <a:pPr lvl="1"/>
+            <a:r>
+              <a:rPr lang="de-AT" dirty="0"/>
+              <a:t>Sprintbacklog</a:t>
+            </a:r>
+          </a:p>
+        </p:txBody>
+      </p:sp>
     </p:spTree>
     <p:extLst>
       <p:ext uri="{BB962C8B-B14F-4D97-AF65-F5344CB8AC3E}">
-        <p14:creationId xmlns:p14="http://schemas.microsoft.com/office/powerpoint/2010/main" val="3471891791"/>
+        <p14:creationId xmlns:p14="http://schemas.microsoft.com/office/powerpoint/2010/main" val="4115735604"/>
       </p:ext>
     </p:extLst>
   </p:cSld>
@@ -7661,11 +7854,11 @@
           <a:lstStyle/>
           <a:p>
             <a:r>
-              <a:rPr lang="de-AT" strike="sngStrike" dirty="0"/>
+              <a:rPr lang="de-AT" dirty="0"/>
               <a:t>Bike-o-</a:t>
             </a:r>
             <a:r>
-              <a:rPr lang="de-AT" strike="sngStrike" dirty="0" err="1"/>
+              <a:rPr lang="de-AT" dirty="0" err="1"/>
               <a:t>mat</a:t>
             </a:r>
             <a:r>
@@ -7708,7 +7901,7 @@
         </p:blipFill>
         <p:spPr>
           <a:xfrm>
-            <a:off x="3870960" y="889214"/>
+            <a:off x="3863145" y="936104"/>
             <a:ext cx="1320096" cy="879844"/>
           </a:xfrm>
         </p:spPr>
@@ -7744,8 +7937,8 @@
         </p:blipFill>
         <p:spPr>
           <a:xfrm flipH="1">
-            <a:off x="1047941" y="889214"/>
-            <a:ext cx="403637" cy="386745"/>
+            <a:off x="3701475" y="948678"/>
+            <a:ext cx="303941" cy="291221"/>
           </a:xfrm>
           <a:prstGeom prst="rect">
             <a:avLst/>
@@ -8061,6 +8254,45 @@
           </a:prstGeom>
         </p:spPr>
       </p:pic>
+      <p:cxnSp>
+        <p:nvCxnSpPr>
+          <p:cNvPr id="4" name="Gerader Verbinder 3">
+            <a:extLst>
+              <a:ext uri="{FF2B5EF4-FFF2-40B4-BE49-F238E27FC236}">
+                <a16:creationId xmlns:a16="http://schemas.microsoft.com/office/drawing/2014/main" id="{5DFD3863-4BE6-DB6A-1BE1-5FB0C7713B5D}"/>
+              </a:ext>
+            </a:extLst>
+          </p:cNvPr>
+          <p:cNvCxnSpPr>
+            <a:cxnSpLocks/>
+          </p:cNvCxnSpPr>
+          <p:nvPr/>
+        </p:nvCxnSpPr>
+        <p:spPr>
+          <a:xfrm>
+            <a:off x="1451579" y="1078521"/>
+            <a:ext cx="2249896" cy="0"/>
+          </a:xfrm>
+          <a:prstGeom prst="line">
+            <a:avLst/>
+          </a:prstGeom>
+          <a:ln w="28575"/>
+        </p:spPr>
+        <p:style>
+          <a:lnRef idx="1">
+            <a:schemeClr val="accent1"/>
+          </a:lnRef>
+          <a:fillRef idx="0">
+            <a:schemeClr val="accent1"/>
+          </a:fillRef>
+          <a:effectRef idx="0">
+            <a:schemeClr val="accent1"/>
+          </a:effectRef>
+          <a:fontRef idx="minor">
+            <a:schemeClr val="tx1"/>
+          </a:fontRef>
+        </p:style>
+      </p:cxnSp>
     </p:spTree>
     <p:extLst>
       <p:ext uri="{BB962C8B-B14F-4D97-AF65-F5344CB8AC3E}">
@@ -8071,6 +8303,202 @@
   <p:clrMapOvr>
     <a:masterClrMapping/>
   </p:clrMapOvr>
+  <p:timing>
+    <p:tnLst>
+      <p:par>
+        <p:cTn id="1" dur="indefinite" restart="never" nodeType="tmRoot">
+          <p:childTnLst>
+            <p:seq concurrent="1" nextAc="seek">
+              <p:cTn id="2" dur="indefinite" nodeType="mainSeq">
+                <p:childTnLst>
+                  <p:par>
+                    <p:cTn id="3" fill="hold">
+                      <p:stCondLst>
+                        <p:cond delay="indefinite"/>
+                      </p:stCondLst>
+                      <p:childTnLst>
+                        <p:par>
+                          <p:cTn id="4" fill="hold">
+                            <p:stCondLst>
+                              <p:cond delay="0"/>
+                            </p:stCondLst>
+                            <p:childTnLst>
+                              <p:par>
+                                <p:cTn id="5" presetID="1" presetClass="entr" presetSubtype="0" fill="hold" nodeType="clickEffect">
+                                  <p:stCondLst>
+                                    <p:cond delay="0"/>
+                                  </p:stCondLst>
+                                  <p:childTnLst>
+                                    <p:set>
+                                      <p:cBhvr>
+                                        <p:cTn id="6" dur="1" fill="hold">
+                                          <p:stCondLst>
+                                            <p:cond delay="0"/>
+                                          </p:stCondLst>
+                                        </p:cTn>
+                                        <p:tgtEl>
+                                          <p:spTgt spid="11"/>
+                                        </p:tgtEl>
+                                        <p:attrNameLst>
+                                          <p:attrName>style.visibility</p:attrName>
+                                        </p:attrNameLst>
+                                      </p:cBhvr>
+                                      <p:to>
+                                        <p:strVal val="visible"/>
+                                      </p:to>
+                                    </p:set>
+                                  </p:childTnLst>
+                                </p:cTn>
+                              </p:par>
+                              <p:par>
+                                <p:cTn id="7" presetID="1" presetClass="entr" presetSubtype="0" fill="hold" nodeType="withEffect">
+                                  <p:stCondLst>
+                                    <p:cond delay="0"/>
+                                  </p:stCondLst>
+                                  <p:childTnLst>
+                                    <p:set>
+                                      <p:cBhvr>
+                                        <p:cTn id="8" dur="1" fill="hold">
+                                          <p:stCondLst>
+                                            <p:cond delay="0"/>
+                                          </p:stCondLst>
+                                        </p:cTn>
+                                        <p:tgtEl>
+                                          <p:spTgt spid="5"/>
+                                        </p:tgtEl>
+                                        <p:attrNameLst>
+                                          <p:attrName>style.visibility</p:attrName>
+                                        </p:attrNameLst>
+                                      </p:cBhvr>
+                                      <p:to>
+                                        <p:strVal val="visible"/>
+                                      </p:to>
+                                    </p:set>
+                                  </p:childTnLst>
+                                </p:cTn>
+                              </p:par>
+                              <p:par>
+                                <p:cTn id="9" presetID="1" presetClass="entr" presetSubtype="0" fill="hold" nodeType="withEffect">
+                                  <p:stCondLst>
+                                    <p:cond delay="0"/>
+                                  </p:stCondLst>
+                                  <p:childTnLst>
+                                    <p:set>
+                                      <p:cBhvr>
+                                        <p:cTn id="10" dur="1" fill="hold">
+                                          <p:stCondLst>
+                                            <p:cond delay="0"/>
+                                          </p:stCondLst>
+                                        </p:cTn>
+                                        <p:tgtEl>
+                                          <p:spTgt spid="7"/>
+                                        </p:tgtEl>
+                                        <p:attrNameLst>
+                                          <p:attrName>style.visibility</p:attrName>
+                                        </p:attrNameLst>
+                                      </p:cBhvr>
+                                      <p:to>
+                                        <p:strVal val="visible"/>
+                                      </p:to>
+                                    </p:set>
+                                  </p:childTnLst>
+                                </p:cTn>
+                              </p:par>
+                            </p:childTnLst>
+                          </p:cTn>
+                        </p:par>
+                        <p:par>
+                          <p:cTn id="11" fill="hold">
+                            <p:stCondLst>
+                              <p:cond delay="0"/>
+                            </p:stCondLst>
+                            <p:childTnLst>
+                              <p:par>
+                                <p:cTn id="12" presetID="42" presetClass="path" presetSubtype="0" accel="50000" decel="50000" fill="hold" nodeType="afterEffect">
+                                  <p:stCondLst>
+                                    <p:cond delay="0"/>
+                                  </p:stCondLst>
+                                  <p:childTnLst>
+                                    <p:animMotion origin="layout" path="M 4.375E-6 -7.40741E-7 L -0.21159 -0.00347 " pathEditMode="relative" rAng="0" ptsTypes="AA">
+                                      <p:cBhvr>
+                                        <p:cTn id="13" dur="500" fill="hold"/>
+                                        <p:tgtEl>
+                                          <p:spTgt spid="7"/>
+                                        </p:tgtEl>
+                                        <p:attrNameLst>
+                                          <p:attrName>ppt_x</p:attrName>
+                                          <p:attrName>ppt_y</p:attrName>
+                                        </p:attrNameLst>
+                                      </p:cBhvr>
+                                      <p:rCtr x="-10586" y="-185"/>
+                                    </p:animMotion>
+                                  </p:childTnLst>
+                                </p:cTn>
+                              </p:par>
+                            </p:childTnLst>
+                          </p:cTn>
+                        </p:par>
+                        <p:par>
+                          <p:cTn id="14" fill="hold">
+                            <p:stCondLst>
+                              <p:cond delay="500"/>
+                            </p:stCondLst>
+                            <p:childTnLst>
+                              <p:par>
+                                <p:cTn id="15" presetID="1" presetClass="entr" presetSubtype="0" fill="hold" nodeType="afterEffect">
+                                  <p:stCondLst>
+                                    <p:cond delay="0"/>
+                                  </p:stCondLst>
+                                  <p:childTnLst>
+                                    <p:set>
+                                      <p:cBhvr>
+                                        <p:cTn id="16" dur="1" fill="hold">
+                                          <p:stCondLst>
+                                            <p:cond delay="0"/>
+                                          </p:stCondLst>
+                                        </p:cTn>
+                                        <p:tgtEl>
+                                          <p:spTgt spid="4"/>
+                                        </p:tgtEl>
+                                        <p:attrNameLst>
+                                          <p:attrName>style.visibility</p:attrName>
+                                        </p:attrNameLst>
+                                      </p:cBhvr>
+                                      <p:to>
+                                        <p:strVal val="visible"/>
+                                      </p:to>
+                                    </p:set>
+                                  </p:childTnLst>
+                                </p:cTn>
+                              </p:par>
+                            </p:childTnLst>
+                          </p:cTn>
+                        </p:par>
+                      </p:childTnLst>
+                    </p:cTn>
+                  </p:par>
+                </p:childTnLst>
+              </p:cTn>
+              <p:prevCondLst>
+                <p:cond evt="onPrev" delay="0">
+                  <p:tgtEl>
+                    <p:sldTgt/>
+                  </p:tgtEl>
+                </p:cond>
+              </p:prevCondLst>
+              <p:nextCondLst>
+                <p:cond evt="onNext" delay="0">
+                  <p:tgtEl>
+                    <p:sldTgt/>
+                  </p:tgtEl>
+                </p:cond>
+              </p:nextCondLst>
+            </p:seq>
+          </p:childTnLst>
+        </p:cTn>
+      </p:par>
+    </p:tnLst>
+  </p:timing>
 </p:sld>
 </file>
 

--- a/projectfiles/Präsentation/Bike-ShopPräsentation.pptx
+++ b/projectfiles/Präsentation/Bike-ShopPräsentation.pptx
@@ -269,7 +269,7 @@
           <a:p>
             <a:fld id="{D2E1F350-777B-47A9-93DF-DEA13703B54A}" type="datetimeFigureOut">
               <a:rPr lang="de-AT" smtClean="0"/>
-              <a:t>30.05.2022</a:t>
+              <a:t>31.05.2022</a:t>
             </a:fld>
             <a:endParaRPr lang="de-AT"/>
           </a:p>
@@ -1390,7 +1390,7 @@
           <a:p>
             <a:r>
               <a:rPr lang="de-AT" dirty="0"/>
-              <a:t>Die Abrechnung sollte zeitlich, aber auch nach Pauschalen, Aktionen funktionieren.</a:t>
+              <a:t>Die Abrechnung sollte zeitlich, aber auch nach Pauschalen und Aktionen funktionieren.</a:t>
             </a:r>
           </a:p>
           <a:p>
@@ -1489,7 +1489,7 @@
           <a:p>
             <a:r>
               <a:rPr lang="de-AT" dirty="0"/>
-              <a:t>Projektauftrag, Projektstrukturplan, Umfeldanalyse, Machbarkeitsanalyse, Produkt-Backlog und einen Teil vom Spring-</a:t>
+              <a:t>Projektauftrag, Projektstrukturplan, Umfeldanalyse, Machbarkeitsanalyse, Produkt-Backlog und einen Teil vom Sprint-</a:t>
             </a:r>
             <a:r>
               <a:rPr lang="de-AT" dirty="0" err="1"/>
@@ -1701,7 +1701,7 @@
           <a:p>
             <a:r>
               <a:rPr lang="de-AT" dirty="0"/>
-              <a:t>Wir haben lange geplant, wie die Datenbankseite aussehen sollte.</a:t>
+              <a:t>Wir haben lange überlegt, wie die Datenbank aufgebaut sein sollte.</a:t>
             </a:r>
           </a:p>
           <a:p>
@@ -1933,7 +1933,30 @@
             </a:pPr>
             <a:r>
               <a:rPr lang="de-AT" dirty="0"/>
-              <a:t>Nach den Krankenständen mussten die Team Mitglieder ja auch für andere Fächer nachlernen. Allgemein hatte unser Team nicht genug Know-how.</a:t>
+              <a:t>Nach den Krankenständen mussten die Team Mitglieder ja auch für andere Fächer nachlernen. </a:t>
+            </a:r>
+          </a:p>
+          <a:p>
+            <a:pPr marL="0" marR="0" lvl="0" indent="0" algn="l" defTabSz="914400" rtl="0" eaLnBrk="1" fontAlgn="auto" latinLnBrk="0" hangingPunct="1">
+              <a:lnSpc>
+                <a:spcPct val="100000"/>
+              </a:lnSpc>
+              <a:spcBef>
+                <a:spcPts val="0"/>
+              </a:spcBef>
+              <a:spcAft>
+                <a:spcPts val="0"/>
+              </a:spcAft>
+              <a:buClrTx/>
+              <a:buSzTx/>
+              <a:buFontTx/>
+              <a:buNone/>
+              <a:tabLst/>
+              <a:defRPr/>
+            </a:pPr>
+            <a:r>
+              <a:rPr lang="de-AT" dirty="0"/>
+              <a:t>Allgemein hatte unser Team nicht genug Know-how.</a:t>
             </a:r>
           </a:p>
           <a:p>
@@ -2264,7 +2287,7 @@
           <a:p>
             <a:fld id="{19045B84-EB75-4B45-A3B9-984A25D25DB0}" type="datetimeFigureOut">
               <a:rPr lang="de-AT" smtClean="0"/>
-              <a:t>30.05.2022</a:t>
+              <a:t>31.05.2022</a:t>
             </a:fld>
             <a:endParaRPr lang="de-AT"/>
           </a:p>
@@ -2475,7 +2498,7 @@
           <a:p>
             <a:fld id="{19045B84-EB75-4B45-A3B9-984A25D25DB0}" type="datetimeFigureOut">
               <a:rPr lang="de-AT" smtClean="0"/>
-              <a:t>30.05.2022</a:t>
+              <a:t>31.05.2022</a:t>
             </a:fld>
             <a:endParaRPr lang="de-AT"/>
           </a:p>
@@ -2690,7 +2713,7 @@
           <a:p>
             <a:fld id="{19045B84-EB75-4B45-A3B9-984A25D25DB0}" type="datetimeFigureOut">
               <a:rPr lang="de-AT" smtClean="0"/>
-              <a:t>30.05.2022</a:t>
+              <a:t>31.05.2022</a:t>
             </a:fld>
             <a:endParaRPr lang="de-AT"/>
           </a:p>
@@ -2891,7 +2914,7 @@
           <a:p>
             <a:fld id="{19045B84-EB75-4B45-A3B9-984A25D25DB0}" type="datetimeFigureOut">
               <a:rPr lang="de-AT" smtClean="0"/>
-              <a:t>30.05.2022</a:t>
+              <a:t>31.05.2022</a:t>
             </a:fld>
             <a:endParaRPr lang="de-AT"/>
           </a:p>
@@ -3170,7 +3193,7 @@
           <a:p>
             <a:fld id="{19045B84-EB75-4B45-A3B9-984A25D25DB0}" type="datetimeFigureOut">
               <a:rPr lang="de-AT" smtClean="0"/>
-              <a:t>30.05.2022</a:t>
+              <a:t>31.05.2022</a:t>
             </a:fld>
             <a:endParaRPr lang="de-AT"/>
           </a:p>
@@ -3438,7 +3461,7 @@
           <a:p>
             <a:fld id="{19045B84-EB75-4B45-A3B9-984A25D25DB0}" type="datetimeFigureOut">
               <a:rPr lang="de-AT" smtClean="0"/>
-              <a:t>30.05.2022</a:t>
+              <a:t>31.05.2022</a:t>
             </a:fld>
             <a:endParaRPr lang="de-AT"/>
           </a:p>
@@ -3854,7 +3877,7 @@
           <a:p>
             <a:fld id="{19045B84-EB75-4B45-A3B9-984A25D25DB0}" type="datetimeFigureOut">
               <a:rPr lang="de-AT" smtClean="0"/>
-              <a:t>30.05.2022</a:t>
+              <a:t>31.05.2022</a:t>
             </a:fld>
             <a:endParaRPr lang="de-AT"/>
           </a:p>
@@ -4003,7 +4026,7 @@
           <a:p>
             <a:fld id="{19045B84-EB75-4B45-A3B9-984A25D25DB0}" type="datetimeFigureOut">
               <a:rPr lang="de-AT" smtClean="0"/>
-              <a:t>30.05.2022</a:t>
+              <a:t>31.05.2022</a:t>
             </a:fld>
             <a:endParaRPr lang="de-AT"/>
           </a:p>
@@ -4129,7 +4152,7 @@
           <a:p>
             <a:fld id="{19045B84-EB75-4B45-A3B9-984A25D25DB0}" type="datetimeFigureOut">
               <a:rPr lang="de-AT" smtClean="0"/>
-              <a:t>30.05.2022</a:t>
+              <a:t>31.05.2022</a:t>
             </a:fld>
             <a:endParaRPr lang="de-AT"/>
           </a:p>
@@ -4380,7 +4403,7 @@
           <a:p>
             <a:fld id="{19045B84-EB75-4B45-A3B9-984A25D25DB0}" type="datetimeFigureOut">
               <a:rPr lang="de-AT" smtClean="0"/>
-              <a:t>30.05.2022</a:t>
+              <a:t>31.05.2022</a:t>
             </a:fld>
             <a:endParaRPr lang="de-AT"/>
           </a:p>
@@ -4825,7 +4848,7 @@
           <a:p>
             <a:fld id="{19045B84-EB75-4B45-A3B9-984A25D25DB0}" type="datetimeFigureOut">
               <a:rPr lang="de-AT" smtClean="0"/>
-              <a:t>30.05.2022</a:t>
+              <a:t>31.05.2022</a:t>
             </a:fld>
             <a:endParaRPr lang="de-AT"/>
           </a:p>
@@ -5152,7 +5175,7 @@
           <a:p>
             <a:fld id="{19045B84-EB75-4B45-A3B9-984A25D25DB0}" type="datetimeFigureOut">
               <a:rPr lang="de-AT" smtClean="0"/>
-              <a:t>30.05.2022</a:t>
+              <a:t>31.05.2022</a:t>
             </a:fld>
             <a:endParaRPr lang="de-AT"/>
           </a:p>

--- a/projectfiles/Präsentation/Bike-ShopPräsentation.pptx
+++ b/projectfiles/Präsentation/Bike-ShopPräsentation.pptx
@@ -1285,7 +1285,15 @@
           <a:p>
             <a:r>
               <a:rPr lang="de-AT" dirty="0"/>
-              <a:t>Sehen wir uns kurz unser erste Projekt, Bike-O-Mat an.</a:t>
+              <a:t>Sehen wir uns kurz </a:t>
+            </a:r>
+            <a:r>
+              <a:rPr lang="de-AT"/>
+              <a:t>unser erstes </a:t>
+            </a:r>
+            <a:r>
+              <a:rPr lang="de-AT" dirty="0"/>
+              <a:t>Projekt, Bike-O-Mat an.</a:t>
             </a:r>
           </a:p>
         </p:txBody>
